--- a/Licenta2019AlexandruRosca/Prezentare-licenta.pptx
+++ b/Licenta2019AlexandruRosca/Prezentare-licenta.pptx
@@ -2,14 +2,23 @@
 <file path=ppt/presentation.xml><?xml version="1.0" encoding="utf-8"?>
 <p:presentation xmlns:a="http://schemas.openxmlformats.org/drawingml/2006/main" xmlns:r="http://schemas.openxmlformats.org/officeDocument/2006/relationships" xmlns:p="http://schemas.openxmlformats.org/presentationml/2006/main" saveSubsetFonts="1">
   <p:sldMasterIdLst>
-    <p:sldMasterId id="2147483725" r:id="rId1"/>
+    <p:sldMasterId id="2147484238" r:id="rId1"/>
   </p:sldMasterIdLst>
   <p:notesMasterIdLst>
-    <p:notesMasterId r:id="rId4"/>
+    <p:notesMasterId r:id="rId13"/>
   </p:notesMasterIdLst>
   <p:sldIdLst>
     <p:sldId id="256" r:id="rId2"/>
-    <p:sldId id="257" r:id="rId3"/>
+    <p:sldId id="259" r:id="rId3"/>
+    <p:sldId id="260" r:id="rId4"/>
+    <p:sldId id="261" r:id="rId5"/>
+    <p:sldId id="262" r:id="rId6"/>
+    <p:sldId id="263" r:id="rId7"/>
+    <p:sldId id="264" r:id="rId8"/>
+    <p:sldId id="265" r:id="rId9"/>
+    <p:sldId id="266" r:id="rId10"/>
+    <p:sldId id="267" r:id="rId11"/>
+    <p:sldId id="268" r:id="rId12"/>
   </p:sldIdLst>
   <p:sldSz cx="12192000" cy="6858000"/>
   <p:notesSz cx="6858000" cy="9144000"/>
@@ -108,6 +117,11 @@
       </a:defRPr>
     </a:lvl9pPr>
   </p:defaultTextStyle>
+  <p:extLst>
+    <p:ext uri="{EFAFB233-063F-42B5-8137-9DF3F51BA10A}">
+      <p15:sldGuideLst xmlns:p15="http://schemas.microsoft.com/office/powerpoint/2012/main"/>
+    </p:ext>
+  </p:extLst>
 </p:presentation>
 </file>
 
@@ -193,7 +207,7 @@
           <a:p>
             <a:fld id="{3DA4C5B7-7949-4381-8D7D-F299B9CA140A}" type="datetimeFigureOut">
               <a:rPr lang="en-US" smtClean="0"/>
-              <a:t>27/06/2019</a:t>
+              <a:t>02/07/2019</a:t>
             </a:fld>
             <a:endParaRPr lang="en-US"/>
           </a:p>
@@ -490,32 +504,15 @@
         </p:nvSpPr>
         <p:spPr>
           <a:xfrm>
-            <a:off x="1751012" y="609601"/>
-            <a:ext cx="8676222" cy="3200400"/>
+            <a:off x="1154955" y="1447800"/>
+            <a:ext cx="8825658" cy="3329581"/>
           </a:xfrm>
         </p:spPr>
         <p:txBody>
-          <a:bodyPr anchor="b">
-            <a:normAutofit/>
-          </a:bodyPr>
+          <a:bodyPr anchor="b"/>
           <a:lstStyle>
-            <a:lvl1pPr algn="ctr">
-              <a:defRPr sz="4800">
-                <a:effectLst>
-                  <a:glow rad="38100">
-                    <a:schemeClr val="bg1">
-                      <a:lumMod val="65000"/>
-                      <a:lumOff val="35000"/>
-                      <a:alpha val="50000"/>
-                    </a:schemeClr>
-                  </a:glow>
-                  <a:outerShdw blurRad="28575" dist="31750" dir="13200000" algn="tl" rotWithShape="0">
-                    <a:srgbClr val="000000">
-                      <a:alpha val="25000"/>
-                    </a:srgbClr>
-                  </a:outerShdw>
-                </a:effectLst>
-              </a:defRPr>
+            <a:lvl1pPr>
+              <a:defRPr sz="7200"/>
             </a:lvl1pPr>
           </a:lstStyle>
           <a:p>
@@ -539,32 +536,19 @@
         </p:nvSpPr>
         <p:spPr>
           <a:xfrm>
-            <a:off x="1751012" y="3886200"/>
-            <a:ext cx="8676222" cy="1905000"/>
+            <a:off x="1154955" y="4777380"/>
+            <a:ext cx="8825658" cy="861420"/>
           </a:xfrm>
         </p:spPr>
         <p:txBody>
-          <a:bodyPr anchor="t">
-            <a:normAutofit/>
-          </a:bodyPr>
+          <a:bodyPr anchor="t"/>
           <a:lstStyle>
-            <a:lvl1pPr marL="0" indent="0" algn="ctr">
-              <a:buNone/>
-              <a:defRPr sz="2100">
-                <a:gradFill flip="none" rotWithShape="1">
-                  <a:gsLst>
-                    <a:gs pos="0">
-                      <a:schemeClr val="tx1"/>
-                    </a:gs>
-                    <a:gs pos="100000">
-                      <a:schemeClr val="tx1">
-                        <a:lumMod val="75000"/>
-                      </a:schemeClr>
-                    </a:gs>
-                  </a:gsLst>
-                  <a:lin ang="5400000" scaled="0"/>
-                  <a:tileRect/>
-                </a:gradFill>
+            <a:lvl1pPr marL="0" indent="0" algn="l">
+              <a:buNone/>
+              <a:defRPr cap="all">
+                <a:solidFill>
+                  <a:schemeClr val="accent1"/>
+                </a:solidFill>
               </a:defRPr>
             </a:lvl1pPr>
             <a:lvl2pPr marL="457200" indent="0" algn="ctr">
@@ -674,7 +658,7 @@
           <a:p>
             <a:fld id="{503B163C-40E1-4AD4-92D1-7056096AAC7A}" type="datetime1">
               <a:rPr lang="en-US" smtClean="0"/>
-              <a:t>27/06/2019</a:t>
+              <a:t>02/07/2019</a:t>
             </a:fld>
             <a:endParaRPr lang="en-US"/>
           </a:p>
@@ -725,7 +709,7 @@
     </p:spTree>
     <p:extLst>
       <p:ext uri="{BB962C8B-B14F-4D97-AF65-F5344CB8AC3E}">
-        <p14:creationId xmlns:p14="http://schemas.microsoft.com/office/powerpoint/2010/main" val="254435964"/>
+        <p14:creationId xmlns:p14="http://schemas.microsoft.com/office/powerpoint/2010/main" val="481601076"/>
       </p:ext>
     </p:extLst>
   </p:cSld>
@@ -764,8 +748,8 @@
         </p:nvSpPr>
         <p:spPr>
           <a:xfrm>
-            <a:off x="1141413" y="4732865"/>
-            <a:ext cx="9906000" cy="566738"/>
+            <a:off x="1154956" y="4800587"/>
+            <a:ext cx="8825657" cy="566738"/>
           </a:xfrm>
         </p:spPr>
         <p:txBody>
@@ -798,36 +782,20 @@
         </p:nvSpPr>
         <p:spPr>
           <a:xfrm>
-            <a:off x="1979612" y="932112"/>
-            <a:ext cx="8225944" cy="3164976"/>
+            <a:off x="1154955" y="685800"/>
+            <a:ext cx="8825658" cy="3640666"/>
           </a:xfrm>
           <a:prstGeom prst="roundRect">
             <a:avLst>
-              <a:gd name="adj" fmla="val 4380"/>
+              <a:gd name="adj" fmla="val 1858"/>
             </a:avLst>
           </a:prstGeom>
-          <a:ln w="38100">
-            <a:gradFill flip="none" rotWithShape="1">
-              <a:gsLst>
-                <a:gs pos="0">
-                  <a:schemeClr val="bg2"/>
-                </a:gs>
-                <a:gs pos="100000">
-                  <a:schemeClr val="bg2">
-                    <a:lumMod val="75000"/>
-                  </a:schemeClr>
-                </a:gs>
-              </a:gsLst>
-              <a:lin ang="5400000" scaled="0"/>
-              <a:tileRect/>
-            </a:gradFill>
-          </a:ln>
           <a:effectLst>
-            <a:innerShdw blurRad="57150" dist="38100" dir="14460000">
+            <a:outerShdw blurRad="50800" dist="50800" dir="5400000" algn="tl" rotWithShape="0">
               <a:srgbClr val="000000">
-                <a:alpha val="70000"/>
+                <a:alpha val="43000"/>
               </a:srgbClr>
-            </a:innerShdw>
+            </a:outerShdw>
           </a:effectLst>
         </p:spPr>
         <p:txBody>
@@ -893,8 +861,8 @@
         </p:nvSpPr>
         <p:spPr>
           <a:xfrm>
-            <a:off x="1141413" y="5299603"/>
-            <a:ext cx="9906000" cy="493712"/>
+            <a:off x="1154956" y="5367325"/>
+            <a:ext cx="8825656" cy="493712"/>
           </a:xfrm>
         </p:spPr>
         <p:txBody>
@@ -904,7 +872,7 @@
           <a:lstStyle>
             <a:lvl1pPr marL="0" indent="0">
               <a:buNone/>
-              <a:defRPr sz="1400"/>
+              <a:defRPr sz="1200"/>
             </a:lvl1pPr>
             <a:lvl2pPr marL="457200" indent="0">
               <a:buNone/>
@@ -963,9 +931,9 @@
           <a:bodyPr/>
           <a:lstStyle/>
           <a:p>
-            <a:fld id="{BB145C25-71C2-48D8-BA22-BC5A5D9AFBD2}" type="datetime1">
-              <a:rPr lang="en-US" smtClean="0"/>
-              <a:t>27/06/2019</a:t>
+            <a:fld id="{53ADC2D5-45D6-4FD8-9BE8-053CFFFA7B97}" type="datetime1">
+              <a:rPr lang="en-US" smtClean="0"/>
+              <a:t>02/07/2019</a:t>
             </a:fld>
             <a:endParaRPr lang="en-US"/>
           </a:p>
@@ -1016,13 +984,14 @@
     </p:spTree>
     <p:extLst>
       <p:ext uri="{BB962C8B-B14F-4D97-AF65-F5344CB8AC3E}">
-        <p14:creationId xmlns:p14="http://schemas.microsoft.com/office/powerpoint/2010/main" val="540035411"/>
+        <p14:creationId xmlns:p14="http://schemas.microsoft.com/office/powerpoint/2010/main" val="3386068967"/>
       </p:ext>
     </p:extLst>
   </p:cSld>
   <p:clrMapOvr>
     <a:masterClrMapping/>
   </p:clrMapOvr>
+  <p:hf hdr="0" ftr="0" dt="0"/>
 </p:sldLayout>
 </file>
 
@@ -1055,8 +1024,40 @@
         </p:nvSpPr>
         <p:spPr>
           <a:xfrm>
-            <a:off x="1141412" y="609601"/>
-            <a:ext cx="9905999" cy="3124199"/>
+            <a:off x="1154954" y="1447800"/>
+            <a:ext cx="8825659" cy="1981200"/>
+          </a:xfrm>
+        </p:spPr>
+        <p:txBody>
+          <a:bodyPr/>
+          <a:lstStyle>
+            <a:lvl1pPr>
+              <a:defRPr sz="4800"/>
+            </a:lvl1pPr>
+          </a:lstStyle>
+          <a:p>
+            <a:r>
+              <a:rPr lang="en-US" smtClean="0"/>
+              <a:t>Click to edit Master title style</a:t>
+            </a:r>
+            <a:endParaRPr lang="en-US" dirty="0"/>
+          </a:p>
+        </p:txBody>
+      </p:sp>
+      <p:sp>
+        <p:nvSpPr>
+          <p:cNvPr id="8" name="Text Placeholder 3"/>
+          <p:cNvSpPr>
+            <a:spLocks noGrp="1"/>
+          </p:cNvSpPr>
+          <p:nvPr>
+            <p:ph type="body" sz="half" idx="2"/>
+          </p:nvPr>
+        </p:nvSpPr>
+        <p:spPr>
+          <a:xfrm>
+            <a:off x="1154954" y="3657600"/>
+            <a:ext cx="8825659" cy="2362200"/>
           </a:xfrm>
         </p:spPr>
         <p:txBody>
@@ -1064,138 +1065,41 @@
             <a:normAutofit/>
           </a:bodyPr>
           <a:lstStyle>
-            <a:lvl1pPr algn="l">
-              <a:defRPr sz="3200" b="0" cap="all"/>
-            </a:lvl1pPr>
-          </a:lstStyle>
-          <a:p>
-            <a:r>
-              <a:rPr lang="en-US" smtClean="0"/>
-              <a:t>Click to edit Master title style</a:t>
-            </a:r>
-            <a:endParaRPr lang="en-US" dirty="0"/>
-          </a:p>
-        </p:txBody>
-      </p:sp>
-      <p:sp>
-        <p:nvSpPr>
-          <p:cNvPr id="3" name="Text Placeholder 2"/>
-          <p:cNvSpPr>
-            <a:spLocks noGrp="1"/>
-          </p:cNvSpPr>
-          <p:nvPr>
-            <p:ph type="body" idx="1"/>
-          </p:nvPr>
-        </p:nvSpPr>
-        <p:spPr>
-          <a:xfrm>
-            <a:off x="1141411" y="4343400"/>
-            <a:ext cx="9906000" cy="1447800"/>
-          </a:xfrm>
-        </p:spPr>
-        <p:txBody>
-          <a:bodyPr anchor="ctr">
-            <a:normAutofit/>
-          </a:bodyPr>
-          <a:lstStyle>
-            <a:lvl1pPr marL="0" indent="0" algn="l">
-              <a:buNone/>
-              <a:defRPr sz="2000">
-                <a:gradFill flip="none" rotWithShape="1">
-                  <a:gsLst>
-                    <a:gs pos="0">
-                      <a:schemeClr val="tx1"/>
-                    </a:gs>
-                    <a:gs pos="100000">
-                      <a:schemeClr val="tx1">
-                        <a:lumMod val="75000"/>
-                      </a:schemeClr>
-                    </a:gs>
-                  </a:gsLst>
-                  <a:lin ang="5400000" scaled="0"/>
-                  <a:tileRect/>
-                </a:gradFill>
-              </a:defRPr>
+            <a:lvl1pPr marL="0" indent="0">
+              <a:buNone/>
+              <a:defRPr sz="1800"/>
             </a:lvl1pPr>
             <a:lvl2pPr marL="457200" indent="0">
               <a:buNone/>
-              <a:defRPr sz="1800">
-                <a:solidFill>
-                  <a:schemeClr val="tx1">
-                    <a:tint val="75000"/>
-                  </a:schemeClr>
-                </a:solidFill>
-              </a:defRPr>
+              <a:defRPr sz="1200"/>
             </a:lvl2pPr>
             <a:lvl3pPr marL="914400" indent="0">
               <a:buNone/>
-              <a:defRPr sz="1600">
-                <a:solidFill>
-                  <a:schemeClr val="tx1">
-                    <a:tint val="75000"/>
-                  </a:schemeClr>
-                </a:solidFill>
-              </a:defRPr>
+              <a:defRPr sz="1000"/>
             </a:lvl3pPr>
             <a:lvl4pPr marL="1371600" indent="0">
               <a:buNone/>
-              <a:defRPr sz="1400">
-                <a:solidFill>
-                  <a:schemeClr val="tx1">
-                    <a:tint val="75000"/>
-                  </a:schemeClr>
-                </a:solidFill>
-              </a:defRPr>
+              <a:defRPr sz="900"/>
             </a:lvl4pPr>
             <a:lvl5pPr marL="1828800" indent="0">
               <a:buNone/>
-              <a:defRPr sz="1400">
-                <a:solidFill>
-                  <a:schemeClr val="tx1">
-                    <a:tint val="75000"/>
-                  </a:schemeClr>
-                </a:solidFill>
-              </a:defRPr>
+              <a:defRPr sz="900"/>
             </a:lvl5pPr>
             <a:lvl6pPr marL="2286000" indent="0">
               <a:buNone/>
-              <a:defRPr sz="1400">
-                <a:solidFill>
-                  <a:schemeClr val="tx1">
-                    <a:tint val="75000"/>
-                  </a:schemeClr>
-                </a:solidFill>
-              </a:defRPr>
+              <a:defRPr sz="900"/>
             </a:lvl6pPr>
             <a:lvl7pPr marL="2743200" indent="0">
               <a:buNone/>
-              <a:defRPr sz="1400">
-                <a:solidFill>
-                  <a:schemeClr val="tx1">
-                    <a:tint val="75000"/>
-                  </a:schemeClr>
-                </a:solidFill>
-              </a:defRPr>
+              <a:defRPr sz="900"/>
             </a:lvl7pPr>
             <a:lvl8pPr marL="3200400" indent="0">
               <a:buNone/>
-              <a:defRPr sz="1400">
-                <a:solidFill>
-                  <a:schemeClr val="tx1">
-                    <a:tint val="75000"/>
-                  </a:schemeClr>
-                </a:solidFill>
-              </a:defRPr>
+              <a:defRPr sz="900"/>
             </a:lvl8pPr>
             <a:lvl9pPr marL="3657600" indent="0">
               <a:buNone/>
-              <a:defRPr sz="1400">
-                <a:solidFill>
-                  <a:schemeClr val="tx1">
-                    <a:tint val="75000"/>
-                  </a:schemeClr>
-                </a:solidFill>
-              </a:defRPr>
+              <a:defRPr sz="900"/>
             </a:lvl9pPr>
           </a:lstStyle>
           <a:p>
@@ -1222,9 +1126,9 @@
           <a:bodyPr/>
           <a:lstStyle/>
           <a:p>
-            <a:fld id="{F0E8574B-B913-4C85-B38C-394C4D22B03E}" type="datetime1">
-              <a:rPr lang="en-US" smtClean="0"/>
-              <a:t>27/06/2019</a:t>
+            <a:fld id="{53ADC2D5-45D6-4FD8-9BE8-053CFFFA7B97}" type="datetime1">
+              <a:rPr lang="en-US" smtClean="0"/>
+              <a:t>02/07/2019</a:t>
             </a:fld>
             <a:endParaRPr lang="en-US"/>
           </a:p>
@@ -1275,13 +1179,14 @@
     </p:spTree>
     <p:extLst>
       <p:ext uri="{BB962C8B-B14F-4D97-AF65-F5344CB8AC3E}">
-        <p14:creationId xmlns:p14="http://schemas.microsoft.com/office/powerpoint/2010/main" val="2586505877"/>
+        <p14:creationId xmlns:p14="http://schemas.microsoft.com/office/powerpoint/2010/main" val="76388697"/>
       </p:ext>
     </p:extLst>
   </p:cSld>
   <p:clrMapOvr>
     <a:masterClrMapping/>
   </p:clrMapOvr>
+  <p:hf hdr="0" ftr="0" dt="0"/>
 </p:sldLayout>
 </file>
 
@@ -1304,114 +1209,281 @@
       </p:grpSpPr>
       <p:sp>
         <p:nvSpPr>
-          <p:cNvPr id="14" name="TextBox 13"/>
+          <p:cNvPr id="2" name="Title 1"/>
+          <p:cNvSpPr>
+            <a:spLocks noGrp="1"/>
+          </p:cNvSpPr>
+          <p:nvPr>
+            <p:ph type="title"/>
+          </p:nvPr>
+        </p:nvSpPr>
+        <p:spPr>
+          <a:xfrm>
+            <a:off x="1574801" y="1447800"/>
+            <a:ext cx="7999315" cy="2323374"/>
+          </a:xfrm>
+        </p:spPr>
+        <p:txBody>
+          <a:bodyPr/>
+          <a:lstStyle>
+            <a:lvl1pPr>
+              <a:defRPr sz="4800"/>
+            </a:lvl1pPr>
+          </a:lstStyle>
+          <a:p>
+            <a:r>
+              <a:rPr lang="en-US" smtClean="0"/>
+              <a:t>Click to edit Master title style</a:t>
+            </a:r>
+            <a:endParaRPr lang="en-US" dirty="0"/>
+          </a:p>
+        </p:txBody>
+      </p:sp>
+      <p:sp>
+        <p:nvSpPr>
+          <p:cNvPr id="14" name="Text Placeholder 3"/>
+          <p:cNvSpPr>
+            <a:spLocks noGrp="1"/>
+          </p:cNvSpPr>
+          <p:nvPr>
+            <p:ph type="body" sz="half" idx="13"/>
+          </p:nvPr>
+        </p:nvSpPr>
+        <p:spPr>
+          <a:xfrm>
+            <a:off x="1930400" y="3771174"/>
+            <a:ext cx="7279649" cy="342174"/>
+          </a:xfrm>
+        </p:spPr>
+        <p:txBody>
+          <a:bodyPr anchor="t">
+            <a:normAutofit/>
+          </a:bodyPr>
+          <a:lstStyle>
+            <a:lvl1pPr marL="0" indent="0">
+              <a:buNone/>
+              <a:defRPr lang="en-US" sz="1400" b="0" i="0" kern="1200" cap="small" dirty="0">
+                <a:solidFill>
+                  <a:schemeClr val="accent1"/>
+                </a:solidFill>
+                <a:latin typeface="+mj-lt"/>
+                <a:ea typeface="+mj-ea"/>
+                <a:cs typeface="+mj-cs"/>
+              </a:defRPr>
+            </a:lvl1pPr>
+            <a:lvl2pPr marL="457200" indent="0">
+              <a:buNone/>
+              <a:defRPr sz="1200"/>
+            </a:lvl2pPr>
+            <a:lvl3pPr marL="914400" indent="0">
+              <a:buNone/>
+              <a:defRPr sz="1000"/>
+            </a:lvl3pPr>
+            <a:lvl4pPr marL="1371600" indent="0">
+              <a:buNone/>
+              <a:defRPr sz="900"/>
+            </a:lvl4pPr>
+            <a:lvl5pPr marL="1828800" indent="0">
+              <a:buNone/>
+              <a:defRPr sz="900"/>
+            </a:lvl5pPr>
+            <a:lvl6pPr marL="2286000" indent="0">
+              <a:buNone/>
+              <a:defRPr sz="900"/>
+            </a:lvl6pPr>
+            <a:lvl7pPr marL="2743200" indent="0">
+              <a:buNone/>
+              <a:defRPr sz="900"/>
+            </a:lvl7pPr>
+            <a:lvl8pPr marL="3200400" indent="0">
+              <a:buNone/>
+              <a:defRPr sz="900"/>
+            </a:lvl8pPr>
+            <a:lvl9pPr marL="3657600" indent="0">
+              <a:buNone/>
+              <a:defRPr sz="900"/>
+            </a:lvl9pPr>
+          </a:lstStyle>
+          <a:p>
+            <a:pPr lvl="0"/>
+            <a:r>
+              <a:rPr lang="en-US" smtClean="0"/>
+              <a:t>Edit Master text styles</a:t>
+            </a:r>
+          </a:p>
+        </p:txBody>
+      </p:sp>
+      <p:sp>
+        <p:nvSpPr>
+          <p:cNvPr id="10" name="Text Placeholder 3"/>
+          <p:cNvSpPr>
+            <a:spLocks noGrp="1"/>
+          </p:cNvSpPr>
+          <p:nvPr>
+            <p:ph type="body" sz="half" idx="2"/>
+          </p:nvPr>
+        </p:nvSpPr>
+        <p:spPr>
+          <a:xfrm>
+            <a:off x="1154954" y="4350657"/>
+            <a:ext cx="8825659" cy="1676400"/>
+          </a:xfrm>
+        </p:spPr>
+        <p:txBody>
+          <a:bodyPr anchor="ctr">
+            <a:normAutofit/>
+          </a:bodyPr>
+          <a:lstStyle>
+            <a:lvl1pPr marL="0" indent="0">
+              <a:buNone/>
+              <a:defRPr sz="1800"/>
+            </a:lvl1pPr>
+            <a:lvl2pPr marL="457200" indent="0">
+              <a:buNone/>
+              <a:defRPr sz="1200"/>
+            </a:lvl2pPr>
+            <a:lvl3pPr marL="914400" indent="0">
+              <a:buNone/>
+              <a:defRPr sz="1000"/>
+            </a:lvl3pPr>
+            <a:lvl4pPr marL="1371600" indent="0">
+              <a:buNone/>
+              <a:defRPr sz="900"/>
+            </a:lvl4pPr>
+            <a:lvl5pPr marL="1828800" indent="0">
+              <a:buNone/>
+              <a:defRPr sz="900"/>
+            </a:lvl5pPr>
+            <a:lvl6pPr marL="2286000" indent="0">
+              <a:buNone/>
+              <a:defRPr sz="900"/>
+            </a:lvl6pPr>
+            <a:lvl7pPr marL="2743200" indent="0">
+              <a:buNone/>
+              <a:defRPr sz="900"/>
+            </a:lvl7pPr>
+            <a:lvl8pPr marL="3200400" indent="0">
+              <a:buNone/>
+              <a:defRPr sz="900"/>
+            </a:lvl8pPr>
+            <a:lvl9pPr marL="3657600" indent="0">
+              <a:buNone/>
+              <a:defRPr sz="900"/>
+            </a:lvl9pPr>
+          </a:lstStyle>
+          <a:p>
+            <a:pPr lvl="0"/>
+            <a:r>
+              <a:rPr lang="en-US" smtClean="0"/>
+              <a:t>Edit Master text styles</a:t>
+            </a:r>
+          </a:p>
+        </p:txBody>
+      </p:sp>
+      <p:sp>
+        <p:nvSpPr>
+          <p:cNvPr id="4" name="Date Placeholder 3"/>
+          <p:cNvSpPr>
+            <a:spLocks noGrp="1"/>
+          </p:cNvSpPr>
+          <p:nvPr>
+            <p:ph type="dt" sz="half" idx="10"/>
+          </p:nvPr>
+        </p:nvSpPr>
+        <p:spPr/>
+        <p:txBody>
+          <a:bodyPr/>
+          <a:lstStyle/>
+          <a:p>
+            <a:fld id="{53ADC2D5-45D6-4FD8-9BE8-053CFFFA7B97}" type="datetime1">
+              <a:rPr lang="en-US" smtClean="0"/>
+              <a:t>02/07/2019</a:t>
+            </a:fld>
+            <a:endParaRPr lang="en-US"/>
+          </a:p>
+        </p:txBody>
+      </p:sp>
+      <p:sp>
+        <p:nvSpPr>
+          <p:cNvPr id="5" name="Footer Placeholder 4"/>
+          <p:cNvSpPr>
+            <a:spLocks noGrp="1"/>
+          </p:cNvSpPr>
+          <p:nvPr>
+            <p:ph type="ftr" sz="quarter" idx="11"/>
+          </p:nvPr>
+        </p:nvSpPr>
+        <p:spPr/>
+        <p:txBody>
+          <a:bodyPr/>
+          <a:lstStyle/>
+          <a:p>
+            <a:endParaRPr lang="en-US"/>
+          </a:p>
+        </p:txBody>
+      </p:sp>
+      <p:sp>
+        <p:nvSpPr>
+          <p:cNvPr id="6" name="Slide Number Placeholder 5"/>
+          <p:cNvSpPr>
+            <a:spLocks noGrp="1"/>
+          </p:cNvSpPr>
+          <p:nvPr>
+            <p:ph type="sldNum" sz="quarter" idx="12"/>
+          </p:nvPr>
+        </p:nvSpPr>
+        <p:spPr/>
+        <p:txBody>
+          <a:bodyPr/>
+          <a:lstStyle/>
+          <a:p>
+            <a:fld id="{A27DEAD2-BFE6-4276-A095-8818BA2F802B}" type="slidenum">
+              <a:rPr lang="en-US" smtClean="0"/>
+              <a:t>‹#›</a:t>
+            </a:fld>
+            <a:endParaRPr lang="en-US"/>
+          </a:p>
+        </p:txBody>
+      </p:sp>
+      <p:sp>
+        <p:nvSpPr>
+          <p:cNvPr id="9" name="TextBox 8"/>
           <p:cNvSpPr txBox="1"/>
           <p:nvPr/>
         </p:nvSpPr>
         <p:spPr>
           <a:xfrm>
-            <a:off x="836612" y="786824"/>
-            <a:ext cx="609600" cy="584776"/>
+            <a:off x="898295" y="971253"/>
+            <a:ext cx="801912" cy="1969770"/>
           </a:xfrm>
           <a:prstGeom prst="rect">
             <a:avLst/>
           </a:prstGeom>
+          <a:noFill/>
         </p:spPr>
         <p:txBody>
-          <a:bodyPr vert="horz" lIns="91440" tIns="45720" rIns="91440" bIns="45720" rtlCol="0" anchor="ctr">
-            <a:noAutofit/>
+          <a:bodyPr wrap="square" rtlCol="0">
+            <a:spAutoFit/>
           </a:bodyPr>
           <a:lstStyle>
-            <a:lvl1pPr>
-              <a:spcBef>
-                <a:spcPct val="0"/>
-              </a:spcBef>
-              <a:buNone/>
-              <a:defRPr sz="3200" b="0" cap="all">
-                <a:ln w="3175" cmpd="sng">
-                  <a:noFill/>
-                </a:ln>
-                <a:effectLst>
-                  <a:glow rad="38100">
-                    <a:schemeClr val="bg1">
-                      <a:lumMod val="65000"/>
-                      <a:lumOff val="35000"/>
-                      <a:alpha val="40000"/>
-                    </a:schemeClr>
-                  </a:glow>
-                  <a:outerShdw blurRad="28575" dist="38100" dir="14040000" algn="tl" rotWithShape="0">
-                    <a:srgbClr val="000000">
-                      <a:alpha val="25000"/>
-                    </a:srgbClr>
-                  </a:outerShdw>
-                </a:effectLst>
-              </a:defRPr>
-            </a:lvl1pPr>
-            <a:lvl2pPr>
-              <a:defRPr>
-                <a:solidFill>
-                  <a:schemeClr val="tx2"/>
-                </a:solidFill>
-              </a:defRPr>
-            </a:lvl2pPr>
-            <a:lvl3pPr>
-              <a:defRPr>
-                <a:solidFill>
-                  <a:schemeClr val="tx2"/>
-                </a:solidFill>
-              </a:defRPr>
-            </a:lvl3pPr>
-            <a:lvl4pPr>
-              <a:defRPr>
-                <a:solidFill>
-                  <a:schemeClr val="tx2"/>
-                </a:solidFill>
-              </a:defRPr>
-            </a:lvl4pPr>
-            <a:lvl5pPr>
-              <a:defRPr>
-                <a:solidFill>
-                  <a:schemeClr val="tx2"/>
-                </a:solidFill>
-              </a:defRPr>
-            </a:lvl5pPr>
-            <a:lvl6pPr>
-              <a:defRPr>
-                <a:solidFill>
-                  <a:schemeClr val="tx2"/>
-                </a:solidFill>
-              </a:defRPr>
-            </a:lvl6pPr>
-            <a:lvl7pPr>
-              <a:defRPr>
-                <a:solidFill>
-                  <a:schemeClr val="tx2"/>
-                </a:solidFill>
-              </a:defRPr>
-            </a:lvl7pPr>
-            <a:lvl8pPr>
-              <a:defRPr>
-                <a:solidFill>
-                  <a:schemeClr val="tx2"/>
-                </a:solidFill>
-              </a:defRPr>
-            </a:lvl8pPr>
-            <a:lvl9pPr>
-              <a:defRPr>
-                <a:solidFill>
-                  <a:schemeClr val="tx2"/>
-                </a:solidFill>
-              </a:defRPr>
-            </a:lvl9pPr>
-          </a:lstStyle>
-          <a:p>
-            <a:pPr lvl="0"/>
-            <a:r>
-              <a:rPr lang="en-US" sz="8000" dirty="0">
+            <a:defPPr>
+              <a:defRPr lang="en-US"/>
+            </a:defPPr>
+            <a:lvl1pPr algn="r">
+              <a:defRPr sz="12200" b="0" i="0">
                 <a:solidFill>
                   <a:schemeClr val="accent1"/>
                 </a:solidFill>
-              </a:rPr>
+                <a:latin typeface="Arial"/>
+                <a:ea typeface="+mj-ea"/>
+                <a:cs typeface="+mj-cs"/>
+              </a:defRPr>
+            </a:lvl1pPr>
+          </a:lstStyle>
+          <a:p>
+            <a:pPr lvl="0"/>
+            <a:r>
+              <a:rPr lang="en-US" dirty="0"/>
               <a:t>“</a:t>
             </a:r>
           </a:p>
@@ -1419,338 +1491,59 @@
       </p:sp>
       <p:sp>
         <p:nvSpPr>
-          <p:cNvPr id="15" name="TextBox 14"/>
+          <p:cNvPr id="13" name="TextBox 12"/>
           <p:cNvSpPr txBox="1"/>
           <p:nvPr/>
         </p:nvSpPr>
         <p:spPr>
           <a:xfrm>
-            <a:off x="10437812" y="2743200"/>
-            <a:ext cx="609600" cy="584776"/>
+            <a:off x="9330490" y="2613787"/>
+            <a:ext cx="801912" cy="1969770"/>
           </a:xfrm>
           <a:prstGeom prst="rect">
             <a:avLst/>
           </a:prstGeom>
+          <a:noFill/>
         </p:spPr>
         <p:txBody>
-          <a:bodyPr vert="horz" lIns="91440" tIns="45720" rIns="91440" bIns="45720" rtlCol="0" anchor="ctr">
-            <a:noAutofit/>
+          <a:bodyPr wrap="square" rtlCol="0">
+            <a:spAutoFit/>
           </a:bodyPr>
           <a:lstStyle>
-            <a:lvl1pPr>
-              <a:spcBef>
-                <a:spcPct val="0"/>
-              </a:spcBef>
-              <a:buNone/>
-              <a:defRPr sz="3200" b="0" cap="all">
-                <a:ln w="3175" cmpd="sng">
-                  <a:noFill/>
-                </a:ln>
-                <a:effectLst>
-                  <a:glow rad="38100">
-                    <a:schemeClr val="bg1">
-                      <a:lumMod val="65000"/>
-                      <a:lumOff val="35000"/>
-                      <a:alpha val="40000"/>
-                    </a:schemeClr>
-                  </a:glow>
-                  <a:outerShdw blurRad="28575" dist="38100" dir="14040000" algn="tl" rotWithShape="0">
-                    <a:srgbClr val="000000">
-                      <a:alpha val="25000"/>
-                    </a:srgbClr>
-                  </a:outerShdw>
-                </a:effectLst>
-              </a:defRPr>
-            </a:lvl1pPr>
-            <a:lvl2pPr>
-              <a:defRPr>
-                <a:solidFill>
-                  <a:schemeClr val="tx2"/>
-                </a:solidFill>
-              </a:defRPr>
-            </a:lvl2pPr>
-            <a:lvl3pPr>
-              <a:defRPr>
-                <a:solidFill>
-                  <a:schemeClr val="tx2"/>
-                </a:solidFill>
-              </a:defRPr>
-            </a:lvl3pPr>
-            <a:lvl4pPr>
-              <a:defRPr>
-                <a:solidFill>
-                  <a:schemeClr val="tx2"/>
-                </a:solidFill>
-              </a:defRPr>
-            </a:lvl4pPr>
-            <a:lvl5pPr>
-              <a:defRPr>
-                <a:solidFill>
-                  <a:schemeClr val="tx2"/>
-                </a:solidFill>
-              </a:defRPr>
-            </a:lvl5pPr>
-            <a:lvl6pPr>
-              <a:defRPr>
-                <a:solidFill>
-                  <a:schemeClr val="tx2"/>
-                </a:solidFill>
-              </a:defRPr>
-            </a:lvl6pPr>
-            <a:lvl7pPr>
-              <a:defRPr>
-                <a:solidFill>
-                  <a:schemeClr val="tx2"/>
-                </a:solidFill>
-              </a:defRPr>
-            </a:lvl7pPr>
-            <a:lvl8pPr>
-              <a:defRPr>
-                <a:solidFill>
-                  <a:schemeClr val="tx2"/>
-                </a:solidFill>
-              </a:defRPr>
-            </a:lvl8pPr>
-            <a:lvl9pPr>
-              <a:defRPr>
-                <a:solidFill>
-                  <a:schemeClr val="tx2"/>
-                </a:solidFill>
-              </a:defRPr>
-            </a:lvl9pPr>
-          </a:lstStyle>
-          <a:p>
-            <a:pPr lvl="0" algn="r"/>
-            <a:r>
-              <a:rPr lang="en-US" sz="8000" dirty="0">
+            <a:defPPr>
+              <a:defRPr lang="en-US"/>
+            </a:defPPr>
+            <a:lvl1pPr algn="r">
+              <a:defRPr sz="12200" b="0" i="0">
                 <a:solidFill>
                   <a:schemeClr val="accent1"/>
                 </a:solidFill>
-              </a:rPr>
-              <a:t>”</a:t>
-            </a:r>
-          </a:p>
-        </p:txBody>
-      </p:sp>
-      <p:sp>
-        <p:nvSpPr>
-          <p:cNvPr id="2" name="Title 1"/>
-          <p:cNvSpPr>
-            <a:spLocks noGrp="1"/>
-          </p:cNvSpPr>
-          <p:nvPr>
-            <p:ph type="title"/>
-          </p:nvPr>
-        </p:nvSpPr>
-        <p:spPr>
-          <a:xfrm>
-            <a:off x="1446213" y="609601"/>
-            <a:ext cx="9296398" cy="2743199"/>
-          </a:xfrm>
-        </p:spPr>
-        <p:txBody>
-          <a:bodyPr anchor="ctr">
-            <a:normAutofit/>
-          </a:bodyPr>
-          <a:lstStyle>
-            <a:lvl1pPr algn="l">
-              <a:defRPr sz="3200" b="0" cap="all">
-                <a:solidFill>
-                  <a:schemeClr val="tx1"/>
-                </a:solidFill>
+                <a:latin typeface="Arial"/>
+                <a:ea typeface="+mj-ea"/>
+                <a:cs typeface="+mj-cs"/>
               </a:defRPr>
             </a:lvl1pPr>
           </a:lstStyle>
           <a:p>
-            <a:r>
-              <a:rPr lang="en-US" smtClean="0"/>
-              <a:t>Click to edit Master title style</a:t>
-            </a:r>
-            <a:endParaRPr lang="en-US" dirty="0"/>
-          </a:p>
-        </p:txBody>
-      </p:sp>
-      <p:sp>
-        <p:nvSpPr>
-          <p:cNvPr id="10" name="Text Placeholder 9"/>
-          <p:cNvSpPr>
-            <a:spLocks noGrp="1"/>
-          </p:cNvSpPr>
-          <p:nvPr>
-            <p:ph type="body" sz="quarter" idx="13"/>
-          </p:nvPr>
-        </p:nvSpPr>
-        <p:spPr>
-          <a:xfrm>
-            <a:off x="1674812" y="3352800"/>
-            <a:ext cx="8839202" cy="381000"/>
-          </a:xfrm>
-        </p:spPr>
-        <p:txBody>
-          <a:bodyPr anchor="ctr"/>
-          <a:lstStyle>
-            <a:lvl1pPr marL="0" indent="0">
-              <a:buFontTx/>
-              <a:buNone/>
-              <a:defRPr/>
-            </a:lvl1pPr>
-            <a:lvl2pPr marL="457200" indent="0">
-              <a:buFontTx/>
-              <a:buNone/>
-              <a:defRPr/>
-            </a:lvl2pPr>
-            <a:lvl3pPr marL="914400" indent="0">
-              <a:buFontTx/>
-              <a:buNone/>
-              <a:defRPr/>
-            </a:lvl3pPr>
-            <a:lvl4pPr marL="1371600" indent="0">
-              <a:buFontTx/>
-              <a:buNone/>
-              <a:defRPr/>
-            </a:lvl4pPr>
-            <a:lvl5pPr marL="1828800" indent="0">
-              <a:buFontTx/>
-              <a:buNone/>
-              <a:defRPr/>
-            </a:lvl5pPr>
-          </a:lstStyle>
-          <a:p>
             <a:pPr lvl="0"/>
             <a:r>
-              <a:rPr lang="en-US" smtClean="0"/>
-              <a:t>Edit Master text styles</a:t>
-            </a:r>
-          </a:p>
-        </p:txBody>
-      </p:sp>
-      <p:sp>
-        <p:nvSpPr>
-          <p:cNvPr id="3" name="Text Placeholder 2"/>
-          <p:cNvSpPr>
-            <a:spLocks noGrp="1"/>
-          </p:cNvSpPr>
-          <p:nvPr>
-            <p:ph type="body" idx="1"/>
-          </p:nvPr>
-        </p:nvSpPr>
-        <p:spPr>
-          <a:xfrm>
-            <a:off x="1141411" y="4343400"/>
-            <a:ext cx="9906000" cy="1447800"/>
-          </a:xfrm>
-        </p:spPr>
-        <p:txBody>
-          <a:bodyPr vert="horz" lIns="91440" tIns="45720" rIns="91440" bIns="45720" rtlCol="0" anchor="ctr">
-            <a:normAutofit/>
-          </a:bodyPr>
-          <a:lstStyle>
-            <a:lvl1pPr>
-              <a:buNone/>
-              <a:defRPr lang="en-US" sz="2000">
-                <a:gradFill flip="none" rotWithShape="1">
-                  <a:gsLst>
-                    <a:gs pos="0">
-                      <a:schemeClr val="tx1"/>
-                    </a:gs>
-                    <a:gs pos="100000">
-                      <a:schemeClr val="tx1">
-                        <a:lumMod val="75000"/>
-                      </a:schemeClr>
-                    </a:gs>
-                  </a:gsLst>
-                  <a:lin ang="5400000" scaled="0"/>
-                  <a:tileRect/>
-                </a:gradFill>
-              </a:defRPr>
-            </a:lvl1pPr>
-          </a:lstStyle>
-          <a:p>
-            <a:pPr marL="0" lvl="0" indent="0">
-              <a:buNone/>
-            </a:pPr>
-            <a:r>
-              <a:rPr lang="en-US" smtClean="0"/>
-              <a:t>Edit Master text styles</a:t>
-            </a:r>
-          </a:p>
-        </p:txBody>
-      </p:sp>
-      <p:sp>
-        <p:nvSpPr>
-          <p:cNvPr id="4" name="Date Placeholder 3"/>
-          <p:cNvSpPr>
-            <a:spLocks noGrp="1"/>
-          </p:cNvSpPr>
-          <p:nvPr>
-            <p:ph type="dt" sz="half" idx="10"/>
-          </p:nvPr>
-        </p:nvSpPr>
-        <p:spPr/>
-        <p:txBody>
-          <a:bodyPr/>
-          <a:lstStyle/>
-          <a:p>
-            <a:fld id="{5245A5B4-6882-43BE-9134-2C01090BFFC5}" type="datetime1">
-              <a:rPr lang="en-US" smtClean="0"/>
-              <a:t>27/06/2019</a:t>
-            </a:fld>
-            <a:endParaRPr lang="en-US"/>
-          </a:p>
-        </p:txBody>
-      </p:sp>
-      <p:sp>
-        <p:nvSpPr>
-          <p:cNvPr id="5" name="Footer Placeholder 4"/>
-          <p:cNvSpPr>
-            <a:spLocks noGrp="1"/>
-          </p:cNvSpPr>
-          <p:nvPr>
-            <p:ph type="ftr" sz="quarter" idx="11"/>
-          </p:nvPr>
-        </p:nvSpPr>
-        <p:spPr/>
-        <p:txBody>
-          <a:bodyPr/>
-          <a:lstStyle/>
-          <a:p>
-            <a:endParaRPr lang="en-US"/>
-          </a:p>
-        </p:txBody>
-      </p:sp>
-      <p:sp>
-        <p:nvSpPr>
-          <p:cNvPr id="6" name="Slide Number Placeholder 5"/>
-          <p:cNvSpPr>
-            <a:spLocks noGrp="1"/>
-          </p:cNvSpPr>
-          <p:nvPr>
-            <p:ph type="sldNum" sz="quarter" idx="12"/>
-          </p:nvPr>
-        </p:nvSpPr>
-        <p:spPr/>
-        <p:txBody>
-          <a:bodyPr/>
-          <a:lstStyle/>
-          <a:p>
-            <a:fld id="{A27DEAD2-BFE6-4276-A095-8818BA2F802B}" type="slidenum">
-              <a:rPr lang="en-US" smtClean="0"/>
-              <a:t>‹#›</a:t>
-            </a:fld>
-            <a:endParaRPr lang="en-US"/>
+              <a:rPr lang="en-US" dirty="0"/>
+              <a:t>”</a:t>
+            </a:r>
           </a:p>
         </p:txBody>
       </p:sp>
     </p:spTree>
     <p:extLst>
       <p:ext uri="{BB962C8B-B14F-4D97-AF65-F5344CB8AC3E}">
-        <p14:creationId xmlns:p14="http://schemas.microsoft.com/office/powerpoint/2010/main" val="34847326"/>
+        <p14:creationId xmlns:p14="http://schemas.microsoft.com/office/powerpoint/2010/main" val="1345303681"/>
       </p:ext>
     </p:extLst>
   </p:cSld>
   <p:clrMapOvr>
     <a:masterClrMapping/>
   </p:clrMapOvr>
+  <p:hf hdr="0" ftr="0" dt="0"/>
 </p:sldLayout>
 </file>
 
@@ -1783,17 +1576,15 @@
         </p:nvSpPr>
         <p:spPr>
           <a:xfrm>
-            <a:off x="1141412" y="3308581"/>
-            <a:ext cx="9906000" cy="1468800"/>
+            <a:off x="1154954" y="3124201"/>
+            <a:ext cx="8825660" cy="1653180"/>
           </a:xfrm>
         </p:spPr>
         <p:txBody>
-          <a:bodyPr anchor="b">
-            <a:normAutofit/>
-          </a:bodyPr>
+          <a:bodyPr anchor="b"/>
           <a:lstStyle>
             <a:lvl1pPr algn="l">
-              <a:defRPr sz="3200" b="0" cap="all"/>
+              <a:defRPr sz="4000" b="0" cap="none"/>
             </a:lvl1pPr>
           </a:lstStyle>
           <a:p>
@@ -1817,38 +1608,104 @@
         </p:nvSpPr>
         <p:spPr>
           <a:xfrm>
-            <a:off x="1141410" y="4777381"/>
-            <a:ext cx="9906001" cy="860400"/>
+            <a:off x="1154954" y="4777381"/>
+            <a:ext cx="8825659" cy="860400"/>
           </a:xfrm>
         </p:spPr>
         <p:txBody>
-          <a:bodyPr vert="horz" lIns="91440" tIns="45720" rIns="91440" bIns="45720" rtlCol="0" anchor="t">
-            <a:normAutofit/>
-          </a:bodyPr>
+          <a:bodyPr anchor="t"/>
           <a:lstStyle>
-            <a:lvl1pPr>
-              <a:defRPr lang="en-US" sz="2000">
-                <a:gradFill flip="none" rotWithShape="1">
-                  <a:gsLst>
-                    <a:gs pos="0">
-                      <a:schemeClr val="tx1"/>
-                    </a:gs>
-                    <a:gs pos="100000">
-                      <a:schemeClr val="tx1">
-                        <a:lumMod val="75000"/>
-                      </a:schemeClr>
-                    </a:gs>
-                  </a:gsLst>
-                  <a:lin ang="5400000" scaled="0"/>
-                  <a:tileRect/>
-                </a:gradFill>
+            <a:lvl1pPr marL="0" indent="0" algn="l">
+              <a:buNone/>
+              <a:defRPr sz="2000" cap="none">
+                <a:solidFill>
+                  <a:schemeClr val="accent1"/>
+                </a:solidFill>
               </a:defRPr>
             </a:lvl1pPr>
+            <a:lvl2pPr marL="457200" indent="0">
+              <a:buNone/>
+              <a:defRPr sz="1800">
+                <a:solidFill>
+                  <a:schemeClr val="tx1">
+                    <a:tint val="75000"/>
+                  </a:schemeClr>
+                </a:solidFill>
+              </a:defRPr>
+            </a:lvl2pPr>
+            <a:lvl3pPr marL="914400" indent="0">
+              <a:buNone/>
+              <a:defRPr sz="1600">
+                <a:solidFill>
+                  <a:schemeClr val="tx1">
+                    <a:tint val="75000"/>
+                  </a:schemeClr>
+                </a:solidFill>
+              </a:defRPr>
+            </a:lvl3pPr>
+            <a:lvl4pPr marL="1371600" indent="0">
+              <a:buNone/>
+              <a:defRPr sz="1400">
+                <a:solidFill>
+                  <a:schemeClr val="tx1">
+                    <a:tint val="75000"/>
+                  </a:schemeClr>
+                </a:solidFill>
+              </a:defRPr>
+            </a:lvl4pPr>
+            <a:lvl5pPr marL="1828800" indent="0">
+              <a:buNone/>
+              <a:defRPr sz="1400">
+                <a:solidFill>
+                  <a:schemeClr val="tx1">
+                    <a:tint val="75000"/>
+                  </a:schemeClr>
+                </a:solidFill>
+              </a:defRPr>
+            </a:lvl5pPr>
+            <a:lvl6pPr marL="2286000" indent="0">
+              <a:buNone/>
+              <a:defRPr sz="1400">
+                <a:solidFill>
+                  <a:schemeClr val="tx1">
+                    <a:tint val="75000"/>
+                  </a:schemeClr>
+                </a:solidFill>
+              </a:defRPr>
+            </a:lvl6pPr>
+            <a:lvl7pPr marL="2743200" indent="0">
+              <a:buNone/>
+              <a:defRPr sz="1400">
+                <a:solidFill>
+                  <a:schemeClr val="tx1">
+                    <a:tint val="75000"/>
+                  </a:schemeClr>
+                </a:solidFill>
+              </a:defRPr>
+            </a:lvl7pPr>
+            <a:lvl8pPr marL="3200400" indent="0">
+              <a:buNone/>
+              <a:defRPr sz="1400">
+                <a:solidFill>
+                  <a:schemeClr val="tx1">
+                    <a:tint val="75000"/>
+                  </a:schemeClr>
+                </a:solidFill>
+              </a:defRPr>
+            </a:lvl8pPr>
+            <a:lvl9pPr marL="3657600" indent="0">
+              <a:buNone/>
+              <a:defRPr sz="1400">
+                <a:solidFill>
+                  <a:schemeClr val="tx1">
+                    <a:tint val="75000"/>
+                  </a:schemeClr>
+                </a:solidFill>
+              </a:defRPr>
+            </a:lvl9pPr>
           </a:lstStyle>
           <a:p>
-            <a:pPr marL="0" lvl="0" indent="0">
-              <a:buNone/>
-            </a:pPr>
+            <a:pPr lvl="0"/>
             <a:r>
               <a:rPr lang="en-US" smtClean="0"/>
               <a:t>Edit Master text styles</a:t>
@@ -1871,9 +1728,9 @@
           <a:bodyPr/>
           <a:lstStyle/>
           <a:p>
-            <a:fld id="{43B1A730-AB20-486B-9489-66872405A891}" type="datetime1">
-              <a:rPr lang="en-US" smtClean="0"/>
-              <a:t>27/06/2019</a:t>
+            <a:fld id="{53ADC2D5-45D6-4FD8-9BE8-053CFFFA7B97}" type="datetime1">
+              <a:rPr lang="en-US" smtClean="0"/>
+              <a:t>02/07/2019</a:t>
             </a:fld>
             <a:endParaRPr lang="en-US"/>
           </a:p>
@@ -1924,19 +1781,20 @@
     </p:spTree>
     <p:extLst>
       <p:ext uri="{BB962C8B-B14F-4D97-AF65-F5344CB8AC3E}">
-        <p14:creationId xmlns:p14="http://schemas.microsoft.com/office/powerpoint/2010/main" val="42407066"/>
+        <p14:creationId xmlns:p14="http://schemas.microsoft.com/office/powerpoint/2010/main" val="3342811055"/>
       </p:ext>
     </p:extLst>
   </p:cSld>
   <p:clrMapOvr>
     <a:masterClrMapping/>
   </p:clrMapOvr>
+  <p:hf hdr="0" ftr="0" dt="0"/>
 </p:sldLayout>
 </file>
 
 <file path=ppt/slideLayouts/slideLayout14.xml><?xml version="1.0" encoding="utf-8"?>
 <p:sldLayout xmlns:a="http://schemas.openxmlformats.org/drawingml/2006/main" xmlns:r="http://schemas.openxmlformats.org/officeDocument/2006/relationships" xmlns:p="http://schemas.openxmlformats.org/presentationml/2006/main" preserve="1">
-  <p:cSld name="Quote Name Card">
+  <p:cSld name="3 Column">
     <p:spTree>
       <p:nvGrpSpPr>
         <p:cNvPr id="1" name=""/>
@@ -1953,369 +1811,116 @@
       </p:grpSpPr>
       <p:sp>
         <p:nvSpPr>
-          <p:cNvPr id="14" name="TextBox 13"/>
-          <p:cNvSpPr txBox="1"/>
-          <p:nvPr/>
+          <p:cNvPr id="2" name="Title 1"/>
+          <p:cNvSpPr>
+            <a:spLocks noGrp="1"/>
+          </p:cNvSpPr>
+          <p:nvPr>
+            <p:ph type="title"/>
+          </p:nvPr>
+        </p:nvSpPr>
+        <p:spPr/>
+        <p:txBody>
+          <a:bodyPr/>
+          <a:lstStyle>
+            <a:lvl1pPr>
+              <a:defRPr sz="4200"/>
+            </a:lvl1pPr>
+          </a:lstStyle>
+          <a:p>
+            <a:r>
+              <a:rPr lang="en-US" smtClean="0"/>
+              <a:t>Click to edit Master title style</a:t>
+            </a:r>
+            <a:endParaRPr lang="en-US" dirty="0"/>
+          </a:p>
+        </p:txBody>
+      </p:sp>
+      <p:sp>
+        <p:nvSpPr>
+          <p:cNvPr id="3" name="Text Placeholder 2"/>
+          <p:cNvSpPr>
+            <a:spLocks noGrp="1"/>
+          </p:cNvSpPr>
+          <p:nvPr>
+            <p:ph type="body" idx="1"/>
+          </p:nvPr>
         </p:nvSpPr>
         <p:spPr>
           <a:xfrm>
-            <a:off x="836612" y="786824"/>
-            <a:ext cx="609600" cy="584776"/>
+            <a:off x="632947" y="1981200"/>
+            <a:ext cx="2946866" cy="576262"/>
           </a:xfrm>
-          <a:prstGeom prst="rect">
-            <a:avLst/>
-          </a:prstGeom>
         </p:spPr>
         <p:txBody>
-          <a:bodyPr vert="horz" lIns="91440" tIns="45720" rIns="91440" bIns="45720" rtlCol="0" anchor="ctr">
+          <a:bodyPr anchor="b">
             <a:noAutofit/>
           </a:bodyPr>
           <a:lstStyle>
-            <a:lvl1pPr>
-              <a:spcBef>
-                <a:spcPct val="0"/>
-              </a:spcBef>
-              <a:buNone/>
-              <a:defRPr sz="3200" b="0" cap="all">
-                <a:ln w="3175" cmpd="sng">
-                  <a:noFill/>
-                </a:ln>
-                <a:effectLst>
-                  <a:glow rad="38100">
-                    <a:schemeClr val="bg1">
-                      <a:lumMod val="65000"/>
-                      <a:lumOff val="35000"/>
-                      <a:alpha val="40000"/>
-                    </a:schemeClr>
-                  </a:glow>
-                  <a:outerShdw blurRad="28575" dist="38100" dir="14040000" algn="tl" rotWithShape="0">
-                    <a:srgbClr val="000000">
-                      <a:alpha val="25000"/>
-                    </a:srgbClr>
-                  </a:outerShdw>
-                </a:effectLst>
-              </a:defRPr>
-            </a:lvl1pPr>
-            <a:lvl2pPr>
-              <a:defRPr>
-                <a:solidFill>
-                  <a:schemeClr val="tx2"/>
-                </a:solidFill>
-              </a:defRPr>
-            </a:lvl2pPr>
-            <a:lvl3pPr>
-              <a:defRPr>
-                <a:solidFill>
-                  <a:schemeClr val="tx2"/>
-                </a:solidFill>
-              </a:defRPr>
-            </a:lvl3pPr>
-            <a:lvl4pPr>
-              <a:defRPr>
-                <a:solidFill>
-                  <a:schemeClr val="tx2"/>
-                </a:solidFill>
-              </a:defRPr>
-            </a:lvl4pPr>
-            <a:lvl5pPr>
-              <a:defRPr>
-                <a:solidFill>
-                  <a:schemeClr val="tx2"/>
-                </a:solidFill>
-              </a:defRPr>
-            </a:lvl5pPr>
-            <a:lvl6pPr>
-              <a:defRPr>
-                <a:solidFill>
-                  <a:schemeClr val="tx2"/>
-                </a:solidFill>
-              </a:defRPr>
-            </a:lvl6pPr>
-            <a:lvl7pPr>
-              <a:defRPr>
-                <a:solidFill>
-                  <a:schemeClr val="tx2"/>
-                </a:solidFill>
-              </a:defRPr>
-            </a:lvl7pPr>
-            <a:lvl8pPr>
-              <a:defRPr>
-                <a:solidFill>
-                  <a:schemeClr val="tx2"/>
-                </a:solidFill>
-              </a:defRPr>
-            </a:lvl8pPr>
-            <a:lvl9pPr>
-              <a:defRPr>
-                <a:solidFill>
-                  <a:schemeClr val="tx2"/>
-                </a:solidFill>
-              </a:defRPr>
-            </a:lvl9pPr>
-          </a:lstStyle>
-          <a:p>
-            <a:pPr lvl="0"/>
-            <a:r>
-              <a:rPr lang="en-US" sz="8000" dirty="0">
+            <a:lvl1pPr marL="0" indent="0">
+              <a:buNone/>
+              <a:defRPr sz="2400" b="0">
                 <a:solidFill>
                   <a:schemeClr val="accent1"/>
                 </a:solidFill>
-              </a:rPr>
-              <a:t>“</a:t>
-            </a:r>
-          </a:p>
-        </p:txBody>
-      </p:sp>
-      <p:sp>
-        <p:nvSpPr>
-          <p:cNvPr id="15" name="TextBox 14"/>
-          <p:cNvSpPr txBox="1"/>
-          <p:nvPr/>
+              </a:defRPr>
+            </a:lvl1pPr>
+            <a:lvl2pPr marL="457200" indent="0">
+              <a:buNone/>
+              <a:defRPr sz="2000" b="1"/>
+            </a:lvl2pPr>
+            <a:lvl3pPr marL="914400" indent="0">
+              <a:buNone/>
+              <a:defRPr sz="1800" b="1"/>
+            </a:lvl3pPr>
+            <a:lvl4pPr marL="1371600" indent="0">
+              <a:buNone/>
+              <a:defRPr sz="1600" b="1"/>
+            </a:lvl4pPr>
+            <a:lvl5pPr marL="1828800" indent="0">
+              <a:buNone/>
+              <a:defRPr sz="1600" b="1"/>
+            </a:lvl5pPr>
+            <a:lvl6pPr marL="2286000" indent="0">
+              <a:buNone/>
+              <a:defRPr sz="1600" b="1"/>
+            </a:lvl6pPr>
+            <a:lvl7pPr marL="2743200" indent="0">
+              <a:buNone/>
+              <a:defRPr sz="1600" b="1"/>
+            </a:lvl7pPr>
+            <a:lvl8pPr marL="3200400" indent="0">
+              <a:buNone/>
+              <a:defRPr sz="1600" b="1"/>
+            </a:lvl8pPr>
+            <a:lvl9pPr marL="3657600" indent="0">
+              <a:buNone/>
+              <a:defRPr sz="1600" b="1"/>
+            </a:lvl9pPr>
+          </a:lstStyle>
+          <a:p>
+            <a:pPr lvl="0"/>
+            <a:r>
+              <a:rPr lang="en-US" smtClean="0"/>
+              <a:t>Edit Master text styles</a:t>
+            </a:r>
+          </a:p>
+        </p:txBody>
+      </p:sp>
+      <p:sp>
+        <p:nvSpPr>
+          <p:cNvPr id="16" name="Text Placeholder 3"/>
+          <p:cNvSpPr>
+            <a:spLocks noGrp="1"/>
+          </p:cNvSpPr>
+          <p:nvPr>
+            <p:ph type="body" sz="half" idx="15"/>
+          </p:nvPr>
         </p:nvSpPr>
         <p:spPr>
           <a:xfrm>
-            <a:off x="10437812" y="2743200"/>
-            <a:ext cx="609600" cy="584776"/>
-          </a:xfrm>
-          <a:prstGeom prst="rect">
-            <a:avLst/>
-          </a:prstGeom>
-        </p:spPr>
-        <p:txBody>
-          <a:bodyPr vert="horz" lIns="91440" tIns="45720" rIns="91440" bIns="45720" rtlCol="0" anchor="ctr">
-            <a:noAutofit/>
-          </a:bodyPr>
-          <a:lstStyle>
-            <a:lvl1pPr>
-              <a:spcBef>
-                <a:spcPct val="0"/>
-              </a:spcBef>
-              <a:buNone/>
-              <a:defRPr sz="3200" b="0" cap="all">
-                <a:ln w="3175" cmpd="sng">
-                  <a:noFill/>
-                </a:ln>
-                <a:effectLst>
-                  <a:glow rad="38100">
-                    <a:schemeClr val="bg1">
-                      <a:lumMod val="65000"/>
-                      <a:lumOff val="35000"/>
-                      <a:alpha val="40000"/>
-                    </a:schemeClr>
-                  </a:glow>
-                  <a:outerShdw blurRad="28575" dist="38100" dir="14040000" algn="tl" rotWithShape="0">
-                    <a:srgbClr val="000000">
-                      <a:alpha val="25000"/>
-                    </a:srgbClr>
-                  </a:outerShdw>
-                </a:effectLst>
-              </a:defRPr>
-            </a:lvl1pPr>
-            <a:lvl2pPr>
-              <a:defRPr>
-                <a:solidFill>
-                  <a:schemeClr val="tx2"/>
-                </a:solidFill>
-              </a:defRPr>
-            </a:lvl2pPr>
-            <a:lvl3pPr>
-              <a:defRPr>
-                <a:solidFill>
-                  <a:schemeClr val="tx2"/>
-                </a:solidFill>
-              </a:defRPr>
-            </a:lvl3pPr>
-            <a:lvl4pPr>
-              <a:defRPr>
-                <a:solidFill>
-                  <a:schemeClr val="tx2"/>
-                </a:solidFill>
-              </a:defRPr>
-            </a:lvl4pPr>
-            <a:lvl5pPr>
-              <a:defRPr>
-                <a:solidFill>
-                  <a:schemeClr val="tx2"/>
-                </a:solidFill>
-              </a:defRPr>
-            </a:lvl5pPr>
-            <a:lvl6pPr>
-              <a:defRPr>
-                <a:solidFill>
-                  <a:schemeClr val="tx2"/>
-                </a:solidFill>
-              </a:defRPr>
-            </a:lvl6pPr>
-            <a:lvl7pPr>
-              <a:defRPr>
-                <a:solidFill>
-                  <a:schemeClr val="tx2"/>
-                </a:solidFill>
-              </a:defRPr>
-            </a:lvl7pPr>
-            <a:lvl8pPr>
-              <a:defRPr>
-                <a:solidFill>
-                  <a:schemeClr val="tx2"/>
-                </a:solidFill>
-              </a:defRPr>
-            </a:lvl8pPr>
-            <a:lvl9pPr>
-              <a:defRPr>
-                <a:solidFill>
-                  <a:schemeClr val="tx2"/>
-                </a:solidFill>
-              </a:defRPr>
-            </a:lvl9pPr>
-          </a:lstStyle>
-          <a:p>
-            <a:pPr lvl="0" algn="r"/>
-            <a:r>
-              <a:rPr lang="en-US" sz="8000" dirty="0">
-                <a:solidFill>
-                  <a:schemeClr val="accent1"/>
-                </a:solidFill>
-              </a:rPr>
-              <a:t>”</a:t>
-            </a:r>
-          </a:p>
-        </p:txBody>
-      </p:sp>
-      <p:sp>
-        <p:nvSpPr>
-          <p:cNvPr id="2" name="Title 1"/>
-          <p:cNvSpPr>
-            <a:spLocks noGrp="1"/>
-          </p:cNvSpPr>
-          <p:nvPr>
-            <p:ph type="title"/>
-          </p:nvPr>
-        </p:nvSpPr>
-        <p:spPr>
-          <a:xfrm>
-            <a:off x="1446213" y="609601"/>
-            <a:ext cx="9296398" cy="2743199"/>
-          </a:xfrm>
-        </p:spPr>
-        <p:txBody>
-          <a:bodyPr anchor="ctr">
-            <a:normAutofit/>
-          </a:bodyPr>
-          <a:lstStyle>
-            <a:lvl1pPr algn="l">
-              <a:defRPr sz="3200" b="0" cap="all">
-                <a:gradFill flip="none" rotWithShape="1">
-                  <a:gsLst>
-                    <a:gs pos="0">
-                      <a:schemeClr val="tx1"/>
-                    </a:gs>
-                    <a:gs pos="100000">
-                      <a:schemeClr val="tx1">
-                        <a:lumMod val="75000"/>
-                      </a:schemeClr>
-                    </a:gs>
-                  </a:gsLst>
-                  <a:lin ang="5400000" scaled="0"/>
-                  <a:tileRect/>
-                </a:gradFill>
-              </a:defRPr>
-            </a:lvl1pPr>
-          </a:lstStyle>
-          <a:p>
-            <a:r>
-              <a:rPr lang="en-US" smtClean="0"/>
-              <a:t>Click to edit Master title style</a:t>
-            </a:r>
-            <a:endParaRPr lang="en-US" dirty="0"/>
-          </a:p>
-        </p:txBody>
-      </p:sp>
-      <p:sp>
-        <p:nvSpPr>
-          <p:cNvPr id="10" name="Text Placeholder 9"/>
-          <p:cNvSpPr>
-            <a:spLocks noGrp="1"/>
-          </p:cNvSpPr>
-          <p:nvPr>
-            <p:ph type="body" sz="quarter" idx="13"/>
-          </p:nvPr>
-        </p:nvSpPr>
-        <p:spPr>
-          <a:xfrm>
-            <a:off x="1141412" y="3886200"/>
-            <a:ext cx="9906000" cy="889000"/>
-          </a:xfrm>
-        </p:spPr>
-        <p:txBody>
-          <a:bodyPr vert="horz" lIns="91440" tIns="45720" rIns="91440" bIns="45720" rtlCol="0" anchor="b">
-            <a:normAutofit/>
-          </a:bodyPr>
-          <a:lstStyle>
-            <a:lvl1pPr>
-              <a:buNone/>
-              <a:defRPr lang="en-US" sz="2400" b="0" cap="all" dirty="0">
-                <a:ln w="3175" cmpd="sng">
-                  <a:noFill/>
-                </a:ln>
-                <a:gradFill flip="none" rotWithShape="1">
-                  <a:gsLst>
-                    <a:gs pos="0">
-                      <a:schemeClr val="tx1"/>
-                    </a:gs>
-                    <a:gs pos="100000">
-                      <a:schemeClr val="tx1">
-                        <a:lumMod val="75000"/>
-                      </a:schemeClr>
-                    </a:gs>
-                  </a:gsLst>
-                  <a:lin ang="5400000" scaled="0"/>
-                  <a:tileRect/>
-                </a:gradFill>
-                <a:effectLst>
-                  <a:glow rad="38100">
-                    <a:schemeClr val="bg1">
-                      <a:lumMod val="65000"/>
-                      <a:lumOff val="35000"/>
-                      <a:alpha val="40000"/>
-                    </a:schemeClr>
-                  </a:glow>
-                  <a:outerShdw blurRad="28575" dist="38100" dir="14040000" algn="tl" rotWithShape="0">
-                    <a:srgbClr val="000000">
-                      <a:alpha val="25000"/>
-                    </a:srgbClr>
-                  </a:outerShdw>
-                </a:effectLst>
-              </a:defRPr>
-            </a:lvl1pPr>
-          </a:lstStyle>
-          <a:p>
-            <a:pPr marL="0" lvl="0">
-              <a:spcBef>
-                <a:spcPct val="0"/>
-              </a:spcBef>
-              <a:buNone/>
-            </a:pPr>
-            <a:r>
-              <a:rPr lang="en-US" smtClean="0"/>
-              <a:t>Edit Master text styles</a:t>
-            </a:r>
-          </a:p>
-        </p:txBody>
-      </p:sp>
-      <p:sp>
-        <p:nvSpPr>
-          <p:cNvPr id="3" name="Text Placeholder 2"/>
-          <p:cNvSpPr>
-            <a:spLocks noGrp="1"/>
-          </p:cNvSpPr>
-          <p:nvPr>
-            <p:ph type="body" idx="1"/>
-          </p:nvPr>
-        </p:nvSpPr>
-        <p:spPr>
-          <a:xfrm>
-            <a:off x="1141411" y="4775200"/>
-            <a:ext cx="9906000" cy="1016000"/>
+            <a:off x="652463" y="2667000"/>
+            <a:ext cx="2927350" cy="3589338"/>
           </a:xfrm>
         </p:spPr>
         <p:txBody>
@@ -2323,104 +1928,250 @@
             <a:normAutofit/>
           </a:bodyPr>
           <a:lstStyle>
-            <a:lvl1pPr marL="0" indent="0" algn="l">
-              <a:buNone/>
-              <a:defRPr sz="1800">
-                <a:gradFill flip="none" rotWithShape="1">
-                  <a:gsLst>
-                    <a:gs pos="0">
-                      <a:schemeClr val="tx1"/>
-                    </a:gs>
-                    <a:gs pos="100000">
-                      <a:schemeClr val="tx1">
-                        <a:lumMod val="75000"/>
-                      </a:schemeClr>
-                    </a:gs>
-                  </a:gsLst>
-                  <a:lin ang="5400000" scaled="0"/>
-                  <a:tileRect/>
-                </a:gradFill>
+            <a:lvl1pPr marL="0" indent="0">
+              <a:buNone/>
+              <a:defRPr sz="1400"/>
+            </a:lvl1pPr>
+            <a:lvl2pPr marL="457200" indent="0">
+              <a:buNone/>
+              <a:defRPr sz="1200"/>
+            </a:lvl2pPr>
+            <a:lvl3pPr marL="914400" indent="0">
+              <a:buNone/>
+              <a:defRPr sz="1000"/>
+            </a:lvl3pPr>
+            <a:lvl4pPr marL="1371600" indent="0">
+              <a:buNone/>
+              <a:defRPr sz="900"/>
+            </a:lvl4pPr>
+            <a:lvl5pPr marL="1828800" indent="0">
+              <a:buNone/>
+              <a:defRPr sz="900"/>
+            </a:lvl5pPr>
+            <a:lvl6pPr marL="2286000" indent="0">
+              <a:buNone/>
+              <a:defRPr sz="900"/>
+            </a:lvl6pPr>
+            <a:lvl7pPr marL="2743200" indent="0">
+              <a:buNone/>
+              <a:defRPr sz="900"/>
+            </a:lvl7pPr>
+            <a:lvl8pPr marL="3200400" indent="0">
+              <a:buNone/>
+              <a:defRPr sz="900"/>
+            </a:lvl8pPr>
+            <a:lvl9pPr marL="3657600" indent="0">
+              <a:buNone/>
+              <a:defRPr sz="900"/>
+            </a:lvl9pPr>
+          </a:lstStyle>
+          <a:p>
+            <a:pPr lvl="0"/>
+            <a:r>
+              <a:rPr lang="en-US" smtClean="0"/>
+              <a:t>Edit Master text styles</a:t>
+            </a:r>
+          </a:p>
+        </p:txBody>
+      </p:sp>
+      <p:sp>
+        <p:nvSpPr>
+          <p:cNvPr id="5" name="Text Placeholder 4"/>
+          <p:cNvSpPr>
+            <a:spLocks noGrp="1"/>
+          </p:cNvSpPr>
+          <p:nvPr>
+            <p:ph type="body" sz="quarter" idx="3"/>
+          </p:nvPr>
+        </p:nvSpPr>
+        <p:spPr>
+          <a:xfrm>
+            <a:off x="3883659" y="1981200"/>
+            <a:ext cx="2936241" cy="576262"/>
+          </a:xfrm>
+        </p:spPr>
+        <p:txBody>
+          <a:bodyPr anchor="b">
+            <a:noAutofit/>
+          </a:bodyPr>
+          <a:lstStyle>
+            <a:lvl1pPr marL="0" indent="0">
+              <a:buNone/>
+              <a:defRPr sz="2400" b="0">
+                <a:solidFill>
+                  <a:schemeClr val="accent1"/>
+                </a:solidFill>
               </a:defRPr>
             </a:lvl1pPr>
             <a:lvl2pPr marL="457200" indent="0">
               <a:buNone/>
-              <a:defRPr sz="1800">
+              <a:defRPr sz="2000" b="1"/>
+            </a:lvl2pPr>
+            <a:lvl3pPr marL="914400" indent="0">
+              <a:buNone/>
+              <a:defRPr sz="1800" b="1"/>
+            </a:lvl3pPr>
+            <a:lvl4pPr marL="1371600" indent="0">
+              <a:buNone/>
+              <a:defRPr sz="1600" b="1"/>
+            </a:lvl4pPr>
+            <a:lvl5pPr marL="1828800" indent="0">
+              <a:buNone/>
+              <a:defRPr sz="1600" b="1"/>
+            </a:lvl5pPr>
+            <a:lvl6pPr marL="2286000" indent="0">
+              <a:buNone/>
+              <a:defRPr sz="1600" b="1"/>
+            </a:lvl6pPr>
+            <a:lvl7pPr marL="2743200" indent="0">
+              <a:buNone/>
+              <a:defRPr sz="1600" b="1"/>
+            </a:lvl7pPr>
+            <a:lvl8pPr marL="3200400" indent="0">
+              <a:buNone/>
+              <a:defRPr sz="1600" b="1"/>
+            </a:lvl8pPr>
+            <a:lvl9pPr marL="3657600" indent="0">
+              <a:buNone/>
+              <a:defRPr sz="1600" b="1"/>
+            </a:lvl9pPr>
+          </a:lstStyle>
+          <a:p>
+            <a:pPr lvl="0"/>
+            <a:r>
+              <a:rPr lang="en-US" smtClean="0"/>
+              <a:t>Edit Master text styles</a:t>
+            </a:r>
+          </a:p>
+        </p:txBody>
+      </p:sp>
+      <p:sp>
+        <p:nvSpPr>
+          <p:cNvPr id="19" name="Text Placeholder 3"/>
+          <p:cNvSpPr>
+            <a:spLocks noGrp="1"/>
+          </p:cNvSpPr>
+          <p:nvPr>
+            <p:ph type="body" sz="half" idx="16"/>
+          </p:nvPr>
+        </p:nvSpPr>
+        <p:spPr>
+          <a:xfrm>
+            <a:off x="3873106" y="2667000"/>
+            <a:ext cx="2946794" cy="3589338"/>
+          </a:xfrm>
+        </p:spPr>
+        <p:txBody>
+          <a:bodyPr anchor="t">
+            <a:normAutofit/>
+          </a:bodyPr>
+          <a:lstStyle>
+            <a:lvl1pPr marL="0" indent="0">
+              <a:buNone/>
+              <a:defRPr sz="1400"/>
+            </a:lvl1pPr>
+            <a:lvl2pPr marL="457200" indent="0">
+              <a:buNone/>
+              <a:defRPr sz="1200"/>
+            </a:lvl2pPr>
+            <a:lvl3pPr marL="914400" indent="0">
+              <a:buNone/>
+              <a:defRPr sz="1000"/>
+            </a:lvl3pPr>
+            <a:lvl4pPr marL="1371600" indent="0">
+              <a:buNone/>
+              <a:defRPr sz="900"/>
+            </a:lvl4pPr>
+            <a:lvl5pPr marL="1828800" indent="0">
+              <a:buNone/>
+              <a:defRPr sz="900"/>
+            </a:lvl5pPr>
+            <a:lvl6pPr marL="2286000" indent="0">
+              <a:buNone/>
+              <a:defRPr sz="900"/>
+            </a:lvl6pPr>
+            <a:lvl7pPr marL="2743200" indent="0">
+              <a:buNone/>
+              <a:defRPr sz="900"/>
+            </a:lvl7pPr>
+            <a:lvl8pPr marL="3200400" indent="0">
+              <a:buNone/>
+              <a:defRPr sz="900"/>
+            </a:lvl8pPr>
+            <a:lvl9pPr marL="3657600" indent="0">
+              <a:buNone/>
+              <a:defRPr sz="900"/>
+            </a:lvl9pPr>
+          </a:lstStyle>
+          <a:p>
+            <a:pPr lvl="0"/>
+            <a:r>
+              <a:rPr lang="en-US" smtClean="0"/>
+              <a:t>Edit Master text styles</a:t>
+            </a:r>
+          </a:p>
+        </p:txBody>
+      </p:sp>
+      <p:sp>
+        <p:nvSpPr>
+          <p:cNvPr id="14" name="Text Placeholder 4"/>
+          <p:cNvSpPr>
+            <a:spLocks noGrp="1"/>
+          </p:cNvSpPr>
+          <p:nvPr>
+            <p:ph type="body" sz="quarter" idx="13"/>
+          </p:nvPr>
+        </p:nvSpPr>
+        <p:spPr>
+          <a:xfrm>
+            <a:off x="7124700" y="1981200"/>
+            <a:ext cx="2932113" cy="576262"/>
+          </a:xfrm>
+        </p:spPr>
+        <p:txBody>
+          <a:bodyPr anchor="b">
+            <a:noAutofit/>
+          </a:bodyPr>
+          <a:lstStyle>
+            <a:lvl1pPr marL="0" indent="0">
+              <a:buNone/>
+              <a:defRPr sz="2400" b="0">
                 <a:solidFill>
-                  <a:schemeClr val="tx1">
-                    <a:tint val="75000"/>
-                  </a:schemeClr>
+                  <a:schemeClr val="accent1"/>
                 </a:solidFill>
               </a:defRPr>
+            </a:lvl1pPr>
+            <a:lvl2pPr marL="457200" indent="0">
+              <a:buNone/>
+              <a:defRPr sz="2000" b="1"/>
             </a:lvl2pPr>
             <a:lvl3pPr marL="914400" indent="0">
               <a:buNone/>
-              <a:defRPr sz="1600">
-                <a:solidFill>
-                  <a:schemeClr val="tx1">
-                    <a:tint val="75000"/>
-                  </a:schemeClr>
-                </a:solidFill>
-              </a:defRPr>
+              <a:defRPr sz="1800" b="1"/>
             </a:lvl3pPr>
             <a:lvl4pPr marL="1371600" indent="0">
               <a:buNone/>
-              <a:defRPr sz="1400">
-                <a:solidFill>
-                  <a:schemeClr val="tx1">
-                    <a:tint val="75000"/>
-                  </a:schemeClr>
-                </a:solidFill>
-              </a:defRPr>
+              <a:defRPr sz="1600" b="1"/>
             </a:lvl4pPr>
             <a:lvl5pPr marL="1828800" indent="0">
               <a:buNone/>
-              <a:defRPr sz="1400">
-                <a:solidFill>
-                  <a:schemeClr val="tx1">
-                    <a:tint val="75000"/>
-                  </a:schemeClr>
-                </a:solidFill>
-              </a:defRPr>
+              <a:defRPr sz="1600" b="1"/>
             </a:lvl5pPr>
             <a:lvl6pPr marL="2286000" indent="0">
               <a:buNone/>
-              <a:defRPr sz="1400">
-                <a:solidFill>
-                  <a:schemeClr val="tx1">
-                    <a:tint val="75000"/>
-                  </a:schemeClr>
-                </a:solidFill>
-              </a:defRPr>
+              <a:defRPr sz="1600" b="1"/>
             </a:lvl6pPr>
             <a:lvl7pPr marL="2743200" indent="0">
               <a:buNone/>
-              <a:defRPr sz="1400">
-                <a:solidFill>
-                  <a:schemeClr val="tx1">
-                    <a:tint val="75000"/>
-                  </a:schemeClr>
-                </a:solidFill>
-              </a:defRPr>
+              <a:defRPr sz="1600" b="1"/>
             </a:lvl7pPr>
             <a:lvl8pPr marL="3200400" indent="0">
               <a:buNone/>
-              <a:defRPr sz="1400">
-                <a:solidFill>
-                  <a:schemeClr val="tx1">
-                    <a:tint val="75000"/>
-                  </a:schemeClr>
-                </a:solidFill>
-              </a:defRPr>
+              <a:defRPr sz="1600" b="1"/>
             </a:lvl8pPr>
             <a:lvl9pPr marL="3657600" indent="0">
               <a:buNone/>
-              <a:defRPr sz="1400">
-                <a:solidFill>
-                  <a:schemeClr val="tx1">
-                    <a:tint val="75000"/>
-                  </a:schemeClr>
-                </a:solidFill>
-              </a:defRPr>
+              <a:defRPr sz="1600" b="1"/>
             </a:lvl9pPr>
           </a:lstStyle>
           <a:p>
@@ -2434,7 +2185,148 @@
       </p:sp>
       <p:sp>
         <p:nvSpPr>
-          <p:cNvPr id="4" name="Date Placeholder 3"/>
+          <p:cNvPr id="20" name="Text Placeholder 3"/>
+          <p:cNvSpPr>
+            <a:spLocks noGrp="1"/>
+          </p:cNvSpPr>
+          <p:nvPr>
+            <p:ph type="body" sz="half" idx="17"/>
+          </p:nvPr>
+        </p:nvSpPr>
+        <p:spPr>
+          <a:xfrm>
+            <a:off x="7124700" y="2667000"/>
+            <a:ext cx="2932113" cy="3589338"/>
+          </a:xfrm>
+        </p:spPr>
+        <p:txBody>
+          <a:bodyPr anchor="t">
+            <a:normAutofit/>
+          </a:bodyPr>
+          <a:lstStyle>
+            <a:lvl1pPr marL="0" indent="0">
+              <a:buNone/>
+              <a:defRPr sz="1400"/>
+            </a:lvl1pPr>
+            <a:lvl2pPr marL="457200" indent="0">
+              <a:buNone/>
+              <a:defRPr sz="1200"/>
+            </a:lvl2pPr>
+            <a:lvl3pPr marL="914400" indent="0">
+              <a:buNone/>
+              <a:defRPr sz="1000"/>
+            </a:lvl3pPr>
+            <a:lvl4pPr marL="1371600" indent="0">
+              <a:buNone/>
+              <a:defRPr sz="900"/>
+            </a:lvl4pPr>
+            <a:lvl5pPr marL="1828800" indent="0">
+              <a:buNone/>
+              <a:defRPr sz="900"/>
+            </a:lvl5pPr>
+            <a:lvl6pPr marL="2286000" indent="0">
+              <a:buNone/>
+              <a:defRPr sz="900"/>
+            </a:lvl6pPr>
+            <a:lvl7pPr marL="2743200" indent="0">
+              <a:buNone/>
+              <a:defRPr sz="900"/>
+            </a:lvl7pPr>
+            <a:lvl8pPr marL="3200400" indent="0">
+              <a:buNone/>
+              <a:defRPr sz="900"/>
+            </a:lvl8pPr>
+            <a:lvl9pPr marL="3657600" indent="0">
+              <a:buNone/>
+              <a:defRPr sz="900"/>
+            </a:lvl9pPr>
+          </a:lstStyle>
+          <a:p>
+            <a:pPr lvl="0"/>
+            <a:r>
+              <a:rPr lang="en-US" smtClean="0"/>
+              <a:t>Edit Master text styles</a:t>
+            </a:r>
+          </a:p>
+        </p:txBody>
+      </p:sp>
+      <p:cxnSp>
+        <p:nvCxnSpPr>
+          <p:cNvPr id="17" name="Straight Connector 16"/>
+          <p:cNvCxnSpPr/>
+          <p:nvPr/>
+        </p:nvCxnSpPr>
+        <p:spPr>
+          <a:xfrm>
+            <a:off x="3726142" y="2133600"/>
+            <a:ext cx="0" cy="3962400"/>
+          </a:xfrm>
+          <a:prstGeom prst="line">
+            <a:avLst/>
+          </a:prstGeom>
+          <a:ln w="12700" cmpd="sng">
+            <a:solidFill>
+              <a:schemeClr val="accent1">
+                <a:alpha val="40000"/>
+              </a:schemeClr>
+            </a:solidFill>
+          </a:ln>
+        </p:spPr>
+        <p:style>
+          <a:lnRef idx="2">
+            <a:schemeClr val="accent1"/>
+          </a:lnRef>
+          <a:fillRef idx="0">
+            <a:schemeClr val="accent1"/>
+          </a:fillRef>
+          <a:effectRef idx="1">
+            <a:schemeClr val="accent1"/>
+          </a:effectRef>
+          <a:fontRef idx="minor">
+            <a:schemeClr val="tx1"/>
+          </a:fontRef>
+        </p:style>
+      </p:cxnSp>
+      <p:cxnSp>
+        <p:nvCxnSpPr>
+          <p:cNvPr id="18" name="Straight Connector 17"/>
+          <p:cNvCxnSpPr/>
+          <p:nvPr/>
+        </p:nvCxnSpPr>
+        <p:spPr>
+          <a:xfrm>
+            <a:off x="6962227" y="2133600"/>
+            <a:ext cx="0" cy="3966882"/>
+          </a:xfrm>
+          <a:prstGeom prst="line">
+            <a:avLst/>
+          </a:prstGeom>
+          <a:ln w="12700" cmpd="sng">
+            <a:solidFill>
+              <a:schemeClr val="accent1">
+                <a:alpha val="40000"/>
+              </a:schemeClr>
+            </a:solidFill>
+          </a:ln>
+        </p:spPr>
+        <p:style>
+          <a:lnRef idx="2">
+            <a:schemeClr val="accent1"/>
+          </a:lnRef>
+          <a:fillRef idx="0">
+            <a:schemeClr val="accent1"/>
+          </a:fillRef>
+          <a:effectRef idx="1">
+            <a:schemeClr val="accent1"/>
+          </a:effectRef>
+          <a:fontRef idx="minor">
+            <a:schemeClr val="tx1"/>
+          </a:fontRef>
+        </p:style>
+      </p:cxnSp>
+      <p:sp>
+        <p:nvSpPr>
+          <p:cNvPr id="7" name="Date Placeholder 3"/>
           <p:cNvSpPr>
             <a:spLocks noGrp="1"/>
           </p:cNvSpPr>
@@ -2447,9 +2339,9 @@
           <a:bodyPr/>
           <a:lstStyle/>
           <a:p>
-            <a:fld id="{8C6FC7DB-726E-4C66-AEB2-30D588394FBA}" type="datetime1">
-              <a:rPr lang="en-US" smtClean="0"/>
-              <a:t>27/06/2019</a:t>
+            <a:fld id="{53ADC2D5-45D6-4FD8-9BE8-053CFFFA7B97}" type="datetime1">
+              <a:rPr lang="en-US" smtClean="0"/>
+              <a:t>02/07/2019</a:t>
             </a:fld>
             <a:endParaRPr lang="en-US"/>
           </a:p>
@@ -2457,7 +2349,7 @@
       </p:sp>
       <p:sp>
         <p:nvSpPr>
-          <p:cNvPr id="5" name="Footer Placeholder 4"/>
+          <p:cNvPr id="4" name="Footer Placeholder 4"/>
           <p:cNvSpPr>
             <a:spLocks noGrp="1"/>
           </p:cNvSpPr>
@@ -2500,19 +2392,20 @@
     </p:spTree>
     <p:extLst>
       <p:ext uri="{BB962C8B-B14F-4D97-AF65-F5344CB8AC3E}">
-        <p14:creationId xmlns:p14="http://schemas.microsoft.com/office/powerpoint/2010/main" val="933828125"/>
+        <p14:creationId xmlns:p14="http://schemas.microsoft.com/office/powerpoint/2010/main" val="1826513360"/>
       </p:ext>
     </p:extLst>
   </p:cSld>
   <p:clrMapOvr>
     <a:masterClrMapping/>
   </p:clrMapOvr>
+  <p:hf hdr="0" ftr="0" dt="0"/>
 </p:sldLayout>
 </file>
 
 <file path=ppt/slideLayouts/slideLayout15.xml><?xml version="1.0" encoding="utf-8"?>
 <p:sldLayout xmlns:a="http://schemas.openxmlformats.org/drawingml/2006/main" xmlns:r="http://schemas.openxmlformats.org/officeDocument/2006/relationships" xmlns:p="http://schemas.openxmlformats.org/presentationml/2006/main" preserve="1">
-  <p:cSld name="True or False">
+  <p:cSld name="3 Picture Column">
     <p:spTree>
       <p:nvGrpSpPr>
         <p:cNvPr id="1" name=""/>
@@ -2537,222 +2430,517 @@
             <p:ph type="title"/>
           </p:nvPr>
         </p:nvSpPr>
+        <p:spPr/>
+        <p:txBody>
+          <a:bodyPr/>
+          <a:lstStyle>
+            <a:lvl1pPr>
+              <a:defRPr sz="4200"/>
+            </a:lvl1pPr>
+          </a:lstStyle>
+          <a:p>
+            <a:r>
+              <a:rPr lang="en-US" smtClean="0"/>
+              <a:t>Click to edit Master title style</a:t>
+            </a:r>
+            <a:endParaRPr lang="en-US" dirty="0"/>
+          </a:p>
+        </p:txBody>
+      </p:sp>
+      <p:sp>
+        <p:nvSpPr>
+          <p:cNvPr id="3" name="Text Placeholder 2"/>
+          <p:cNvSpPr>
+            <a:spLocks noGrp="1"/>
+          </p:cNvSpPr>
+          <p:nvPr>
+            <p:ph type="body" idx="1"/>
+          </p:nvPr>
+        </p:nvSpPr>
         <p:spPr>
           <a:xfrm>
-            <a:off x="1141412" y="609601"/>
-            <a:ext cx="9905999" cy="2743199"/>
+            <a:off x="652463" y="4250949"/>
+            <a:ext cx="2940050" cy="576262"/>
           </a:xfrm>
         </p:spPr>
         <p:txBody>
-          <a:bodyPr vert="horz" lIns="91440" tIns="45720" rIns="91440" bIns="45720" rtlCol="0" anchor="ctr">
-            <a:normAutofit/>
+          <a:bodyPr anchor="b">
+            <a:noAutofit/>
           </a:bodyPr>
           <a:lstStyle>
-            <a:lvl1pPr>
-              <a:defRPr lang="en-US" b="0" dirty="0"/>
+            <a:lvl1pPr marL="0" indent="0">
+              <a:buNone/>
+              <a:defRPr sz="2400" b="0">
+                <a:solidFill>
+                  <a:schemeClr val="accent1"/>
+                </a:solidFill>
+              </a:defRPr>
             </a:lvl1pPr>
+            <a:lvl2pPr marL="457200" indent="0">
+              <a:buNone/>
+              <a:defRPr sz="2000" b="1"/>
+            </a:lvl2pPr>
+            <a:lvl3pPr marL="914400" indent="0">
+              <a:buNone/>
+              <a:defRPr sz="1800" b="1"/>
+            </a:lvl3pPr>
+            <a:lvl4pPr marL="1371600" indent="0">
+              <a:buNone/>
+              <a:defRPr sz="1600" b="1"/>
+            </a:lvl4pPr>
+            <a:lvl5pPr marL="1828800" indent="0">
+              <a:buNone/>
+              <a:defRPr sz="1600" b="1"/>
+            </a:lvl5pPr>
+            <a:lvl6pPr marL="2286000" indent="0">
+              <a:buNone/>
+              <a:defRPr sz="1600" b="1"/>
+            </a:lvl6pPr>
+            <a:lvl7pPr marL="2743200" indent="0">
+              <a:buNone/>
+              <a:defRPr sz="1600" b="1"/>
+            </a:lvl7pPr>
+            <a:lvl8pPr marL="3200400" indent="0">
+              <a:buNone/>
+              <a:defRPr sz="1600" b="1"/>
+            </a:lvl8pPr>
+            <a:lvl9pPr marL="3657600" indent="0">
+              <a:buNone/>
+              <a:defRPr sz="1600" b="1"/>
+            </a:lvl9pPr>
           </a:lstStyle>
           <a:p>
-            <a:pPr marL="0" lvl="0"/>
-            <a:r>
-              <a:rPr lang="en-US" smtClean="0"/>
-              <a:t>Click to edit Master title style</a:t>
-            </a:r>
-            <a:endParaRPr lang="en-US" dirty="0"/>
-          </a:p>
-        </p:txBody>
-      </p:sp>
-      <p:sp>
-        <p:nvSpPr>
-          <p:cNvPr id="10" name="Text Placeholder 9"/>
-          <p:cNvSpPr>
-            <a:spLocks noGrp="1"/>
-          </p:cNvSpPr>
-          <p:nvPr>
-            <p:ph type="body" sz="quarter" idx="13"/>
+            <a:pPr lvl="0"/>
+            <a:r>
+              <a:rPr lang="en-US" smtClean="0"/>
+              <a:t>Edit Master text styles</a:t>
+            </a:r>
+          </a:p>
+        </p:txBody>
+      </p:sp>
+      <p:sp>
+        <p:nvSpPr>
+          <p:cNvPr id="29" name="Picture Placeholder 2"/>
+          <p:cNvSpPr>
+            <a:spLocks noGrp="1" noChangeAspect="1"/>
+          </p:cNvSpPr>
+          <p:nvPr>
+            <p:ph type="pic" idx="15"/>
           </p:nvPr>
         </p:nvSpPr>
         <p:spPr>
           <a:xfrm>
-            <a:off x="1141412" y="3505200"/>
-            <a:ext cx="9906000" cy="838200"/>
+            <a:off x="652463" y="2209800"/>
+            <a:ext cx="2940050" cy="1524000"/>
           </a:xfrm>
-        </p:spPr>
-        <p:txBody>
-          <a:bodyPr vert="horz" lIns="91440" tIns="45720" rIns="91440" bIns="45720" rtlCol="0" anchor="b">
-            <a:normAutofit/>
-          </a:bodyPr>
-          <a:lstStyle>
-            <a:lvl1pPr>
-              <a:buNone/>
-              <a:defRPr lang="en-US" sz="2800" b="0" cap="all" dirty="0">
-                <a:ln w="3175" cmpd="sng">
-                  <a:noFill/>
-                </a:ln>
-                <a:gradFill flip="none" rotWithShape="1">
-                  <a:gsLst>
-                    <a:gs pos="0">
-                      <a:schemeClr val="tx1"/>
-                    </a:gs>
-                    <a:gs pos="100000">
-                      <a:schemeClr val="tx1">
-                        <a:lumMod val="75000"/>
-                      </a:schemeClr>
-                    </a:gs>
-                  </a:gsLst>
-                  <a:lin ang="5400000" scaled="0"/>
-                  <a:tileRect/>
-                </a:gradFill>
-                <a:effectLst>
-                  <a:glow rad="38100">
-                    <a:schemeClr val="bg1">
-                      <a:lumMod val="65000"/>
-                      <a:lumOff val="35000"/>
-                      <a:alpha val="40000"/>
-                    </a:schemeClr>
-                  </a:glow>
-                  <a:outerShdw blurRad="28575" dist="38100" dir="14040000" algn="tl" rotWithShape="0">
-                    <a:srgbClr val="000000">
-                      <a:alpha val="25000"/>
-                    </a:srgbClr>
-                  </a:outerShdw>
-                </a:effectLst>
-              </a:defRPr>
-            </a:lvl1pPr>
-          </a:lstStyle>
-          <a:p>
-            <a:pPr marL="0" lvl="0">
-              <a:spcBef>
-                <a:spcPct val="0"/>
-              </a:spcBef>
-              <a:buNone/>
-            </a:pPr>
-            <a:r>
-              <a:rPr lang="en-US" smtClean="0"/>
-              <a:t>Edit Master text styles</a:t>
-            </a:r>
-          </a:p>
-        </p:txBody>
-      </p:sp>
-      <p:sp>
-        <p:nvSpPr>
-          <p:cNvPr id="3" name="Text Placeholder 2"/>
-          <p:cNvSpPr>
-            <a:spLocks noGrp="1"/>
-          </p:cNvSpPr>
-          <p:nvPr>
-            <p:ph type="body" idx="1"/>
-          </p:nvPr>
-        </p:nvSpPr>
-        <p:spPr>
-          <a:xfrm>
-            <a:off x="1141411" y="4343400"/>
-            <a:ext cx="9906000" cy="1447800"/>
-          </a:xfrm>
+          <a:prstGeom prst="roundRect">
+            <a:avLst>
+              <a:gd name="adj" fmla="val 1858"/>
+            </a:avLst>
+          </a:prstGeom>
+          <a:effectLst>
+            <a:outerShdw blurRad="50800" dist="50800" dir="5400000" algn="tl" rotWithShape="0">
+              <a:srgbClr val="000000">
+                <a:alpha val="43000"/>
+              </a:srgbClr>
+            </a:outerShdw>
+          </a:effectLst>
         </p:spPr>
         <p:txBody>
           <a:bodyPr anchor="t">
             <a:normAutofit/>
           </a:bodyPr>
           <a:lstStyle>
-            <a:lvl1pPr marL="0" indent="0" algn="l">
-              <a:buNone/>
-              <a:defRPr sz="1800">
-                <a:gradFill flip="none" rotWithShape="1">
-                  <a:gsLst>
-                    <a:gs pos="0">
-                      <a:schemeClr val="tx1"/>
-                    </a:gs>
-                    <a:gs pos="100000">
-                      <a:schemeClr val="tx1">
-                        <a:lumMod val="75000"/>
-                      </a:schemeClr>
-                    </a:gs>
-                  </a:gsLst>
-                  <a:lin ang="5400000" scaled="0"/>
-                  <a:tileRect/>
-                </a:gradFill>
+            <a:lvl1pPr marL="0" indent="0" algn="ctr">
+              <a:buNone/>
+              <a:defRPr sz="1600"/>
+            </a:lvl1pPr>
+            <a:lvl2pPr marL="457200" indent="0">
+              <a:buNone/>
+              <a:defRPr sz="1600"/>
+            </a:lvl2pPr>
+            <a:lvl3pPr marL="914400" indent="0">
+              <a:buNone/>
+              <a:defRPr sz="1600"/>
+            </a:lvl3pPr>
+            <a:lvl4pPr marL="1371600" indent="0">
+              <a:buNone/>
+              <a:defRPr sz="1600"/>
+            </a:lvl4pPr>
+            <a:lvl5pPr marL="1828800" indent="0">
+              <a:buNone/>
+              <a:defRPr sz="1600"/>
+            </a:lvl5pPr>
+            <a:lvl6pPr marL="2286000" indent="0">
+              <a:buNone/>
+              <a:defRPr sz="1600"/>
+            </a:lvl6pPr>
+            <a:lvl7pPr marL="2743200" indent="0">
+              <a:buNone/>
+              <a:defRPr sz="1600"/>
+            </a:lvl7pPr>
+            <a:lvl8pPr marL="3200400" indent="0">
+              <a:buNone/>
+              <a:defRPr sz="1600"/>
+            </a:lvl8pPr>
+            <a:lvl9pPr marL="3657600" indent="0">
+              <a:buNone/>
+              <a:defRPr sz="1600"/>
+            </a:lvl9pPr>
+          </a:lstStyle>
+          <a:p>
+            <a:r>
+              <a:rPr lang="en-US" smtClean="0"/>
+              <a:t>Click icon to add picture</a:t>
+            </a:r>
+            <a:endParaRPr lang="en-US" dirty="0"/>
+          </a:p>
+        </p:txBody>
+      </p:sp>
+      <p:sp>
+        <p:nvSpPr>
+          <p:cNvPr id="22" name="Text Placeholder 3"/>
+          <p:cNvSpPr>
+            <a:spLocks noGrp="1"/>
+          </p:cNvSpPr>
+          <p:nvPr>
+            <p:ph type="body" sz="half" idx="18"/>
+          </p:nvPr>
+        </p:nvSpPr>
+        <p:spPr>
+          <a:xfrm>
+            <a:off x="652463" y="4827211"/>
+            <a:ext cx="2940050" cy="659189"/>
+          </a:xfrm>
+        </p:spPr>
+        <p:txBody>
+          <a:bodyPr anchor="t">
+            <a:normAutofit/>
+          </a:bodyPr>
+          <a:lstStyle>
+            <a:lvl1pPr marL="0" indent="0">
+              <a:buNone/>
+              <a:defRPr sz="1400"/>
+            </a:lvl1pPr>
+            <a:lvl2pPr marL="457200" indent="0">
+              <a:buNone/>
+              <a:defRPr sz="1200"/>
+            </a:lvl2pPr>
+            <a:lvl3pPr marL="914400" indent="0">
+              <a:buNone/>
+              <a:defRPr sz="1000"/>
+            </a:lvl3pPr>
+            <a:lvl4pPr marL="1371600" indent="0">
+              <a:buNone/>
+              <a:defRPr sz="900"/>
+            </a:lvl4pPr>
+            <a:lvl5pPr marL="1828800" indent="0">
+              <a:buNone/>
+              <a:defRPr sz="900"/>
+            </a:lvl5pPr>
+            <a:lvl6pPr marL="2286000" indent="0">
+              <a:buNone/>
+              <a:defRPr sz="900"/>
+            </a:lvl6pPr>
+            <a:lvl7pPr marL="2743200" indent="0">
+              <a:buNone/>
+              <a:defRPr sz="900"/>
+            </a:lvl7pPr>
+            <a:lvl8pPr marL="3200400" indent="0">
+              <a:buNone/>
+              <a:defRPr sz="900"/>
+            </a:lvl8pPr>
+            <a:lvl9pPr marL="3657600" indent="0">
+              <a:buNone/>
+              <a:defRPr sz="900"/>
+            </a:lvl9pPr>
+          </a:lstStyle>
+          <a:p>
+            <a:pPr lvl="0"/>
+            <a:r>
+              <a:rPr lang="en-US" smtClean="0"/>
+              <a:t>Edit Master text styles</a:t>
+            </a:r>
+          </a:p>
+        </p:txBody>
+      </p:sp>
+      <p:sp>
+        <p:nvSpPr>
+          <p:cNvPr id="5" name="Text Placeholder 4"/>
+          <p:cNvSpPr>
+            <a:spLocks noGrp="1"/>
+          </p:cNvSpPr>
+          <p:nvPr>
+            <p:ph type="body" sz="quarter" idx="3"/>
+          </p:nvPr>
+        </p:nvSpPr>
+        <p:spPr>
+          <a:xfrm>
+            <a:off x="3889375" y="4250949"/>
+            <a:ext cx="2930525" cy="576262"/>
+          </a:xfrm>
+        </p:spPr>
+        <p:txBody>
+          <a:bodyPr anchor="b">
+            <a:noAutofit/>
+          </a:bodyPr>
+          <a:lstStyle>
+            <a:lvl1pPr marL="0" indent="0">
+              <a:buNone/>
+              <a:defRPr sz="2400" b="0">
+                <a:solidFill>
+                  <a:schemeClr val="accent1"/>
+                </a:solidFill>
               </a:defRPr>
             </a:lvl1pPr>
             <a:lvl2pPr marL="457200" indent="0">
               <a:buNone/>
-              <a:defRPr sz="1800">
+              <a:defRPr sz="2000" b="1"/>
+            </a:lvl2pPr>
+            <a:lvl3pPr marL="914400" indent="0">
+              <a:buNone/>
+              <a:defRPr sz="1800" b="1"/>
+            </a:lvl3pPr>
+            <a:lvl4pPr marL="1371600" indent="0">
+              <a:buNone/>
+              <a:defRPr sz="1600" b="1"/>
+            </a:lvl4pPr>
+            <a:lvl5pPr marL="1828800" indent="0">
+              <a:buNone/>
+              <a:defRPr sz="1600" b="1"/>
+            </a:lvl5pPr>
+            <a:lvl6pPr marL="2286000" indent="0">
+              <a:buNone/>
+              <a:defRPr sz="1600" b="1"/>
+            </a:lvl6pPr>
+            <a:lvl7pPr marL="2743200" indent="0">
+              <a:buNone/>
+              <a:defRPr sz="1600" b="1"/>
+            </a:lvl7pPr>
+            <a:lvl8pPr marL="3200400" indent="0">
+              <a:buNone/>
+              <a:defRPr sz="1600" b="1"/>
+            </a:lvl8pPr>
+            <a:lvl9pPr marL="3657600" indent="0">
+              <a:buNone/>
+              <a:defRPr sz="1600" b="1"/>
+            </a:lvl9pPr>
+          </a:lstStyle>
+          <a:p>
+            <a:pPr lvl="0"/>
+            <a:r>
+              <a:rPr lang="en-US" smtClean="0"/>
+              <a:t>Edit Master text styles</a:t>
+            </a:r>
+          </a:p>
+        </p:txBody>
+      </p:sp>
+      <p:sp>
+        <p:nvSpPr>
+          <p:cNvPr id="30" name="Picture Placeholder 2"/>
+          <p:cNvSpPr>
+            <a:spLocks noGrp="1" noChangeAspect="1"/>
+          </p:cNvSpPr>
+          <p:nvPr>
+            <p:ph type="pic" idx="21"/>
+          </p:nvPr>
+        </p:nvSpPr>
+        <p:spPr>
+          <a:xfrm>
+            <a:off x="3889374" y="2209800"/>
+            <a:ext cx="2930525" cy="1524000"/>
+          </a:xfrm>
+          <a:prstGeom prst="roundRect">
+            <a:avLst>
+              <a:gd name="adj" fmla="val 1858"/>
+            </a:avLst>
+          </a:prstGeom>
+          <a:effectLst>
+            <a:outerShdw blurRad="50800" dist="50800" dir="5400000" algn="tl" rotWithShape="0">
+              <a:srgbClr val="000000">
+                <a:alpha val="43000"/>
+              </a:srgbClr>
+            </a:outerShdw>
+          </a:effectLst>
+        </p:spPr>
+        <p:txBody>
+          <a:bodyPr anchor="t">
+            <a:normAutofit/>
+          </a:bodyPr>
+          <a:lstStyle>
+            <a:lvl1pPr marL="0" indent="0" algn="ctr">
+              <a:buNone/>
+              <a:defRPr sz="1600"/>
+            </a:lvl1pPr>
+            <a:lvl2pPr marL="457200" indent="0">
+              <a:buNone/>
+              <a:defRPr sz="1600"/>
+            </a:lvl2pPr>
+            <a:lvl3pPr marL="914400" indent="0">
+              <a:buNone/>
+              <a:defRPr sz="1600"/>
+            </a:lvl3pPr>
+            <a:lvl4pPr marL="1371600" indent="0">
+              <a:buNone/>
+              <a:defRPr sz="1600"/>
+            </a:lvl4pPr>
+            <a:lvl5pPr marL="1828800" indent="0">
+              <a:buNone/>
+              <a:defRPr sz="1600"/>
+            </a:lvl5pPr>
+            <a:lvl6pPr marL="2286000" indent="0">
+              <a:buNone/>
+              <a:defRPr sz="1600"/>
+            </a:lvl6pPr>
+            <a:lvl7pPr marL="2743200" indent="0">
+              <a:buNone/>
+              <a:defRPr sz="1600"/>
+            </a:lvl7pPr>
+            <a:lvl8pPr marL="3200400" indent="0">
+              <a:buNone/>
+              <a:defRPr sz="1600"/>
+            </a:lvl8pPr>
+            <a:lvl9pPr marL="3657600" indent="0">
+              <a:buNone/>
+              <a:defRPr sz="1600"/>
+            </a:lvl9pPr>
+          </a:lstStyle>
+          <a:p>
+            <a:r>
+              <a:rPr lang="en-US" smtClean="0"/>
+              <a:t>Click icon to add picture</a:t>
+            </a:r>
+            <a:endParaRPr lang="en-US" dirty="0"/>
+          </a:p>
+        </p:txBody>
+      </p:sp>
+      <p:sp>
+        <p:nvSpPr>
+          <p:cNvPr id="23" name="Text Placeholder 3"/>
+          <p:cNvSpPr>
+            <a:spLocks noGrp="1"/>
+          </p:cNvSpPr>
+          <p:nvPr>
+            <p:ph type="body" sz="half" idx="19"/>
+          </p:nvPr>
+        </p:nvSpPr>
+        <p:spPr>
+          <a:xfrm>
+            <a:off x="3888022" y="4827210"/>
+            <a:ext cx="2934406" cy="659189"/>
+          </a:xfrm>
+        </p:spPr>
+        <p:txBody>
+          <a:bodyPr anchor="t">
+            <a:normAutofit/>
+          </a:bodyPr>
+          <a:lstStyle>
+            <a:lvl1pPr marL="0" indent="0">
+              <a:buNone/>
+              <a:defRPr sz="1400"/>
+            </a:lvl1pPr>
+            <a:lvl2pPr marL="457200" indent="0">
+              <a:buNone/>
+              <a:defRPr sz="1200"/>
+            </a:lvl2pPr>
+            <a:lvl3pPr marL="914400" indent="0">
+              <a:buNone/>
+              <a:defRPr sz="1000"/>
+            </a:lvl3pPr>
+            <a:lvl4pPr marL="1371600" indent="0">
+              <a:buNone/>
+              <a:defRPr sz="900"/>
+            </a:lvl4pPr>
+            <a:lvl5pPr marL="1828800" indent="0">
+              <a:buNone/>
+              <a:defRPr sz="900"/>
+            </a:lvl5pPr>
+            <a:lvl6pPr marL="2286000" indent="0">
+              <a:buNone/>
+              <a:defRPr sz="900"/>
+            </a:lvl6pPr>
+            <a:lvl7pPr marL="2743200" indent="0">
+              <a:buNone/>
+              <a:defRPr sz="900"/>
+            </a:lvl7pPr>
+            <a:lvl8pPr marL="3200400" indent="0">
+              <a:buNone/>
+              <a:defRPr sz="900"/>
+            </a:lvl8pPr>
+            <a:lvl9pPr marL="3657600" indent="0">
+              <a:buNone/>
+              <a:defRPr sz="900"/>
+            </a:lvl9pPr>
+          </a:lstStyle>
+          <a:p>
+            <a:pPr lvl="0"/>
+            <a:r>
+              <a:rPr lang="en-US" smtClean="0"/>
+              <a:t>Edit Master text styles</a:t>
+            </a:r>
+          </a:p>
+        </p:txBody>
+      </p:sp>
+      <p:sp>
+        <p:nvSpPr>
+          <p:cNvPr id="14" name="Text Placeholder 4"/>
+          <p:cNvSpPr>
+            <a:spLocks noGrp="1"/>
+          </p:cNvSpPr>
+          <p:nvPr>
+            <p:ph type="body" sz="quarter" idx="13"/>
+          </p:nvPr>
+        </p:nvSpPr>
+        <p:spPr>
+          <a:xfrm>
+            <a:off x="7124700" y="4250949"/>
+            <a:ext cx="2932113" cy="576262"/>
+          </a:xfrm>
+        </p:spPr>
+        <p:txBody>
+          <a:bodyPr anchor="b">
+            <a:noAutofit/>
+          </a:bodyPr>
+          <a:lstStyle>
+            <a:lvl1pPr marL="0" indent="0">
+              <a:buNone/>
+              <a:defRPr sz="2400" b="0">
                 <a:solidFill>
-                  <a:schemeClr val="tx1">
-                    <a:tint val="75000"/>
-                  </a:schemeClr>
+                  <a:schemeClr val="accent1"/>
                 </a:solidFill>
               </a:defRPr>
+            </a:lvl1pPr>
+            <a:lvl2pPr marL="457200" indent="0">
+              <a:buNone/>
+              <a:defRPr sz="2000" b="1"/>
             </a:lvl2pPr>
             <a:lvl3pPr marL="914400" indent="0">
               <a:buNone/>
-              <a:defRPr sz="1600">
-                <a:solidFill>
-                  <a:schemeClr val="tx1">
-                    <a:tint val="75000"/>
-                  </a:schemeClr>
-                </a:solidFill>
-              </a:defRPr>
+              <a:defRPr sz="1800" b="1"/>
             </a:lvl3pPr>
             <a:lvl4pPr marL="1371600" indent="0">
               <a:buNone/>
-              <a:defRPr sz="1400">
-                <a:solidFill>
-                  <a:schemeClr val="tx1">
-                    <a:tint val="75000"/>
-                  </a:schemeClr>
-                </a:solidFill>
-              </a:defRPr>
+              <a:defRPr sz="1600" b="1"/>
             </a:lvl4pPr>
             <a:lvl5pPr marL="1828800" indent="0">
               <a:buNone/>
-              <a:defRPr sz="1400">
-                <a:solidFill>
-                  <a:schemeClr val="tx1">
-                    <a:tint val="75000"/>
-                  </a:schemeClr>
-                </a:solidFill>
-              </a:defRPr>
+              <a:defRPr sz="1600" b="1"/>
             </a:lvl5pPr>
             <a:lvl6pPr marL="2286000" indent="0">
               <a:buNone/>
-              <a:defRPr sz="1400">
-                <a:solidFill>
-                  <a:schemeClr val="tx1">
-                    <a:tint val="75000"/>
-                  </a:schemeClr>
-                </a:solidFill>
-              </a:defRPr>
+              <a:defRPr sz="1600" b="1"/>
             </a:lvl6pPr>
             <a:lvl7pPr marL="2743200" indent="0">
               <a:buNone/>
-              <a:defRPr sz="1400">
-                <a:solidFill>
-                  <a:schemeClr val="tx1">
-                    <a:tint val="75000"/>
-                  </a:schemeClr>
-                </a:solidFill>
-              </a:defRPr>
+              <a:defRPr sz="1600" b="1"/>
             </a:lvl7pPr>
             <a:lvl8pPr marL="3200400" indent="0">
               <a:buNone/>
-              <a:defRPr sz="1400">
-                <a:solidFill>
-                  <a:schemeClr val="tx1">
-                    <a:tint val="75000"/>
-                  </a:schemeClr>
-                </a:solidFill>
-              </a:defRPr>
+              <a:defRPr sz="1600" b="1"/>
             </a:lvl8pPr>
             <a:lvl9pPr marL="3657600" indent="0">
               <a:buNone/>
-              <a:defRPr sz="1400">
-                <a:solidFill>
-                  <a:schemeClr val="tx1">
-                    <a:tint val="75000"/>
-                  </a:schemeClr>
-                </a:solidFill>
-              </a:defRPr>
+              <a:defRPr sz="1600" b="1"/>
             </a:lvl9pPr>
           </a:lstStyle>
           <a:p>
@@ -2766,7 +2954,227 @@
       </p:sp>
       <p:sp>
         <p:nvSpPr>
-          <p:cNvPr id="4" name="Date Placeholder 3"/>
+          <p:cNvPr id="31" name="Picture Placeholder 2"/>
+          <p:cNvSpPr>
+            <a:spLocks noGrp="1" noChangeAspect="1"/>
+          </p:cNvSpPr>
+          <p:nvPr>
+            <p:ph type="pic" idx="22"/>
+          </p:nvPr>
+        </p:nvSpPr>
+        <p:spPr>
+          <a:xfrm>
+            <a:off x="7124699" y="2209800"/>
+            <a:ext cx="2932113" cy="1524000"/>
+          </a:xfrm>
+          <a:prstGeom prst="roundRect">
+            <a:avLst>
+              <a:gd name="adj" fmla="val 1858"/>
+            </a:avLst>
+          </a:prstGeom>
+          <a:effectLst>
+            <a:outerShdw blurRad="50800" dist="50800" dir="5400000" algn="tl" rotWithShape="0">
+              <a:srgbClr val="000000">
+                <a:alpha val="43000"/>
+              </a:srgbClr>
+            </a:outerShdw>
+          </a:effectLst>
+        </p:spPr>
+        <p:txBody>
+          <a:bodyPr anchor="t">
+            <a:normAutofit/>
+          </a:bodyPr>
+          <a:lstStyle>
+            <a:lvl1pPr marL="0" indent="0" algn="ctr">
+              <a:buNone/>
+              <a:defRPr sz="1600"/>
+            </a:lvl1pPr>
+            <a:lvl2pPr marL="457200" indent="0">
+              <a:buNone/>
+              <a:defRPr sz="1600"/>
+            </a:lvl2pPr>
+            <a:lvl3pPr marL="914400" indent="0">
+              <a:buNone/>
+              <a:defRPr sz="1600"/>
+            </a:lvl3pPr>
+            <a:lvl4pPr marL="1371600" indent="0">
+              <a:buNone/>
+              <a:defRPr sz="1600"/>
+            </a:lvl4pPr>
+            <a:lvl5pPr marL="1828800" indent="0">
+              <a:buNone/>
+              <a:defRPr sz="1600"/>
+            </a:lvl5pPr>
+            <a:lvl6pPr marL="2286000" indent="0">
+              <a:buNone/>
+              <a:defRPr sz="1600"/>
+            </a:lvl6pPr>
+            <a:lvl7pPr marL="2743200" indent="0">
+              <a:buNone/>
+              <a:defRPr sz="1600"/>
+            </a:lvl7pPr>
+            <a:lvl8pPr marL="3200400" indent="0">
+              <a:buNone/>
+              <a:defRPr sz="1600"/>
+            </a:lvl8pPr>
+            <a:lvl9pPr marL="3657600" indent="0">
+              <a:buNone/>
+              <a:defRPr sz="1600"/>
+            </a:lvl9pPr>
+          </a:lstStyle>
+          <a:p>
+            <a:r>
+              <a:rPr lang="en-US" smtClean="0"/>
+              <a:t>Click icon to add picture</a:t>
+            </a:r>
+            <a:endParaRPr lang="en-US" dirty="0"/>
+          </a:p>
+        </p:txBody>
+      </p:sp>
+      <p:sp>
+        <p:nvSpPr>
+          <p:cNvPr id="24" name="Text Placeholder 3"/>
+          <p:cNvSpPr>
+            <a:spLocks noGrp="1"/>
+          </p:cNvSpPr>
+          <p:nvPr>
+            <p:ph type="body" sz="half" idx="20"/>
+          </p:nvPr>
+        </p:nvSpPr>
+        <p:spPr>
+          <a:xfrm>
+            <a:off x="7124575" y="4827208"/>
+            <a:ext cx="2935997" cy="659189"/>
+          </a:xfrm>
+        </p:spPr>
+        <p:txBody>
+          <a:bodyPr anchor="t">
+            <a:normAutofit/>
+          </a:bodyPr>
+          <a:lstStyle>
+            <a:lvl1pPr marL="0" indent="0">
+              <a:buNone/>
+              <a:defRPr sz="1400"/>
+            </a:lvl1pPr>
+            <a:lvl2pPr marL="457200" indent="0">
+              <a:buNone/>
+              <a:defRPr sz="1200"/>
+            </a:lvl2pPr>
+            <a:lvl3pPr marL="914400" indent="0">
+              <a:buNone/>
+              <a:defRPr sz="1000"/>
+            </a:lvl3pPr>
+            <a:lvl4pPr marL="1371600" indent="0">
+              <a:buNone/>
+              <a:defRPr sz="900"/>
+            </a:lvl4pPr>
+            <a:lvl5pPr marL="1828800" indent="0">
+              <a:buNone/>
+              <a:defRPr sz="900"/>
+            </a:lvl5pPr>
+            <a:lvl6pPr marL="2286000" indent="0">
+              <a:buNone/>
+              <a:defRPr sz="900"/>
+            </a:lvl6pPr>
+            <a:lvl7pPr marL="2743200" indent="0">
+              <a:buNone/>
+              <a:defRPr sz="900"/>
+            </a:lvl7pPr>
+            <a:lvl8pPr marL="3200400" indent="0">
+              <a:buNone/>
+              <a:defRPr sz="900"/>
+            </a:lvl8pPr>
+            <a:lvl9pPr marL="3657600" indent="0">
+              <a:buNone/>
+              <a:defRPr sz="900"/>
+            </a:lvl9pPr>
+          </a:lstStyle>
+          <a:p>
+            <a:pPr lvl="0"/>
+            <a:r>
+              <a:rPr lang="en-US" smtClean="0"/>
+              <a:t>Edit Master text styles</a:t>
+            </a:r>
+          </a:p>
+        </p:txBody>
+      </p:sp>
+      <p:cxnSp>
+        <p:nvCxnSpPr>
+          <p:cNvPr id="17" name="Straight Connector 16"/>
+          <p:cNvCxnSpPr/>
+          <p:nvPr/>
+        </p:nvCxnSpPr>
+        <p:spPr>
+          <a:xfrm>
+            <a:off x="3726142" y="2133600"/>
+            <a:ext cx="0" cy="3962400"/>
+          </a:xfrm>
+          <a:prstGeom prst="line">
+            <a:avLst/>
+          </a:prstGeom>
+          <a:ln w="12700" cmpd="sng">
+            <a:solidFill>
+              <a:schemeClr val="accent1">
+                <a:alpha val="40000"/>
+              </a:schemeClr>
+            </a:solidFill>
+          </a:ln>
+        </p:spPr>
+        <p:style>
+          <a:lnRef idx="2">
+            <a:schemeClr val="accent1"/>
+          </a:lnRef>
+          <a:fillRef idx="0">
+            <a:schemeClr val="accent1"/>
+          </a:fillRef>
+          <a:effectRef idx="1">
+            <a:schemeClr val="accent1"/>
+          </a:effectRef>
+          <a:fontRef idx="minor">
+            <a:schemeClr val="tx1"/>
+          </a:fontRef>
+        </p:style>
+      </p:cxnSp>
+      <p:cxnSp>
+        <p:nvCxnSpPr>
+          <p:cNvPr id="18" name="Straight Connector 17"/>
+          <p:cNvCxnSpPr/>
+          <p:nvPr/>
+        </p:nvCxnSpPr>
+        <p:spPr>
+          <a:xfrm>
+            <a:off x="6962227" y="2133600"/>
+            <a:ext cx="0" cy="3966882"/>
+          </a:xfrm>
+          <a:prstGeom prst="line">
+            <a:avLst/>
+          </a:prstGeom>
+          <a:ln w="12700" cmpd="sng">
+            <a:solidFill>
+              <a:schemeClr val="accent1">
+                <a:alpha val="40000"/>
+              </a:schemeClr>
+            </a:solidFill>
+          </a:ln>
+        </p:spPr>
+        <p:style>
+          <a:lnRef idx="2">
+            <a:schemeClr val="accent1"/>
+          </a:lnRef>
+          <a:fillRef idx="0">
+            <a:schemeClr val="accent1"/>
+          </a:fillRef>
+          <a:effectRef idx="1">
+            <a:schemeClr val="accent1"/>
+          </a:effectRef>
+          <a:fontRef idx="minor">
+            <a:schemeClr val="tx1"/>
+          </a:fontRef>
+        </p:style>
+      </p:cxnSp>
+      <p:sp>
+        <p:nvSpPr>
+          <p:cNvPr id="7" name="Date Placeholder 3"/>
           <p:cNvSpPr>
             <a:spLocks noGrp="1"/>
           </p:cNvSpPr>
@@ -2779,9 +3187,9 @@
           <a:bodyPr/>
           <a:lstStyle/>
           <a:p>
-            <a:fld id="{FC6905A5-AC56-42AF-A095-9799464C485C}" type="datetime1">
-              <a:rPr lang="en-US" smtClean="0"/>
-              <a:t>27/06/2019</a:t>
+            <a:fld id="{53ADC2D5-45D6-4FD8-9BE8-053CFFFA7B97}" type="datetime1">
+              <a:rPr lang="en-US" smtClean="0"/>
+              <a:t>02/07/2019</a:t>
             </a:fld>
             <a:endParaRPr lang="en-US"/>
           </a:p>
@@ -2789,7 +3197,7 @@
       </p:sp>
       <p:sp>
         <p:nvSpPr>
-          <p:cNvPr id="5" name="Footer Placeholder 4"/>
+          <p:cNvPr id="4" name="Footer Placeholder 4"/>
           <p:cNvSpPr>
             <a:spLocks noGrp="1"/>
           </p:cNvSpPr>
@@ -2832,13 +3240,14 @@
     </p:spTree>
     <p:extLst>
       <p:ext uri="{BB962C8B-B14F-4D97-AF65-F5344CB8AC3E}">
-        <p14:creationId xmlns:p14="http://schemas.microsoft.com/office/powerpoint/2010/main" val="2533013069"/>
+        <p14:creationId xmlns:p14="http://schemas.microsoft.com/office/powerpoint/2010/main" val="428575211"/>
       </p:ext>
     </p:extLst>
   </p:cSld>
   <p:clrMapOvr>
     <a:masterClrMapping/>
   </p:clrMapOvr>
+  <p:hf hdr="0" ftr="0" dt="0"/>
 </p:sldLayout>
 </file>
 
@@ -2861,7 +3270,7 @@
       </p:grpSpPr>
       <p:sp>
         <p:nvSpPr>
-          <p:cNvPr id="7" name="Title 1"/>
+          <p:cNvPr id="2" name="Title 1"/>
           <p:cNvSpPr>
             <a:spLocks noGrp="1"/>
           </p:cNvSpPr>
@@ -2869,12 +3278,7 @@
             <p:ph type="title"/>
           </p:nvPr>
         </p:nvSpPr>
-        <p:spPr>
-          <a:xfrm>
-            <a:off x="1141413" y="609600"/>
-            <a:ext cx="9905998" cy="1905000"/>
-          </a:xfrm>
-        </p:spPr>
+        <p:spPr/>
         <p:txBody>
           <a:bodyPr/>
           <a:lstStyle/>
@@ -2899,7 +3303,7 @@
         </p:nvSpPr>
         <p:spPr/>
         <p:txBody>
-          <a:bodyPr vert="eaVert" anchor="t"/>
+          <a:bodyPr vert="eaVert" anchor="t" anchorCtr="0"/>
           <a:lstStyle/>
           <a:p>
             <a:pPr lvl="0"/>
@@ -2954,9 +3358,9 @@
           <a:bodyPr/>
           <a:lstStyle/>
           <a:p>
-            <a:fld id="{D52E4CF6-D391-4ECD-88E7-A114410AE563}" type="datetime1">
-              <a:rPr lang="en-US" smtClean="0"/>
-              <a:t>27/06/2019</a:t>
+            <a:fld id="{53ADC2D5-45D6-4FD8-9BE8-053CFFFA7B97}" type="datetime1">
+              <a:rPr lang="en-US" smtClean="0"/>
+              <a:t>02/07/2019</a:t>
             </a:fld>
             <a:endParaRPr lang="en-US"/>
           </a:p>
@@ -3007,13 +3411,14 @@
     </p:spTree>
     <p:extLst>
       <p:ext uri="{BB962C8B-B14F-4D97-AF65-F5344CB8AC3E}">
-        <p14:creationId xmlns:p14="http://schemas.microsoft.com/office/powerpoint/2010/main" val="3056213407"/>
+        <p14:creationId xmlns:p14="http://schemas.microsoft.com/office/powerpoint/2010/main" val="1278987618"/>
       </p:ext>
     </p:extLst>
   </p:cSld>
   <p:clrMapOvr>
     <a:masterClrMapping/>
   </p:clrMapOvr>
+  <p:hf hdr="0" ftr="0" dt="0"/>
 </p:sldLayout>
 </file>
 
@@ -3046,12 +3451,12 @@
         </p:nvSpPr>
         <p:spPr>
           <a:xfrm>
-            <a:off x="8836898" y="609599"/>
-            <a:ext cx="2210514" cy="5181601"/>
+            <a:off x="8304212" y="430213"/>
+            <a:ext cx="1752601" cy="5826125"/>
           </a:xfrm>
         </p:spPr>
         <p:txBody>
-          <a:bodyPr vert="eaVert"/>
+          <a:bodyPr vert="eaVert" anchor="b" anchorCtr="0"/>
           <a:lstStyle/>
           <a:p>
             <a:r>
@@ -3074,12 +3479,12 @@
         </p:nvSpPr>
         <p:spPr>
           <a:xfrm>
-            <a:off x="1141412" y="609600"/>
-            <a:ext cx="7543800" cy="5181600"/>
+            <a:off x="652463" y="887414"/>
+            <a:ext cx="7423149" cy="5368924"/>
           </a:xfrm>
         </p:spPr>
         <p:txBody>
-          <a:bodyPr vert="eaVert" anchor="t"/>
+          <a:bodyPr vert="eaVert"/>
           <a:lstStyle/>
           <a:p>
             <a:pPr lvl="0"/>
@@ -3134,9 +3539,9 @@
           <a:bodyPr/>
           <a:lstStyle/>
           <a:p>
-            <a:fld id="{42031A7E-8EC0-4A3C-B859-9F42F110CC06}" type="datetime1">
-              <a:rPr lang="en-US" smtClean="0"/>
-              <a:t>27/06/2019</a:t>
+            <a:fld id="{53ADC2D5-45D6-4FD8-9BE8-053CFFFA7B97}" type="datetime1">
+              <a:rPr lang="en-US" smtClean="0"/>
+              <a:t>02/07/2019</a:t>
             </a:fld>
             <a:endParaRPr lang="en-US"/>
           </a:p>
@@ -3187,13 +3592,14 @@
     </p:spTree>
     <p:extLst>
       <p:ext uri="{BB962C8B-B14F-4D97-AF65-F5344CB8AC3E}">
-        <p14:creationId xmlns:p14="http://schemas.microsoft.com/office/powerpoint/2010/main" val="2710391342"/>
+        <p14:creationId xmlns:p14="http://schemas.microsoft.com/office/powerpoint/2010/main" val="1164400761"/>
       </p:ext>
     </p:extLst>
   </p:cSld>
   <p:clrMapOvr>
     <a:masterClrMapping/>
   </p:clrMapOvr>
+  <p:hf hdr="0" ftr="0" dt="0"/>
 </p:sldLayout>
 </file>
 
@@ -3249,7 +3655,7 @@
         </p:nvSpPr>
         <p:spPr/>
         <p:txBody>
-          <a:bodyPr anchor="ctr"/>
+          <a:bodyPr/>
           <a:lstStyle/>
           <a:p>
             <a:pPr lvl="0"/>
@@ -3304,9 +3710,9 @@
           <a:bodyPr/>
           <a:lstStyle/>
           <a:p>
-            <a:fld id="{C54853DA-5E26-477E-9B32-515466EA13F7}" type="datetime1">
-              <a:rPr lang="en-US" smtClean="0"/>
-              <a:t>27/06/2019</a:t>
+            <a:fld id="{53ADC2D5-45D6-4FD8-9BE8-053CFFFA7B97}" type="datetime1">
+              <a:rPr lang="en-US" smtClean="0"/>
+              <a:t>02/07/2019</a:t>
             </a:fld>
             <a:endParaRPr lang="en-US"/>
           </a:p>
@@ -3357,13 +3763,14 @@
     </p:spTree>
     <p:extLst>
       <p:ext uri="{BB962C8B-B14F-4D97-AF65-F5344CB8AC3E}">
-        <p14:creationId xmlns:p14="http://schemas.microsoft.com/office/powerpoint/2010/main" val="3902988404"/>
+        <p14:creationId xmlns:p14="http://schemas.microsoft.com/office/powerpoint/2010/main" val="4024818420"/>
       </p:ext>
     </p:extLst>
   </p:cSld>
   <p:clrMapOvr>
     <a:masterClrMapping/>
   </p:clrMapOvr>
+  <p:hf hdr="0" ftr="0" dt="0"/>
 </p:sldLayout>
 </file>
 
@@ -3396,15 +3803,15 @@
         </p:nvSpPr>
         <p:spPr>
           <a:xfrm>
-            <a:off x="1751013" y="3308581"/>
-            <a:ext cx="8686800" cy="1468800"/>
+            <a:off x="1154956" y="2861733"/>
+            <a:ext cx="8825657" cy="1915647"/>
           </a:xfrm>
         </p:spPr>
         <p:txBody>
           <a:bodyPr anchor="b"/>
           <a:lstStyle>
-            <a:lvl1pPr algn="r">
-              <a:defRPr sz="4000" b="0" cap="all"/>
+            <a:lvl1pPr algn="l">
+              <a:defRPr sz="4000" b="0" cap="none"/>
             </a:lvl1pPr>
           </a:lstStyle>
           <a:p>
@@ -3428,32 +3835,19 @@
         </p:nvSpPr>
         <p:spPr>
           <a:xfrm>
-            <a:off x="1751011" y="4777381"/>
-            <a:ext cx="8686801" cy="860400"/>
+            <a:off x="1154955" y="4777381"/>
+            <a:ext cx="8825658" cy="860400"/>
           </a:xfrm>
         </p:spPr>
         <p:txBody>
-          <a:bodyPr anchor="t">
-            <a:normAutofit/>
-          </a:bodyPr>
+          <a:bodyPr anchor="t"/>
           <a:lstStyle>
-            <a:lvl1pPr marL="0" indent="0" algn="r">
-              <a:buNone/>
-              <a:defRPr sz="2000">
-                <a:gradFill flip="none" rotWithShape="1">
-                  <a:gsLst>
-                    <a:gs pos="0">
-                      <a:schemeClr val="tx1"/>
-                    </a:gs>
-                    <a:gs pos="100000">
-                      <a:schemeClr val="tx1">
-                        <a:lumMod val="75000"/>
-                      </a:schemeClr>
-                    </a:gs>
-                  </a:gsLst>
-                  <a:lin ang="5400000" scaled="0"/>
-                  <a:tileRect/>
-                </a:gradFill>
+            <a:lvl1pPr marL="0" indent="0" algn="l">
+              <a:buNone/>
+              <a:defRPr sz="2000" cap="all">
+                <a:solidFill>
+                  <a:schemeClr val="accent1"/>
+                </a:solidFill>
               </a:defRPr>
             </a:lvl1pPr>
             <a:lvl2pPr marL="457200" indent="0">
@@ -3563,7 +3957,7 @@
           <a:p>
             <a:fld id="{598460A3-8827-470A-97D6-3A9D9A5C6448}" type="datetime1">
               <a:rPr lang="en-US" smtClean="0"/>
-              <a:t>27/06/2019</a:t>
+              <a:t>02/07/2019</a:t>
             </a:fld>
             <a:endParaRPr lang="en-US"/>
           </a:p>
@@ -3614,7 +4008,7 @@
     </p:spTree>
     <p:extLst>
       <p:ext uri="{BB962C8B-B14F-4D97-AF65-F5344CB8AC3E}">
-        <p14:creationId xmlns:p14="http://schemas.microsoft.com/office/powerpoint/2010/main" val="1450741056"/>
+        <p14:creationId xmlns:p14="http://schemas.microsoft.com/office/powerpoint/2010/main" val="2200280282"/>
       </p:ext>
     </p:extLst>
   </p:cSld>
@@ -3676,8 +4070,8 @@
         </p:nvSpPr>
         <p:spPr>
           <a:xfrm>
-            <a:off x="1141412" y="2666999"/>
-            <a:ext cx="4876800" cy="3124201"/>
+            <a:off x="1103312" y="2060575"/>
+            <a:ext cx="4396339" cy="4195763"/>
           </a:xfrm>
         </p:spPr>
         <p:txBody>
@@ -3763,8 +4157,8 @@
         </p:nvSpPr>
         <p:spPr>
           <a:xfrm>
-            <a:off x="6170612" y="2667000"/>
-            <a:ext cx="4876800" cy="3124200"/>
+            <a:off x="5654493" y="2056092"/>
+            <a:ext cx="4396341" cy="4200245"/>
           </a:xfrm>
         </p:spPr>
         <p:txBody>
@@ -3853,9 +4247,9 @@
           <a:bodyPr/>
           <a:lstStyle/>
           <a:p>
-            <a:fld id="{45A23798-29C9-4A99-9F58-1FDFEA3335B3}" type="datetime1">
-              <a:rPr lang="en-US" smtClean="0"/>
-              <a:t>27/06/2019</a:t>
+            <a:fld id="{53ADC2D5-45D6-4FD8-9BE8-053CFFFA7B97}" type="datetime1">
+              <a:rPr lang="en-US" smtClean="0"/>
+              <a:t>02/07/2019</a:t>
             </a:fld>
             <a:endParaRPr lang="en-US"/>
           </a:p>
@@ -3906,18 +4300,14 @@
     </p:spTree>
     <p:extLst>
       <p:ext uri="{BB962C8B-B14F-4D97-AF65-F5344CB8AC3E}">
-        <p14:creationId xmlns:p14="http://schemas.microsoft.com/office/powerpoint/2010/main" val="447356168"/>
+        <p14:creationId xmlns:p14="http://schemas.microsoft.com/office/powerpoint/2010/main" val="992448053"/>
       </p:ext>
     </p:extLst>
   </p:cSld>
   <p:clrMapOvr>
     <a:masterClrMapping/>
   </p:clrMapOvr>
-  <p:extLst>
-    <p:ext uri="{DCECCB84-F9BA-43D5-87BE-67443E8EF086}">
-      <p15:sldGuideLst xmlns:p15="http://schemas.microsoft.com/office/powerpoint/2012/main"/>
-    </p:ext>
-  </p:extLst>
+  <p:hf hdr="0" ftr="0" dt="0"/>
 </p:sldLayout>
 </file>
 
@@ -3977,8 +4367,8 @@
         </p:nvSpPr>
         <p:spPr>
           <a:xfrm>
-            <a:off x="1429280" y="2658533"/>
-            <a:ext cx="4588931" cy="576262"/>
+            <a:off x="1103313" y="1905000"/>
+            <a:ext cx="4396338" cy="576262"/>
           </a:xfrm>
         </p:spPr>
         <p:txBody>
@@ -3988,7 +4378,11 @@
           <a:lstStyle>
             <a:lvl1pPr marL="0" indent="0">
               <a:buNone/>
-              <a:defRPr sz="2800" b="0"/>
+              <a:defRPr sz="2400" b="0">
+                <a:solidFill>
+                  <a:schemeClr val="accent1"/>
+                </a:solidFill>
+              </a:defRPr>
             </a:lvl1pPr>
             <a:lvl2pPr marL="457200" indent="0">
               <a:buNone/>
@@ -4044,12 +4438,12 @@
         </p:nvSpPr>
         <p:spPr>
           <a:xfrm>
-            <a:off x="1141412" y="3243262"/>
-            <a:ext cx="4876800" cy="2547937"/>
+            <a:off x="1103312" y="2514600"/>
+            <a:ext cx="4396339" cy="3741738"/>
           </a:xfrm>
         </p:spPr>
         <p:txBody>
-          <a:bodyPr anchor="t">
+          <a:bodyPr>
             <a:normAutofit/>
           </a:bodyPr>
           <a:lstStyle>
@@ -4131,8 +4525,8 @@
         </p:nvSpPr>
         <p:spPr>
           <a:xfrm>
-            <a:off x="6443133" y="2667000"/>
-            <a:ext cx="4604280" cy="576262"/>
+            <a:off x="5654495" y="1905000"/>
+            <a:ext cx="4396339" cy="576262"/>
           </a:xfrm>
         </p:spPr>
         <p:txBody>
@@ -4142,7 +4536,11 @@
           <a:lstStyle>
             <a:lvl1pPr marL="0" indent="0">
               <a:buNone/>
-              <a:defRPr sz="2800" b="0"/>
+              <a:defRPr sz="2400" b="0">
+                <a:solidFill>
+                  <a:schemeClr val="accent1"/>
+                </a:solidFill>
+              </a:defRPr>
             </a:lvl1pPr>
             <a:lvl2pPr marL="457200" indent="0">
               <a:buNone/>
@@ -4198,12 +4596,12 @@
         </p:nvSpPr>
         <p:spPr>
           <a:xfrm>
-            <a:off x="6170612" y="3243262"/>
-            <a:ext cx="4876801" cy="2547937"/>
+            <a:off x="5654495" y="2514600"/>
+            <a:ext cx="4396339" cy="3741738"/>
           </a:xfrm>
         </p:spPr>
         <p:txBody>
-          <a:bodyPr anchor="t">
+          <a:bodyPr>
             <a:normAutofit/>
           </a:bodyPr>
           <a:lstStyle>
@@ -4288,9 +4686,9 @@
           <a:bodyPr/>
           <a:lstStyle/>
           <a:p>
-            <a:fld id="{1B07F921-19CA-43CA-947F-F71DB7E6D2D2}" type="datetime1">
-              <a:rPr lang="en-US" smtClean="0"/>
-              <a:t>27/06/2019</a:t>
+            <a:fld id="{53ADC2D5-45D6-4FD8-9BE8-053CFFFA7B97}" type="datetime1">
+              <a:rPr lang="en-US" smtClean="0"/>
+              <a:t>02/07/2019</a:t>
             </a:fld>
             <a:endParaRPr lang="en-US"/>
           </a:p>
@@ -4341,18 +4739,14 @@
     </p:spTree>
     <p:extLst>
       <p:ext uri="{BB962C8B-B14F-4D97-AF65-F5344CB8AC3E}">
-        <p14:creationId xmlns:p14="http://schemas.microsoft.com/office/powerpoint/2010/main" val="1116495071"/>
+        <p14:creationId xmlns:p14="http://schemas.microsoft.com/office/powerpoint/2010/main" val="4175416628"/>
       </p:ext>
     </p:extLst>
   </p:cSld>
   <p:clrMapOvr>
     <a:masterClrMapping/>
   </p:clrMapOvr>
-  <p:extLst>
-    <p:ext uri="{DCECCB84-F9BA-43D5-87BE-67443E8EF086}">
-      <p15:sldGuideLst xmlns:p15="http://schemas.microsoft.com/office/powerpoint/2012/main"/>
-    </p:ext>
-  </p:extLst>
+  <p:hf hdr="0" ftr="0" dt="0"/>
 </p:sldLayout>
 </file>
 
@@ -4398,7 +4792,7 @@
       </p:sp>
       <p:sp>
         <p:nvSpPr>
-          <p:cNvPr id="3" name="Date Placeholder 2"/>
+          <p:cNvPr id="7" name="Date Placeholder 2"/>
           <p:cNvSpPr>
             <a:spLocks noGrp="1"/>
           </p:cNvSpPr>
@@ -4413,7 +4807,7 @@
           <a:p>
             <a:fld id="{A601A659-A43E-41B7-A93A-43F1AE9E0E77}" type="datetime1">
               <a:rPr lang="en-US" smtClean="0"/>
-              <a:t>27/06/2019</a:t>
+              <a:t>02/07/2019</a:t>
             </a:fld>
             <a:endParaRPr lang="en-US"/>
           </a:p>
@@ -4421,7 +4815,7 @@
       </p:sp>
       <p:sp>
         <p:nvSpPr>
-          <p:cNvPr id="4" name="Footer Placeholder 3"/>
+          <p:cNvPr id="5" name="Footer Placeholder 3"/>
           <p:cNvSpPr>
             <a:spLocks noGrp="1"/>
           </p:cNvSpPr>
@@ -4440,7 +4834,7 @@
       </p:sp>
       <p:sp>
         <p:nvSpPr>
-          <p:cNvPr id="5" name="Slide Number Placeholder 4"/>
+          <p:cNvPr id="6" name="Slide Number Placeholder 4"/>
           <p:cNvSpPr>
             <a:spLocks noGrp="1"/>
           </p:cNvSpPr>
@@ -4464,7 +4858,7 @@
     </p:spTree>
     <p:extLst>
       <p:ext uri="{BB962C8B-B14F-4D97-AF65-F5344CB8AC3E}">
-        <p14:creationId xmlns:p14="http://schemas.microsoft.com/office/powerpoint/2010/main" val="702111595"/>
+        <p14:creationId xmlns:p14="http://schemas.microsoft.com/office/powerpoint/2010/main" val="4048347618"/>
       </p:ext>
     </p:extLst>
   </p:cSld>
@@ -4493,7 +4887,7 @@
       </p:grpSpPr>
       <p:sp>
         <p:nvSpPr>
-          <p:cNvPr id="2" name="Date Placeholder 1"/>
+          <p:cNvPr id="7" name="Date Placeholder 1"/>
           <p:cNvSpPr>
             <a:spLocks noGrp="1"/>
           </p:cNvSpPr>
@@ -4508,7 +4902,7 @@
           <a:p>
             <a:fld id="{C293A2D6-18E4-4A94-932B-425240442F87}" type="datetime1">
               <a:rPr lang="en-US" smtClean="0"/>
-              <a:t>27/06/2019</a:t>
+              <a:t>02/07/2019</a:t>
             </a:fld>
             <a:endParaRPr lang="en-US"/>
           </a:p>
@@ -4516,7 +4910,7 @@
       </p:sp>
       <p:sp>
         <p:nvSpPr>
-          <p:cNvPr id="3" name="Footer Placeholder 2"/>
+          <p:cNvPr id="5" name="Footer Placeholder 2"/>
           <p:cNvSpPr>
             <a:spLocks noGrp="1"/>
           </p:cNvSpPr>
@@ -4535,7 +4929,7 @@
       </p:sp>
       <p:sp>
         <p:nvSpPr>
-          <p:cNvPr id="4" name="Slide Number Placeholder 3"/>
+          <p:cNvPr id="6" name="Slide Number Placeholder 3"/>
           <p:cNvSpPr>
             <a:spLocks noGrp="1"/>
           </p:cNvSpPr>
@@ -4559,7 +4953,7 @@
     </p:spTree>
     <p:extLst>
       <p:ext uri="{BB962C8B-B14F-4D97-AF65-F5344CB8AC3E}">
-        <p14:creationId xmlns:p14="http://schemas.microsoft.com/office/powerpoint/2010/main" val="2108660379"/>
+        <p14:creationId xmlns:p14="http://schemas.microsoft.com/office/powerpoint/2010/main" val="3027002156"/>
       </p:ext>
     </p:extLst>
   </p:cSld>
@@ -4598,14 +4992,12 @@
         </p:nvSpPr>
         <p:spPr>
           <a:xfrm>
-            <a:off x="1141411" y="1600200"/>
-            <a:ext cx="3549121" cy="1371600"/>
+            <a:off x="1154954" y="1447800"/>
+            <a:ext cx="3401064" cy="1447800"/>
           </a:xfrm>
         </p:spPr>
         <p:txBody>
-          <a:bodyPr anchor="b">
-            <a:normAutofit/>
-          </a:bodyPr>
+          <a:bodyPr anchor="b"/>
           <a:lstStyle>
             <a:lvl1pPr algn="l">
               <a:defRPr sz="2400" b="0"/>
@@ -4632,8 +5024,8 @@
         </p:nvSpPr>
         <p:spPr>
           <a:xfrm>
-            <a:off x="5103812" y="609601"/>
-            <a:ext cx="5943601" cy="5181600"/>
+            <a:off x="4784616" y="1447800"/>
+            <a:ext cx="5195997" cy="4572000"/>
           </a:xfrm>
         </p:spPr>
         <p:txBody>
@@ -4719,18 +5111,16 @@
         </p:nvSpPr>
         <p:spPr>
           <a:xfrm>
-            <a:off x="1141411" y="2971800"/>
-            <a:ext cx="3549121" cy="1828800"/>
+            <a:off x="1154954" y="3129280"/>
+            <a:ext cx="3401063" cy="2895599"/>
           </a:xfrm>
         </p:spPr>
         <p:txBody>
-          <a:bodyPr>
-            <a:normAutofit/>
-          </a:bodyPr>
+          <a:bodyPr/>
           <a:lstStyle>
             <a:lvl1pPr marL="0" indent="0">
               <a:buNone/>
-              <a:defRPr sz="1600"/>
+              <a:defRPr sz="1400"/>
             </a:lvl1pPr>
             <a:lvl2pPr marL="457200" indent="0">
               <a:buNone/>
@@ -4776,7 +5166,7 @@
       </p:sp>
       <p:sp>
         <p:nvSpPr>
-          <p:cNvPr id="5" name="Date Placeholder 4"/>
+          <p:cNvPr id="7" name="Date Placeholder 4"/>
           <p:cNvSpPr>
             <a:spLocks noGrp="1"/>
           </p:cNvSpPr>
@@ -4789,9 +5179,9 @@
           <a:bodyPr/>
           <a:lstStyle/>
           <a:p>
-            <a:fld id="{BA2BC2E8-C8AC-4F2B-B297-9BA21C3B222A}" type="datetime1">
-              <a:rPr lang="en-US" smtClean="0"/>
-              <a:t>27/06/2019</a:t>
+            <a:fld id="{53ADC2D5-45D6-4FD8-9BE8-053CFFFA7B97}" type="datetime1">
+              <a:rPr lang="en-US" smtClean="0"/>
+              <a:t>02/07/2019</a:t>
             </a:fld>
             <a:endParaRPr lang="en-US"/>
           </a:p>
@@ -4799,7 +5189,7 @@
       </p:sp>
       <p:sp>
         <p:nvSpPr>
-          <p:cNvPr id="6" name="Footer Placeholder 5"/>
+          <p:cNvPr id="5" name="Footer Placeholder 5"/>
           <p:cNvSpPr>
             <a:spLocks noGrp="1"/>
           </p:cNvSpPr>
@@ -4818,7 +5208,7 @@
       </p:sp>
       <p:sp>
         <p:nvSpPr>
-          <p:cNvPr id="7" name="Slide Number Placeholder 6"/>
+          <p:cNvPr id="6" name="Slide Number Placeholder 6"/>
           <p:cNvSpPr>
             <a:spLocks noGrp="1"/>
           </p:cNvSpPr>
@@ -4842,18 +5232,14 @@
     </p:spTree>
     <p:extLst>
       <p:ext uri="{BB962C8B-B14F-4D97-AF65-F5344CB8AC3E}">
-        <p14:creationId xmlns:p14="http://schemas.microsoft.com/office/powerpoint/2010/main" val="2340375105"/>
+        <p14:creationId xmlns:p14="http://schemas.microsoft.com/office/powerpoint/2010/main" val="2174239754"/>
       </p:ext>
     </p:extLst>
   </p:cSld>
   <p:clrMapOvr>
     <a:masterClrMapping/>
   </p:clrMapOvr>
-  <p:extLst>
-    <p:ext uri="{DCECCB84-F9BA-43D5-87BE-67443E8EF086}">
-      <p15:sldGuideLst xmlns:p15="http://schemas.microsoft.com/office/powerpoint/2012/main"/>
-    </p:ext>
-  </p:extLst>
+  <p:hf hdr="0" ftr="0" dt="0"/>
 </p:sldLayout>
 </file>
 
@@ -4886,8 +5272,8 @@
         </p:nvSpPr>
         <p:spPr>
           <a:xfrm>
-            <a:off x="1141411" y="1600200"/>
-            <a:ext cx="5334001" cy="1371600"/>
+            <a:off x="1153907" y="1854192"/>
+            <a:ext cx="5092906" cy="1574808"/>
           </a:xfrm>
         </p:spPr>
         <p:txBody>
@@ -4896,7 +5282,7 @@
           </a:bodyPr>
           <a:lstStyle>
             <a:lvl1pPr algn="l">
-              <a:defRPr sz="2800" b="0"/>
+              <a:defRPr sz="3600" b="0"/>
             </a:lvl1pPr>
           </a:lstStyle>
           <a:p>
@@ -4910,7 +5296,7 @@
       </p:sp>
       <p:sp>
         <p:nvSpPr>
-          <p:cNvPr id="14" name="Picture Placeholder 2"/>
+          <p:cNvPr id="3" name="Picture Placeholder 2"/>
           <p:cNvSpPr>
             <a:spLocks noGrp="1" noChangeAspect="1"/>
           </p:cNvSpPr>
@@ -4920,31 +5306,20 @@
         </p:nvSpPr>
         <p:spPr>
           <a:xfrm>
-            <a:off x="7433733" y="-18288"/>
-            <a:ext cx="3276599" cy="6903720"/>
+            <a:off x="6949546" y="1143000"/>
+            <a:ext cx="3200400" cy="4572000"/>
           </a:xfrm>
-          <a:ln w="38100">
-            <a:gradFill flip="none" rotWithShape="1">
-              <a:gsLst>
-                <a:gs pos="0">
-                  <a:schemeClr val="bg2"/>
-                </a:gs>
-                <a:gs pos="100000">
-                  <a:schemeClr val="bg2">
-                    <a:lumMod val="75000"/>
-                  </a:schemeClr>
-                </a:gs>
-              </a:gsLst>
-              <a:lin ang="5400000" scaled="0"/>
-              <a:tileRect/>
-            </a:gradFill>
-          </a:ln>
+          <a:prstGeom prst="roundRect">
+            <a:avLst>
+              <a:gd name="adj" fmla="val 1858"/>
+            </a:avLst>
+          </a:prstGeom>
           <a:effectLst>
-            <a:innerShdw blurRad="57150" dist="38100" dir="10800000">
+            <a:outerShdw blurRad="50800" dist="50800" dir="5400000" algn="tl" rotWithShape="0">
               <a:srgbClr val="000000">
-                <a:alpha val="70000"/>
+                <a:alpha val="43000"/>
               </a:srgbClr>
-            </a:innerShdw>
+            </a:outerShdw>
           </a:effectLst>
         </p:spPr>
         <p:txBody>
@@ -5010,8 +5385,8 @@
         </p:nvSpPr>
         <p:spPr>
           <a:xfrm>
-            <a:off x="1141411" y="2971800"/>
-            <a:ext cx="5334001" cy="1828800"/>
+            <a:off x="1154954" y="3657600"/>
+            <a:ext cx="5084979" cy="1371600"/>
           </a:xfrm>
         </p:spPr>
         <p:txBody>
@@ -5021,7 +5396,7 @@
           <a:lstStyle>
             <a:lvl1pPr marL="0" indent="0">
               <a:buNone/>
-              <a:defRPr sz="1800"/>
+              <a:defRPr sz="1400"/>
             </a:lvl1pPr>
             <a:lvl2pPr marL="457200" indent="0">
               <a:buNone/>
@@ -5075,19 +5450,14 @@
             <p:ph type="dt" sz="half" idx="10"/>
           </p:nvPr>
         </p:nvSpPr>
-        <p:spPr>
-          <a:xfrm>
-            <a:off x="6399212" y="5883275"/>
-            <a:ext cx="914400" cy="365125"/>
-          </a:xfrm>
-        </p:spPr>
+        <p:spPr/>
         <p:txBody>
           <a:bodyPr/>
           <a:lstStyle/>
           <a:p>
-            <a:fld id="{DDEAC1D6-35F6-4BAD-8121-CD35DD4072A4}" type="datetime1">
-              <a:rPr lang="en-US" smtClean="0"/>
-              <a:t>27/06/2019</a:t>
+            <a:fld id="{53ADC2D5-45D6-4FD8-9BE8-053CFFFA7B97}" type="datetime1">
+              <a:rPr lang="en-US" smtClean="0"/>
+              <a:t>02/07/2019</a:t>
             </a:fld>
             <a:endParaRPr lang="en-US"/>
           </a:p>
@@ -5103,17 +5473,12 @@
             <p:ph type="ftr" sz="quarter" idx="11"/>
           </p:nvPr>
         </p:nvSpPr>
-        <p:spPr>
-          <a:xfrm>
-            <a:off x="1141412" y="5883275"/>
-            <a:ext cx="5105400" cy="365125"/>
-          </a:xfrm>
-        </p:spPr>
+        <p:spPr/>
         <p:txBody>
           <a:bodyPr/>
           <a:lstStyle/>
           <a:p>
-            <a:endParaRPr lang="en-US"/>
+            <a:endParaRPr lang="en-US" dirty="0"/>
           </a:p>
         </p:txBody>
       </p:sp>
@@ -5127,12 +5492,7 @@
             <p:ph type="sldNum" sz="quarter" idx="12"/>
           </p:nvPr>
         </p:nvSpPr>
-        <p:spPr>
-          <a:xfrm>
-            <a:off x="10742612" y="5883275"/>
-            <a:ext cx="322567" cy="365125"/>
-          </a:xfrm>
-        </p:spPr>
+        <p:spPr/>
         <p:txBody>
           <a:bodyPr/>
           <a:lstStyle/>
@@ -5148,13 +5508,14 @@
     </p:spTree>
     <p:extLst>
       <p:ext uri="{BB962C8B-B14F-4D97-AF65-F5344CB8AC3E}">
-        <p14:creationId xmlns:p14="http://schemas.microsoft.com/office/powerpoint/2010/main" val="3668167614"/>
+        <p14:creationId xmlns:p14="http://schemas.microsoft.com/office/powerpoint/2010/main" val="1890068260"/>
       </p:ext>
     </p:extLst>
   </p:cSld>
   <p:clrMapOvr>
     <a:masterClrMapping/>
   </p:clrMapOvr>
+  <p:hf hdr="0" ftr="0" dt="0"/>
 </p:sldLayout>
 </file>
 
@@ -5180,236 +5541,429 @@
           <a:chExt cx="0" cy="0"/>
         </a:xfrm>
       </p:grpSpPr>
-      <p:sp>
-        <p:nvSpPr>
-          <p:cNvPr id="2" name="Title Placeholder 1"/>
-          <p:cNvSpPr>
-            <a:spLocks noGrp="1"/>
-          </p:cNvSpPr>
-          <p:nvPr>
-            <p:ph type="title"/>
-          </p:nvPr>
-        </p:nvSpPr>
+      <p:pic>
+        <p:nvPicPr>
+          <p:cNvPr id="8" name="Picture 7"/>
+          <p:cNvPicPr>
+            <a:picLocks noChangeAspect="1"/>
+          </p:cNvPicPr>
+          <p:nvPr/>
+        </p:nvPicPr>
+        <p:blipFill rotWithShape="1">
+          <a:blip r:embed="rId19">
+            <a:extLst>
+              <a:ext uri="{28A0092B-C50C-407E-A947-70E740481C1C}">
+                <a14:useLocalDpi xmlns:a14="http://schemas.microsoft.com/office/drawing/2010/main" val="0"/>
+              </a:ext>
+            </a:extLst>
+          </a:blip>
+          <a:srcRect l="3613"/>
+          <a:stretch/>
+        </p:blipFill>
         <p:spPr>
           <a:xfrm>
-            <a:off x="1141413" y="609600"/>
-            <a:ext cx="9905998" cy="1905000"/>
+            <a:off x="0" y="2669685"/>
+            <a:ext cx="4037012" cy="4188315"/>
           </a:xfrm>
           <a:prstGeom prst="rect">
             <a:avLst/>
           </a:prstGeom>
         </p:spPr>
-        <p:txBody>
-          <a:bodyPr vert="horz" lIns="91440" tIns="45720" rIns="91440" bIns="45720" rtlCol="0" anchor="ctr">
-            <a:normAutofit/>
-          </a:bodyPr>
-          <a:lstStyle/>
-          <a:p>
-            <a:r>
-              <a:rPr lang="en-US" smtClean="0"/>
-              <a:t>Click to edit Master title style</a:t>
-            </a:r>
-            <a:endParaRPr lang="en-US" dirty="0"/>
-          </a:p>
-        </p:txBody>
-      </p:sp>
-      <p:sp>
-        <p:nvSpPr>
-          <p:cNvPr id="3" name="Text Placeholder 2"/>
-          <p:cNvSpPr>
-            <a:spLocks noGrp="1"/>
-          </p:cNvSpPr>
-          <p:nvPr>
-            <p:ph type="body" idx="1"/>
-          </p:nvPr>
-        </p:nvSpPr>
+      </p:pic>
+      <p:pic>
+        <p:nvPicPr>
+          <p:cNvPr id="7" name="Picture 6"/>
+          <p:cNvPicPr>
+            <a:picLocks noChangeAspect="1"/>
+          </p:cNvPicPr>
+          <p:nvPr/>
+        </p:nvPicPr>
+        <p:blipFill rotWithShape="1">
+          <a:blip r:embed="rId20">
+            <a:extLst>
+              <a:ext uri="{28A0092B-C50C-407E-A947-70E740481C1C}">
+                <a14:useLocalDpi xmlns:a14="http://schemas.microsoft.com/office/drawing/2010/main" val="0"/>
+              </a:ext>
+            </a:extLst>
+          </a:blip>
+          <a:srcRect l="35640"/>
+          <a:stretch/>
+        </p:blipFill>
         <p:spPr>
           <a:xfrm>
-            <a:off x="1141413" y="2666999"/>
-            <a:ext cx="9905998" cy="3124201"/>
+            <a:off x="0" y="2892347"/>
+            <a:ext cx="1522412" cy="2365453"/>
           </a:xfrm>
           <a:prstGeom prst="rect">
             <a:avLst/>
           </a:prstGeom>
         </p:spPr>
-        <p:txBody>
-          <a:bodyPr vert="horz" lIns="91440" tIns="45720" rIns="91440" bIns="45720" rtlCol="0" anchor="ctr">
-            <a:normAutofit/>
-          </a:bodyPr>
-          <a:lstStyle/>
-          <a:p>
-            <a:pPr lvl="0"/>
-            <a:r>
-              <a:rPr lang="en-US" smtClean="0"/>
-              <a:t>Edit Master text styles</a:t>
-            </a:r>
-          </a:p>
-          <a:p>
-            <a:pPr lvl="1"/>
-            <a:r>
-              <a:rPr lang="en-US" smtClean="0"/>
-              <a:t>Second level</a:t>
-            </a:r>
-          </a:p>
-          <a:p>
-            <a:pPr lvl="2"/>
-            <a:r>
-              <a:rPr lang="en-US" smtClean="0"/>
-              <a:t>Third level</a:t>
-            </a:r>
-          </a:p>
-          <a:p>
-            <a:pPr lvl="3"/>
-            <a:r>
-              <a:rPr lang="en-US" smtClean="0"/>
-              <a:t>Fourth level</a:t>
-            </a:r>
-          </a:p>
-          <a:p>
-            <a:pPr lvl="4"/>
-            <a:r>
-              <a:rPr lang="en-US" smtClean="0"/>
-              <a:t>Fifth level</a:t>
-            </a:r>
-            <a:endParaRPr lang="en-US" dirty="0"/>
-          </a:p>
-        </p:txBody>
-      </p:sp>
-      <p:sp>
-        <p:nvSpPr>
-          <p:cNvPr id="4" name="Date Placeholder 3"/>
-          <p:cNvSpPr>
-            <a:spLocks noGrp="1"/>
-          </p:cNvSpPr>
-          <p:nvPr>
-            <p:ph type="dt" sz="half" idx="2"/>
-          </p:nvPr>
+      </p:pic>
+      <p:sp>
+        <p:nvSpPr>
+          <p:cNvPr id="16" name="Oval 15"/>
+          <p:cNvSpPr/>
+          <p:nvPr/>
         </p:nvSpPr>
         <p:spPr>
           <a:xfrm>
-            <a:off x="8837612" y="5883275"/>
-            <a:ext cx="1600200" cy="365125"/>
+            <a:off x="8609012" y="1676400"/>
+            <a:ext cx="2819400" cy="2819400"/>
+          </a:xfrm>
+          <a:prstGeom prst="ellipse">
+            <a:avLst/>
+          </a:prstGeom>
+          <a:gradFill flip="none" rotWithShape="1">
+            <a:gsLst>
+              <a:gs pos="0">
+                <a:schemeClr val="bg2">
+                  <a:lumMod val="40000"/>
+                  <a:lumOff val="60000"/>
+                  <a:alpha val="7000"/>
+                </a:schemeClr>
+              </a:gs>
+              <a:gs pos="69000">
+                <a:schemeClr val="bg2">
+                  <a:lumMod val="40000"/>
+                  <a:lumOff val="60000"/>
+                  <a:alpha val="0"/>
+                </a:schemeClr>
+              </a:gs>
+              <a:gs pos="36000">
+                <a:schemeClr val="bg2">
+                  <a:lumMod val="40000"/>
+                  <a:lumOff val="60000"/>
+                  <a:alpha val="6000"/>
+                </a:schemeClr>
+              </a:gs>
+            </a:gsLst>
+            <a:path path="circle">
+              <a:fillToRect l="50000" t="50000" r="50000" b="50000"/>
+            </a:path>
+            <a:tileRect/>
+          </a:gradFill>
+          <a:ln>
+            <a:noFill/>
+          </a:ln>
+          <a:effectLst/>
+        </p:spPr>
+        <p:style>
+          <a:lnRef idx="1">
+            <a:schemeClr val="accent1"/>
+          </a:lnRef>
+          <a:fillRef idx="3">
+            <a:schemeClr val="accent1"/>
+          </a:fillRef>
+          <a:effectRef idx="2">
+            <a:schemeClr val="accent1"/>
+          </a:effectRef>
+          <a:fontRef idx="minor">
+            <a:schemeClr val="lt1"/>
+          </a:fontRef>
+        </p:style>
+      </p:sp>
+      <p:pic>
+        <p:nvPicPr>
+          <p:cNvPr id="9" name="Picture 8"/>
+          <p:cNvPicPr>
+            <a:picLocks noChangeAspect="1"/>
+          </p:cNvPicPr>
+          <p:nvPr/>
+        </p:nvPicPr>
+        <p:blipFill rotWithShape="1">
+          <a:blip r:embed="rId21">
+            <a:extLst>
+              <a:ext uri="{28A0092B-C50C-407E-A947-70E740481C1C}">
+                <a14:useLocalDpi xmlns:a14="http://schemas.microsoft.com/office/drawing/2010/main" val="0"/>
+              </a:ext>
+            </a:extLst>
+          </a:blip>
+          <a:srcRect t="28813"/>
+          <a:stretch/>
+        </p:blipFill>
+        <p:spPr>
+          <a:xfrm>
+            <a:off x="7999412" y="0"/>
+            <a:ext cx="1603387" cy="1141407"/>
           </a:xfrm>
           <a:prstGeom prst="rect">
             <a:avLst/>
           </a:prstGeom>
         </p:spPr>
-        <p:txBody>
-          <a:bodyPr vert="horz" lIns="91440" tIns="45720" rIns="91440" bIns="45720" rtlCol="0" anchor="ctr"/>
-          <a:lstStyle>
-            <a:lvl1pPr algn="r">
-              <a:defRPr sz="900" b="1" i="0">
-                <a:solidFill>
-                  <a:schemeClr val="tx1">
-                    <a:lumMod val="75000"/>
-                  </a:schemeClr>
-                </a:solidFill>
-                <a:effectLst>
-                  <a:outerShdw blurRad="50800" dist="38100" dir="2700000" algn="tl" rotWithShape="0">
-                    <a:srgbClr val="000000">
-                      <a:alpha val="43000"/>
-                    </a:srgbClr>
-                  </a:outerShdw>
-                </a:effectLst>
-                <a:latin typeface="+mn-lt"/>
-              </a:defRPr>
-            </a:lvl1pPr>
-          </a:lstStyle>
-          <a:p>
-            <a:fld id="{53ADC2D5-45D6-4FD8-9BE8-053CFFFA7B97}" type="datetime1">
-              <a:rPr lang="en-US" smtClean="0"/>
-              <a:t>27/06/2019</a:t>
-            </a:fld>
-            <a:endParaRPr lang="en-US"/>
-          </a:p>
-        </p:txBody>
-      </p:sp>
-      <p:sp>
-        <p:nvSpPr>
-          <p:cNvPr id="5" name="Footer Placeholder 4"/>
-          <p:cNvSpPr>
-            <a:spLocks noGrp="1"/>
-          </p:cNvSpPr>
-          <p:nvPr>
-            <p:ph type="ftr" sz="quarter" idx="3"/>
-          </p:nvPr>
-        </p:nvSpPr>
+      </p:pic>
+      <p:pic>
+        <p:nvPicPr>
+          <p:cNvPr id="10" name="Picture 9"/>
+          <p:cNvPicPr>
+            <a:picLocks noChangeAspect="1"/>
+          </p:cNvPicPr>
+          <p:nvPr/>
+        </p:nvPicPr>
+        <p:blipFill rotWithShape="1">
+          <a:blip r:embed="rId22">
+            <a:extLst>
+              <a:ext uri="{28A0092B-C50C-407E-A947-70E740481C1C}">
+                <a14:useLocalDpi xmlns:a14="http://schemas.microsoft.com/office/drawing/2010/main" val="0"/>
+              </a:ext>
+            </a:extLst>
+          </a:blip>
+          <a:srcRect b="23320"/>
+          <a:stretch/>
+        </p:blipFill>
         <p:spPr>
           <a:xfrm>
-            <a:off x="1141412" y="5883275"/>
-            <a:ext cx="7543800" cy="365125"/>
+            <a:off x="8609012" y="6096000"/>
+            <a:ext cx="993734" cy="762000"/>
           </a:xfrm>
           <a:prstGeom prst="rect">
             <a:avLst/>
           </a:prstGeom>
         </p:spPr>
-        <p:txBody>
-          <a:bodyPr vert="horz" lIns="91440" tIns="45720" rIns="91440" bIns="45720" rtlCol="0" anchor="ctr"/>
-          <a:lstStyle>
-            <a:lvl1pPr algn="l">
-              <a:defRPr sz="900" b="1" i="0">
-                <a:solidFill>
-                  <a:schemeClr val="tx1">
-                    <a:lumMod val="75000"/>
-                  </a:schemeClr>
-                </a:solidFill>
-                <a:effectLst>
-                  <a:outerShdw blurRad="50800" dist="38100" dir="2700000" algn="tl" rotWithShape="0">
-                    <a:srgbClr val="000000">
-                      <a:alpha val="43000"/>
-                    </a:srgbClr>
-                  </a:outerShdw>
-                </a:effectLst>
-                <a:latin typeface="+mn-lt"/>
-              </a:defRPr>
-            </a:lvl1pPr>
-          </a:lstStyle>
-          <a:p>
-            <a:endParaRPr lang="en-US"/>
-          </a:p>
-        </p:txBody>
-      </p:sp>
-      <p:sp>
-        <p:nvSpPr>
-          <p:cNvPr id="6" name="Slide Number Placeholder 5"/>
-          <p:cNvSpPr>
-            <a:spLocks noGrp="1"/>
-          </p:cNvSpPr>
-          <p:nvPr>
-            <p:ph type="sldNum" sz="quarter" idx="4"/>
-          </p:nvPr>
+      </p:pic>
+      <p:sp>
+        <p:nvSpPr>
+          <p:cNvPr id="14" name="Rectangle 13"/>
+          <p:cNvSpPr/>
+          <p:nvPr/>
         </p:nvSpPr>
         <p:spPr>
           <a:xfrm>
-            <a:off x="10514012" y="5883275"/>
-            <a:ext cx="551167" cy="365125"/>
+            <a:off x="10437812" y="0"/>
+            <a:ext cx="685800" cy="1143000"/>
+          </a:xfrm>
+          <a:prstGeom prst="rect">
+            <a:avLst/>
+          </a:prstGeom>
+          <a:solidFill>
+            <a:schemeClr val="accent1"/>
+          </a:solidFill>
+          <a:ln>
+            <a:noFill/>
+          </a:ln>
+        </p:spPr>
+        <p:style>
+          <a:lnRef idx="1">
+            <a:schemeClr val="accent1"/>
+          </a:lnRef>
+          <a:fillRef idx="3">
+            <a:schemeClr val="accent1"/>
+          </a:fillRef>
+          <a:effectRef idx="2">
+            <a:schemeClr val="accent1"/>
+          </a:effectRef>
+          <a:fontRef idx="minor">
+            <a:schemeClr val="lt1"/>
+          </a:fontRef>
+        </p:style>
+      </p:sp>
+      <p:sp>
+        <p:nvSpPr>
+          <p:cNvPr id="2" name="Title Placeholder 1"/>
+          <p:cNvSpPr>
+            <a:spLocks noGrp="1"/>
+          </p:cNvSpPr>
+          <p:nvPr>
+            <p:ph type="title"/>
+          </p:nvPr>
+        </p:nvSpPr>
+        <p:spPr>
+          <a:xfrm>
+            <a:off x="646111" y="452718"/>
+            <a:ext cx="9404723" cy="1400530"/>
           </a:xfrm>
           <a:prstGeom prst="rect">
             <a:avLst/>
           </a:prstGeom>
         </p:spPr>
         <p:txBody>
-          <a:bodyPr vert="horz" lIns="91440" tIns="45720" rIns="91440" bIns="45720" rtlCol="0" anchor="ctr"/>
+          <a:bodyPr vert="horz" lIns="91440" tIns="45720" rIns="91440" bIns="45720" rtlCol="0" anchor="t">
+            <a:noAutofit/>
+          </a:bodyPr>
+          <a:lstStyle/>
+          <a:p>
+            <a:r>
+              <a:rPr lang="en-US" smtClean="0"/>
+              <a:t>Click to edit Master title style</a:t>
+            </a:r>
+            <a:endParaRPr lang="en-US" dirty="0"/>
+          </a:p>
+        </p:txBody>
+      </p:sp>
+      <p:sp>
+        <p:nvSpPr>
+          <p:cNvPr id="3" name="Text Placeholder 2"/>
+          <p:cNvSpPr>
+            <a:spLocks noGrp="1"/>
+          </p:cNvSpPr>
+          <p:nvPr>
+            <p:ph type="body" idx="1"/>
+          </p:nvPr>
+        </p:nvSpPr>
+        <p:spPr>
+          <a:xfrm>
+            <a:off x="1103312" y="2052918"/>
+            <a:ext cx="8946541" cy="4195481"/>
+          </a:xfrm>
+          <a:prstGeom prst="rect">
+            <a:avLst/>
+          </a:prstGeom>
+        </p:spPr>
+        <p:txBody>
+          <a:bodyPr vert="horz" lIns="91440" tIns="45720" rIns="91440" bIns="45720" rtlCol="0">
+            <a:normAutofit/>
+          </a:bodyPr>
+          <a:lstStyle/>
+          <a:p>
+            <a:pPr lvl="0"/>
+            <a:r>
+              <a:rPr lang="en-US" smtClean="0"/>
+              <a:t>Edit Master text styles</a:t>
+            </a:r>
+          </a:p>
+          <a:p>
+            <a:pPr lvl="1"/>
+            <a:r>
+              <a:rPr lang="en-US" smtClean="0"/>
+              <a:t>Second level</a:t>
+            </a:r>
+          </a:p>
+          <a:p>
+            <a:pPr lvl="2"/>
+            <a:r>
+              <a:rPr lang="en-US" smtClean="0"/>
+              <a:t>Third level</a:t>
+            </a:r>
+          </a:p>
+          <a:p>
+            <a:pPr lvl="3"/>
+            <a:r>
+              <a:rPr lang="en-US" smtClean="0"/>
+              <a:t>Fourth level</a:t>
+            </a:r>
+          </a:p>
+          <a:p>
+            <a:pPr lvl="4"/>
+            <a:r>
+              <a:rPr lang="en-US" smtClean="0"/>
+              <a:t>Fifth level</a:t>
+            </a:r>
+            <a:endParaRPr lang="en-US" dirty="0"/>
+          </a:p>
+        </p:txBody>
+      </p:sp>
+      <p:sp>
+        <p:nvSpPr>
+          <p:cNvPr id="4" name="Date Placeholder 3"/>
+          <p:cNvSpPr>
+            <a:spLocks noGrp="1"/>
+          </p:cNvSpPr>
+          <p:nvPr>
+            <p:ph type="dt" sz="half" idx="2"/>
+          </p:nvPr>
+        </p:nvSpPr>
+        <p:spPr>
+          <a:xfrm rot="5400000">
+            <a:off x="10155639" y="1790701"/>
+            <a:ext cx="990599" cy="304799"/>
+          </a:xfrm>
+          <a:prstGeom prst="rect">
+            <a:avLst/>
+          </a:prstGeom>
+        </p:spPr>
+        <p:txBody>
+          <a:bodyPr vert="horz" lIns="91440" tIns="45720" rIns="91440" bIns="45720" rtlCol="0" anchor="t"/>
           <a:lstStyle>
-            <a:lvl1pPr algn="r">
-              <a:defRPr sz="900" b="1" i="0">
+            <a:lvl1pPr algn="l">
+              <a:defRPr sz="1100" b="0" i="0">
                 <a:solidFill>
                   <a:schemeClr val="tx1">
-                    <a:lumMod val="75000"/>
+                    <a:tint val="75000"/>
+                    <a:alpha val="60000"/>
                   </a:schemeClr>
                 </a:solidFill>
-                <a:effectLst>
-                  <a:outerShdw blurRad="50800" dist="38100" dir="2700000" algn="tl" rotWithShape="0">
-                    <a:srgbClr val="000000">
-                      <a:alpha val="43000"/>
-                    </a:srgbClr>
-                  </a:outerShdw>
-                </a:effectLst>
-                <a:latin typeface="+mn-lt"/>
               </a:defRPr>
             </a:lvl1pPr>
           </a:lstStyle>
           <a:p>
+            <a:fld id="{53ADC2D5-45D6-4FD8-9BE8-053CFFFA7B97}" type="datetime1">
+              <a:rPr lang="en-US" smtClean="0"/>
+              <a:t>02/07/2019</a:t>
+            </a:fld>
+            <a:endParaRPr lang="en-US"/>
+          </a:p>
+        </p:txBody>
+      </p:sp>
+      <p:sp>
+        <p:nvSpPr>
+          <p:cNvPr id="5" name="Footer Placeholder 4"/>
+          <p:cNvSpPr>
+            <a:spLocks noGrp="1"/>
+          </p:cNvSpPr>
+          <p:nvPr>
+            <p:ph type="ftr" sz="quarter" idx="3"/>
+          </p:nvPr>
+        </p:nvSpPr>
+        <p:spPr>
+          <a:xfrm rot="5400000">
+            <a:off x="8951573" y="3225297"/>
+            <a:ext cx="3859795" cy="304801"/>
+          </a:xfrm>
+          <a:prstGeom prst="rect">
+            <a:avLst/>
+          </a:prstGeom>
+        </p:spPr>
+        <p:txBody>
+          <a:bodyPr vert="horz" lIns="91440" tIns="45720" rIns="91440" bIns="45720" rtlCol="0" anchor="b"/>
+          <a:lstStyle>
+            <a:lvl1pPr algn="l">
+              <a:defRPr sz="1100" b="0" i="0">
+                <a:solidFill>
+                  <a:schemeClr val="tx1">
+                    <a:tint val="75000"/>
+                    <a:alpha val="60000"/>
+                  </a:schemeClr>
+                </a:solidFill>
+              </a:defRPr>
+            </a:lvl1pPr>
+          </a:lstStyle>
+          <a:p>
+            <a:endParaRPr lang="en-US"/>
+          </a:p>
+        </p:txBody>
+      </p:sp>
+      <p:sp>
+        <p:nvSpPr>
+          <p:cNvPr id="6" name="Slide Number Placeholder 5"/>
+          <p:cNvSpPr>
+            <a:spLocks noGrp="1"/>
+          </p:cNvSpPr>
+          <p:nvPr>
+            <p:ph type="sldNum" sz="quarter" idx="4"/>
+          </p:nvPr>
+        </p:nvSpPr>
+        <p:spPr>
+          <a:xfrm>
+            <a:off x="10352540" y="295729"/>
+            <a:ext cx="838199" cy="767687"/>
+          </a:xfrm>
+          <a:prstGeom prst="rect">
+            <a:avLst/>
+          </a:prstGeom>
+        </p:spPr>
+        <p:txBody>
+          <a:bodyPr vert="horz" lIns="91440" tIns="45720" rIns="91440" bIns="45720" rtlCol="0" anchor="b"/>
+          <a:lstStyle>
+            <a:lvl1pPr algn="ctr">
+              <a:defRPr sz="2800" b="0" i="0">
+                <a:solidFill>
+                  <a:schemeClr val="tx1">
+                    <a:tint val="75000"/>
+                  </a:schemeClr>
+                </a:solidFill>
+              </a:defRPr>
+            </a:lvl1pPr>
+          </a:lstStyle>
+          <a:p>
             <a:fld id="{A27DEAD2-BFE6-4276-A095-8818BA2F802B}" type="slidenum">
               <a:rPr lang="en-US" smtClean="0"/>
               <a:t>‹#›</a:t>
@@ -5421,29 +5975,29 @@
     </p:spTree>
     <p:extLst>
       <p:ext uri="{BB962C8B-B14F-4D97-AF65-F5344CB8AC3E}">
-        <p14:creationId xmlns:p14="http://schemas.microsoft.com/office/powerpoint/2010/main" val="806298918"/>
+        <p14:creationId xmlns:p14="http://schemas.microsoft.com/office/powerpoint/2010/main" val="2508591210"/>
       </p:ext>
     </p:extLst>
   </p:cSld>
   <p:clrMap bg1="dk1" tx1="lt1" bg2="dk2" tx2="lt2" accent1="accent1" accent2="accent2" accent3="accent3" accent4="accent4" accent5="accent5" accent6="accent6" hlink="hlink" folHlink="folHlink"/>
   <p:sldLayoutIdLst>
-    <p:sldLayoutId id="2147483726" r:id="rId1"/>
-    <p:sldLayoutId id="2147483727" r:id="rId2"/>
-    <p:sldLayoutId id="2147483728" r:id="rId3"/>
-    <p:sldLayoutId id="2147483729" r:id="rId4"/>
-    <p:sldLayoutId id="2147483730" r:id="rId5"/>
-    <p:sldLayoutId id="2147483731" r:id="rId6"/>
-    <p:sldLayoutId id="2147483732" r:id="rId7"/>
-    <p:sldLayoutId id="2147483733" r:id="rId8"/>
-    <p:sldLayoutId id="2147483734" r:id="rId9"/>
-    <p:sldLayoutId id="2147483735" r:id="rId10"/>
-    <p:sldLayoutId id="2147483736" r:id="rId11"/>
-    <p:sldLayoutId id="2147483737" r:id="rId12"/>
-    <p:sldLayoutId id="2147483738" r:id="rId13"/>
-    <p:sldLayoutId id="2147483739" r:id="rId14"/>
-    <p:sldLayoutId id="2147483740" r:id="rId15"/>
-    <p:sldLayoutId id="2147483741" r:id="rId16"/>
-    <p:sldLayoutId id="2147483742" r:id="rId17"/>
+    <p:sldLayoutId id="2147484239" r:id="rId1"/>
+    <p:sldLayoutId id="2147484240" r:id="rId2"/>
+    <p:sldLayoutId id="2147484241" r:id="rId3"/>
+    <p:sldLayoutId id="2147484242" r:id="rId4"/>
+    <p:sldLayoutId id="2147484243" r:id="rId5"/>
+    <p:sldLayoutId id="2147484244" r:id="rId6"/>
+    <p:sldLayoutId id="2147484245" r:id="rId7"/>
+    <p:sldLayoutId id="2147484246" r:id="rId8"/>
+    <p:sldLayoutId id="2147484247" r:id="rId9"/>
+    <p:sldLayoutId id="2147484248" r:id="rId10"/>
+    <p:sldLayoutId id="2147484249" r:id="rId11"/>
+    <p:sldLayoutId id="2147484250" r:id="rId12"/>
+    <p:sldLayoutId id="2147484251" r:id="rId13"/>
+    <p:sldLayoutId id="2147484252" r:id="rId14"/>
+    <p:sldLayoutId id="2147484253" r:id="rId15"/>
+    <p:sldLayoutId id="2147484254" r:id="rId16"/>
+    <p:sldLayoutId id="2147484255" r:id="rId17"/>
   </p:sldLayoutIdLst>
   <p:hf hdr="0" ftr="0" dt="0"/>
   <p:txStyles>
@@ -5453,38 +6007,10 @@
           <a:spcPct val="0"/>
         </a:spcBef>
         <a:buNone/>
-        <a:defRPr sz="3200" kern="1200" cap="all">
-          <a:ln w="3175" cmpd="sng">
-            <a:noFill/>
-          </a:ln>
-          <a:gradFill flip="none" rotWithShape="1">
-            <a:gsLst>
-              <a:gs pos="0">
-                <a:schemeClr val="tx1"/>
-              </a:gs>
-              <a:gs pos="100000">
-                <a:schemeClr val="tx1">
-                  <a:lumMod val="65000"/>
-                </a:schemeClr>
-              </a:gs>
-            </a:gsLst>
-            <a:lin ang="5580000" scaled="0"/>
-            <a:tileRect/>
-          </a:gradFill>
-          <a:effectLst>
-            <a:glow rad="38100">
-              <a:schemeClr val="bg1">
-                <a:lumMod val="65000"/>
-                <a:lumOff val="35000"/>
-                <a:alpha val="40000"/>
-              </a:schemeClr>
-            </a:glow>
-            <a:outerShdw blurRad="28575" dist="38100" dir="14040000" algn="tl" rotWithShape="0">
-              <a:srgbClr val="000000">
-                <a:alpha val="25000"/>
-              </a:srgbClr>
-            </a:outerShdw>
-          </a:effectLst>
+        <a:defRPr sz="4200" b="0" i="0" kern="1200">
+          <a:solidFill>
+            <a:schemeClr val="tx2"/>
+          </a:solidFill>
           <a:latin typeface="+mj-lt"/>
           <a:ea typeface="+mj-ea"/>
           <a:cs typeface="+mj-cs"/>
@@ -5548,427 +6074,202 @@
       </a:lvl9pPr>
     </p:titleStyle>
     <p:bodyStyle>
-      <a:lvl1pPr marL="285750" indent="-285750" algn="l" defTabSz="457200" rtl="0" eaLnBrk="1" latinLnBrk="0" hangingPunct="1">
+      <a:lvl1pPr marL="342900" indent="-342900" algn="l" defTabSz="457200" rtl="0" eaLnBrk="1" latinLnBrk="0" hangingPunct="1">
         <a:spcBef>
-          <a:spcPct val="20000"/>
+          <a:spcPts val="1000"/>
         </a:spcBef>
         <a:spcAft>
-          <a:spcPts val="600"/>
+          <a:spcPts val="0"/>
         </a:spcAft>
         <a:buClr>
-          <a:schemeClr val="tx1"/>
+          <a:schemeClr val="accent1"/>
         </a:buClr>
-        <a:buSzPct val="100000"/>
-        <a:buFont typeface="Arial"/>
-        <a:buChar char="•"/>
-        <a:defRPr sz="2000" kern="1200" cap="small">
-          <a:gradFill flip="none" rotWithShape="1">
-            <a:gsLst>
-              <a:gs pos="0">
-                <a:schemeClr val="tx1"/>
-              </a:gs>
-              <a:gs pos="100000">
-                <a:schemeClr val="tx1">
-                  <a:lumMod val="75000"/>
-                </a:schemeClr>
-              </a:gs>
-            </a:gsLst>
-            <a:lin ang="5580000" scaled="0"/>
-            <a:tileRect/>
-          </a:gradFill>
-          <a:effectLst>
-            <a:glow rad="38100">
-              <a:schemeClr val="bg1">
-                <a:lumMod val="50000"/>
-                <a:lumOff val="50000"/>
-                <a:alpha val="20000"/>
-              </a:schemeClr>
-            </a:glow>
-            <a:outerShdw blurRad="44450" dist="12700" dir="13860000" algn="tl" rotWithShape="0">
-              <a:srgbClr val="000000">
-                <a:alpha val="20000"/>
-              </a:srgbClr>
-            </a:outerShdw>
-          </a:effectLst>
-          <a:latin typeface="+mn-lt"/>
-          <a:ea typeface="+mn-ea"/>
-          <a:cs typeface="+mn-cs"/>
+        <a:buSzPct val="80000"/>
+        <a:buFont typeface="Wingdings 3" charset="2"/>
+        <a:buChar char=""/>
+        <a:defRPr sz="2000" b="0" i="0" kern="1200">
+          <a:solidFill>
+            <a:schemeClr val="tx1"/>
+          </a:solidFill>
+          <a:latin typeface="+mj-lt"/>
+          <a:ea typeface="+mj-ea"/>
+          <a:cs typeface="+mj-cs"/>
         </a:defRPr>
       </a:lvl1pPr>
       <a:lvl2pPr marL="742950" indent="-285750" algn="l" defTabSz="457200" rtl="0" eaLnBrk="1" latinLnBrk="0" hangingPunct="1">
         <a:spcBef>
-          <a:spcPct val="20000"/>
+          <a:spcPts val="1000"/>
         </a:spcBef>
         <a:spcAft>
-          <a:spcPts val="600"/>
+          <a:spcPts val="0"/>
         </a:spcAft>
         <a:buClr>
-          <a:schemeClr val="tx1"/>
+          <a:schemeClr val="accent1"/>
         </a:buClr>
-        <a:buSzPct val="100000"/>
-        <a:buFont typeface="Arial"/>
-        <a:buChar char="•"/>
-        <a:defRPr sz="1800" kern="1200" cap="small">
-          <a:gradFill flip="none" rotWithShape="1">
-            <a:gsLst>
-              <a:gs pos="0">
-                <a:schemeClr val="tx1"/>
-              </a:gs>
-              <a:gs pos="100000">
-                <a:schemeClr val="tx1">
-                  <a:lumMod val="75000"/>
-                </a:schemeClr>
-              </a:gs>
-            </a:gsLst>
-            <a:lin ang="5580000" scaled="0"/>
-            <a:tileRect/>
-          </a:gradFill>
-          <a:effectLst>
-            <a:glow rad="38100">
-              <a:schemeClr val="bg1">
-                <a:lumMod val="50000"/>
-                <a:lumOff val="50000"/>
-                <a:alpha val="20000"/>
-              </a:schemeClr>
-            </a:glow>
-            <a:outerShdw blurRad="44450" dist="12700" dir="13860000" algn="tl" rotWithShape="0">
-              <a:srgbClr val="000000">
-                <a:alpha val="20000"/>
-              </a:srgbClr>
-            </a:outerShdw>
-          </a:effectLst>
-          <a:latin typeface="+mn-lt"/>
-          <a:ea typeface="+mn-ea"/>
-          <a:cs typeface="+mn-cs"/>
+        <a:buSzPct val="80000"/>
+        <a:buFont typeface="Wingdings 3" charset="2"/>
+        <a:buChar char=""/>
+        <a:defRPr sz="1800" b="0" i="0" kern="1200">
+          <a:solidFill>
+            <a:schemeClr val="tx1"/>
+          </a:solidFill>
+          <a:latin typeface="+mj-lt"/>
+          <a:ea typeface="+mj-ea"/>
+          <a:cs typeface="+mj-cs"/>
         </a:defRPr>
       </a:lvl2pPr>
-      <a:lvl3pPr marL="1200150" indent="-285750" algn="l" defTabSz="457200" rtl="0" eaLnBrk="1" latinLnBrk="0" hangingPunct="1">
+      <a:lvl3pPr marL="1143000" indent="-228600" algn="l" defTabSz="457200" rtl="0" eaLnBrk="1" latinLnBrk="0" hangingPunct="1">
         <a:spcBef>
-          <a:spcPct val="20000"/>
+          <a:spcPts val="1000"/>
         </a:spcBef>
         <a:spcAft>
-          <a:spcPts val="600"/>
+          <a:spcPts val="0"/>
         </a:spcAft>
         <a:buClr>
-          <a:schemeClr val="tx1"/>
+          <a:schemeClr val="accent1"/>
         </a:buClr>
-        <a:buSzPct val="100000"/>
-        <a:buFont typeface="Arial"/>
-        <a:buChar char="•"/>
-        <a:defRPr sz="1600" kern="1200" cap="small">
-          <a:gradFill flip="none" rotWithShape="1">
-            <a:gsLst>
-              <a:gs pos="0">
-                <a:schemeClr val="tx1"/>
-              </a:gs>
-              <a:gs pos="100000">
-                <a:schemeClr val="tx1">
-                  <a:lumMod val="75000"/>
-                </a:schemeClr>
-              </a:gs>
-            </a:gsLst>
-            <a:lin ang="5580000" scaled="0"/>
-            <a:tileRect/>
-          </a:gradFill>
-          <a:effectLst>
-            <a:glow rad="38100">
-              <a:schemeClr val="bg1">
-                <a:lumMod val="50000"/>
-                <a:lumOff val="50000"/>
-                <a:alpha val="20000"/>
-              </a:schemeClr>
-            </a:glow>
-            <a:outerShdw blurRad="44450" dist="12700" dir="13860000" algn="tl" rotWithShape="0">
-              <a:srgbClr val="000000">
-                <a:alpha val="20000"/>
-              </a:srgbClr>
-            </a:outerShdw>
-          </a:effectLst>
-          <a:latin typeface="+mn-lt"/>
-          <a:ea typeface="+mn-ea"/>
-          <a:cs typeface="+mn-cs"/>
+        <a:buSzPct val="80000"/>
+        <a:buFont typeface="Wingdings 3" charset="2"/>
+        <a:buChar char=""/>
+        <a:defRPr sz="1600" b="0" i="0" kern="1200">
+          <a:solidFill>
+            <a:schemeClr val="tx1"/>
+          </a:solidFill>
+          <a:latin typeface="+mj-lt"/>
+          <a:ea typeface="+mj-ea"/>
+          <a:cs typeface="+mj-cs"/>
         </a:defRPr>
       </a:lvl3pPr>
-      <a:lvl4pPr marL="1543050" indent="-171450" algn="l" defTabSz="457200" rtl="0" eaLnBrk="1" latinLnBrk="0" hangingPunct="1">
+      <a:lvl4pPr marL="1600200" indent="-228600" algn="l" defTabSz="457200" rtl="0" eaLnBrk="1" latinLnBrk="0" hangingPunct="1">
         <a:spcBef>
-          <a:spcPct val="20000"/>
+          <a:spcPts val="1000"/>
         </a:spcBef>
         <a:spcAft>
-          <a:spcPts val="600"/>
+          <a:spcPts val="0"/>
         </a:spcAft>
         <a:buClr>
-          <a:schemeClr val="tx1"/>
+          <a:schemeClr val="accent1"/>
         </a:buClr>
-        <a:buSzPct val="100000"/>
-        <a:buFont typeface="Arial"/>
-        <a:buChar char="•"/>
-        <a:defRPr sz="1400" kern="1200" cap="small">
-          <a:gradFill flip="none" rotWithShape="1">
-            <a:gsLst>
-              <a:gs pos="0">
-                <a:schemeClr val="tx1"/>
-              </a:gs>
-              <a:gs pos="100000">
-                <a:schemeClr val="tx1">
-                  <a:lumMod val="75000"/>
-                </a:schemeClr>
-              </a:gs>
-            </a:gsLst>
-            <a:lin ang="5580000" scaled="0"/>
-            <a:tileRect/>
-          </a:gradFill>
-          <a:effectLst>
-            <a:glow rad="38100">
-              <a:schemeClr val="bg1">
-                <a:lumMod val="50000"/>
-                <a:lumOff val="50000"/>
-                <a:alpha val="20000"/>
-              </a:schemeClr>
-            </a:glow>
-            <a:outerShdw blurRad="44450" dist="12700" dir="13860000" algn="tl" rotWithShape="0">
-              <a:srgbClr val="000000">
-                <a:alpha val="20000"/>
-              </a:srgbClr>
-            </a:outerShdw>
-          </a:effectLst>
-          <a:latin typeface="+mn-lt"/>
-          <a:ea typeface="+mn-ea"/>
-          <a:cs typeface="+mn-cs"/>
+        <a:buSzPct val="80000"/>
+        <a:buFont typeface="Wingdings 3" charset="2"/>
+        <a:buChar char=""/>
+        <a:defRPr sz="1400" b="0" i="0" kern="1200">
+          <a:solidFill>
+            <a:schemeClr val="tx1"/>
+          </a:solidFill>
+          <a:latin typeface="+mj-lt"/>
+          <a:ea typeface="+mj-ea"/>
+          <a:cs typeface="+mj-cs"/>
         </a:defRPr>
       </a:lvl4pPr>
-      <a:lvl5pPr marL="2000250" indent="-171450" algn="l" defTabSz="457200" rtl="0" eaLnBrk="1" latinLnBrk="0" hangingPunct="1">
+      <a:lvl5pPr marL="2057400" indent="-228600" algn="l" defTabSz="457200" rtl="0" eaLnBrk="1" latinLnBrk="0" hangingPunct="1">
         <a:spcBef>
-          <a:spcPct val="20000"/>
+          <a:spcPts val="1000"/>
         </a:spcBef>
         <a:spcAft>
-          <a:spcPts val="600"/>
+          <a:spcPts val="0"/>
         </a:spcAft>
         <a:buClr>
-          <a:schemeClr val="tx1"/>
+          <a:schemeClr val="accent1"/>
         </a:buClr>
-        <a:buSzPct val="100000"/>
-        <a:buFont typeface="Arial"/>
-        <a:buChar char="•"/>
-        <a:defRPr sz="1400" kern="1200" cap="small">
-          <a:gradFill flip="none" rotWithShape="1">
-            <a:gsLst>
-              <a:gs pos="0">
-                <a:schemeClr val="tx1"/>
-              </a:gs>
-              <a:gs pos="100000">
-                <a:schemeClr val="tx1">
-                  <a:lumMod val="75000"/>
-                </a:schemeClr>
-              </a:gs>
-            </a:gsLst>
-            <a:lin ang="5580000" scaled="0"/>
-            <a:tileRect/>
-          </a:gradFill>
-          <a:effectLst>
-            <a:glow rad="38100">
-              <a:schemeClr val="bg1">
-                <a:lumMod val="50000"/>
-                <a:lumOff val="50000"/>
-                <a:alpha val="20000"/>
-              </a:schemeClr>
-            </a:glow>
-            <a:outerShdw blurRad="44450" dist="12700" dir="13860000" algn="tl" rotWithShape="0">
-              <a:srgbClr val="000000">
-                <a:alpha val="20000"/>
-              </a:srgbClr>
-            </a:outerShdw>
-          </a:effectLst>
-          <a:latin typeface="+mn-lt"/>
-          <a:ea typeface="+mn-ea"/>
-          <a:cs typeface="+mn-cs"/>
+        <a:buSzPct val="80000"/>
+        <a:buFont typeface="Wingdings 3" charset="2"/>
+        <a:buChar char=""/>
+        <a:defRPr sz="1400" b="0" i="0" kern="1200">
+          <a:solidFill>
+            <a:schemeClr val="tx1"/>
+          </a:solidFill>
+          <a:latin typeface="+mj-lt"/>
+          <a:ea typeface="+mj-ea"/>
+          <a:cs typeface="+mj-cs"/>
         </a:defRPr>
       </a:lvl5pPr>
       <a:lvl6pPr marL="2514600" indent="-228600" algn="l" defTabSz="457200" rtl="0" eaLnBrk="1" latinLnBrk="0" hangingPunct="1">
         <a:spcBef>
-          <a:spcPct val="20000"/>
+          <a:spcPts val="1000"/>
         </a:spcBef>
         <a:spcAft>
-          <a:spcPts val="600"/>
+          <a:spcPts val="0"/>
         </a:spcAft>
         <a:buClr>
-          <a:schemeClr val="tx1"/>
+          <a:schemeClr val="accent1"/>
         </a:buClr>
-        <a:buSzPct val="100000"/>
-        <a:buFont typeface="Arial"/>
-        <a:buChar char="•"/>
-        <a:defRPr sz="1200" kern="1200" cap="small">
-          <a:gradFill flip="none" rotWithShape="1">
-            <a:gsLst>
-              <a:gs pos="0">
-                <a:schemeClr val="tx1"/>
-              </a:gs>
-              <a:gs pos="100000">
-                <a:schemeClr val="tx1">
-                  <a:lumMod val="75000"/>
-                </a:schemeClr>
-              </a:gs>
-            </a:gsLst>
-            <a:lin ang="5580000" scaled="0"/>
-            <a:tileRect/>
-          </a:gradFill>
-          <a:effectLst>
-            <a:glow rad="38100">
-              <a:schemeClr val="bg1">
-                <a:lumMod val="50000"/>
-                <a:lumOff val="50000"/>
-                <a:alpha val="20000"/>
-              </a:schemeClr>
-            </a:glow>
-            <a:outerShdw blurRad="44450" dist="12700" dir="13860000" algn="tl" rotWithShape="0">
-              <a:srgbClr val="000000">
-                <a:alpha val="20000"/>
-              </a:srgbClr>
-            </a:outerShdw>
-          </a:effectLst>
-          <a:latin typeface="+mn-lt"/>
-          <a:ea typeface="+mn-ea"/>
-          <a:cs typeface="+mn-cs"/>
+        <a:buSzPct val="80000"/>
+        <a:buFont typeface="Wingdings 3" charset="2"/>
+        <a:buChar char=""/>
+        <a:defRPr sz="1400" b="0" i="0" kern="1200">
+          <a:solidFill>
+            <a:schemeClr val="tx1"/>
+          </a:solidFill>
+          <a:latin typeface="+mj-lt"/>
+          <a:ea typeface="+mj-ea"/>
+          <a:cs typeface="+mj-cs"/>
         </a:defRPr>
       </a:lvl6pPr>
       <a:lvl7pPr marL="2971800" indent="-228600" algn="l" defTabSz="457200" rtl="0" eaLnBrk="1" latinLnBrk="0" hangingPunct="1">
         <a:spcBef>
-          <a:spcPct val="20000"/>
+          <a:spcPts val="1000"/>
         </a:spcBef>
         <a:spcAft>
-          <a:spcPts val="600"/>
+          <a:spcPts val="0"/>
         </a:spcAft>
         <a:buClr>
-          <a:schemeClr val="tx1"/>
+          <a:schemeClr val="accent1"/>
         </a:buClr>
-        <a:buSzPct val="100000"/>
-        <a:buFont typeface="Arial"/>
-        <a:buChar char="•"/>
-        <a:defRPr sz="1200" kern="1200" cap="small">
-          <a:gradFill flip="none" rotWithShape="1">
-            <a:gsLst>
-              <a:gs pos="0">
-                <a:schemeClr val="tx1"/>
-              </a:gs>
-              <a:gs pos="100000">
-                <a:schemeClr val="tx1">
-                  <a:lumMod val="75000"/>
-                </a:schemeClr>
-              </a:gs>
-            </a:gsLst>
-            <a:lin ang="5580000" scaled="0"/>
-            <a:tileRect/>
-          </a:gradFill>
-          <a:effectLst>
-            <a:glow rad="38100">
-              <a:schemeClr val="bg1">
-                <a:lumMod val="50000"/>
-                <a:lumOff val="50000"/>
-                <a:alpha val="20000"/>
-              </a:schemeClr>
-            </a:glow>
-            <a:outerShdw blurRad="44450" dist="12700" dir="13860000" algn="tl" rotWithShape="0">
-              <a:srgbClr val="000000">
-                <a:alpha val="20000"/>
-              </a:srgbClr>
-            </a:outerShdw>
-          </a:effectLst>
-          <a:latin typeface="+mn-lt"/>
-          <a:ea typeface="+mn-ea"/>
-          <a:cs typeface="+mn-cs"/>
+        <a:buSzPct val="80000"/>
+        <a:buFont typeface="Wingdings 3" charset="2"/>
+        <a:buChar char=""/>
+        <a:defRPr sz="1400" b="0" i="0" kern="1200">
+          <a:solidFill>
+            <a:schemeClr val="tx1"/>
+          </a:solidFill>
+          <a:latin typeface="+mj-lt"/>
+          <a:ea typeface="+mj-ea"/>
+          <a:cs typeface="+mj-cs"/>
         </a:defRPr>
       </a:lvl7pPr>
       <a:lvl8pPr marL="3429000" indent="-228600" algn="l" defTabSz="457200" rtl="0" eaLnBrk="1" latinLnBrk="0" hangingPunct="1">
         <a:spcBef>
-          <a:spcPct val="20000"/>
+          <a:spcPts val="1000"/>
         </a:spcBef>
         <a:spcAft>
-          <a:spcPts val="600"/>
+          <a:spcPts val="0"/>
         </a:spcAft>
         <a:buClr>
-          <a:schemeClr val="tx1"/>
+          <a:schemeClr val="accent1"/>
         </a:buClr>
-        <a:buSzPct val="100000"/>
-        <a:buFont typeface="Arial"/>
-        <a:buChar char="•"/>
-        <a:defRPr sz="1200" kern="1200" cap="small">
-          <a:gradFill flip="none" rotWithShape="1">
-            <a:gsLst>
-              <a:gs pos="0">
-                <a:schemeClr val="tx1"/>
-              </a:gs>
-              <a:gs pos="100000">
-                <a:schemeClr val="tx1">
-                  <a:lumMod val="75000"/>
-                </a:schemeClr>
-              </a:gs>
-            </a:gsLst>
-            <a:lin ang="5580000" scaled="0"/>
-            <a:tileRect/>
-          </a:gradFill>
-          <a:effectLst>
-            <a:glow rad="38100">
-              <a:schemeClr val="bg1">
-                <a:lumMod val="50000"/>
-                <a:lumOff val="50000"/>
-                <a:alpha val="20000"/>
-              </a:schemeClr>
-            </a:glow>
-            <a:outerShdw blurRad="44450" dist="12700" dir="13860000" algn="tl" rotWithShape="0">
-              <a:srgbClr val="000000">
-                <a:alpha val="20000"/>
-              </a:srgbClr>
-            </a:outerShdw>
-          </a:effectLst>
-          <a:latin typeface="+mn-lt"/>
-          <a:ea typeface="+mn-ea"/>
-          <a:cs typeface="+mn-cs"/>
+        <a:buSzPct val="80000"/>
+        <a:buFont typeface="Wingdings 3" charset="2"/>
+        <a:buChar char=""/>
+        <a:defRPr sz="1400" b="0" i="0" kern="1200">
+          <a:solidFill>
+            <a:schemeClr val="tx1"/>
+          </a:solidFill>
+          <a:latin typeface="+mj-lt"/>
+          <a:ea typeface="+mj-ea"/>
+          <a:cs typeface="+mj-cs"/>
         </a:defRPr>
       </a:lvl8pPr>
       <a:lvl9pPr marL="3886200" indent="-228600" algn="l" defTabSz="457200" rtl="0" eaLnBrk="1" latinLnBrk="0" hangingPunct="1">
         <a:spcBef>
-          <a:spcPct val="20000"/>
+          <a:spcPts val="1000"/>
         </a:spcBef>
         <a:spcAft>
-          <a:spcPts val="600"/>
+          <a:spcPts val="0"/>
         </a:spcAft>
         <a:buClr>
-          <a:schemeClr val="tx1"/>
+          <a:schemeClr val="accent1"/>
         </a:buClr>
-        <a:buSzPct val="100000"/>
-        <a:buFont typeface="Arial"/>
-        <a:buChar char="•"/>
-        <a:defRPr sz="1200" kern="1200" cap="small">
-          <a:gradFill flip="none" rotWithShape="1">
-            <a:gsLst>
-              <a:gs pos="0">
-                <a:schemeClr val="tx1"/>
-              </a:gs>
-              <a:gs pos="100000">
-                <a:schemeClr val="tx1">
-                  <a:lumMod val="75000"/>
-                </a:schemeClr>
-              </a:gs>
-            </a:gsLst>
-            <a:lin ang="5580000" scaled="0"/>
-            <a:tileRect/>
-          </a:gradFill>
-          <a:effectLst>
-            <a:glow rad="38100">
-              <a:schemeClr val="bg1">
-                <a:lumMod val="50000"/>
-                <a:lumOff val="50000"/>
-                <a:alpha val="20000"/>
-              </a:schemeClr>
-            </a:glow>
-            <a:outerShdw blurRad="44450" dist="12700" dir="13860000" algn="tl" rotWithShape="0">
-              <a:srgbClr val="000000">
-                <a:alpha val="20000"/>
-              </a:srgbClr>
-            </a:outerShdw>
-          </a:effectLst>
-          <a:latin typeface="+mn-lt"/>
-          <a:ea typeface="+mn-ea"/>
-          <a:cs typeface="+mn-cs"/>
+        <a:buSzPct val="80000"/>
+        <a:buFont typeface="Wingdings 3" charset="2"/>
+        <a:buChar char=""/>
+        <a:defRPr sz="1400" b="0" i="0" kern="1200">
+          <a:solidFill>
+            <a:schemeClr val="tx1"/>
+          </a:solidFill>
+          <a:latin typeface="+mj-lt"/>
+          <a:ea typeface="+mj-ea"/>
+          <a:cs typeface="+mj-cs"/>
         </a:defRPr>
       </a:lvl9pPr>
     </p:bodyStyle>
@@ -6105,23 +6406,32 @@
         </p:nvSpPr>
         <p:spPr>
           <a:xfrm>
-            <a:off x="1751012" y="1648495"/>
-            <a:ext cx="8676222" cy="873618"/>
+            <a:off x="0" y="1917738"/>
+            <a:ext cx="12192000" cy="873618"/>
           </a:xfrm>
         </p:spPr>
         <p:txBody>
-          <a:bodyPr/>
-          <a:lstStyle/>
-          <a:p>
-            <a:r>
-              <a:rPr lang="en-US" dirty="0" smtClean="0"/>
+          <a:bodyPr>
+            <a:normAutofit fontScale="90000"/>
+          </a:bodyPr>
+          <a:lstStyle/>
+          <a:p>
+            <a:pPr algn="ctr"/>
+            <a:r>
+              <a:rPr lang="en-US" sz="5400" b="1" dirty="0" smtClean="0">
+                <a:latin typeface="Candara" panose="020E0502030303020204" pitchFamily="34" charset="0"/>
+              </a:rPr>
               <a:t>Database </a:t>
             </a:r>
             <a:r>
-              <a:rPr lang="en-US" dirty="0" err="1" smtClean="0"/>
-              <a:t>guRu</a:t>
-            </a:r>
-            <a:endParaRPr lang="en-US" dirty="0"/>
+              <a:rPr lang="ro-RO" sz="5400" b="1" i="1" dirty="0" smtClean="0">
+                <a:latin typeface="Candara" panose="020E0502030303020204" pitchFamily="34" charset="0"/>
+              </a:rPr>
+              <a:t>Guru</a:t>
+            </a:r>
+            <a:endParaRPr lang="en-US" sz="5400" b="1" i="1" dirty="0">
+              <a:latin typeface="Candara" panose="020E0502030303020204" pitchFamily="34" charset="0"/>
+            </a:endParaRPr>
           </a:p>
         </p:txBody>
       </p:sp>
@@ -6135,31 +6445,108 @@
             <p:ph type="subTitle" idx="1"/>
           </p:nvPr>
         </p:nvSpPr>
-        <p:spPr/>
-        <p:txBody>
-          <a:bodyPr/>
-          <a:lstStyle/>
-          <a:p>
-            <a:r>
-              <a:rPr lang="en-US" dirty="0" err="1" smtClean="0"/>
+        <p:spPr>
+          <a:xfrm>
+            <a:off x="450574" y="5201450"/>
+            <a:ext cx="8825658" cy="861420"/>
+          </a:xfrm>
+        </p:spPr>
+        <p:txBody>
+          <a:bodyPr>
+            <a:noAutofit/>
+          </a:bodyPr>
+          <a:lstStyle/>
+          <a:p>
+            <a:r>
+              <a:rPr lang="en-US" sz="2400" b="1" dirty="0" err="1" smtClean="0">
+                <a:effectLst>
+                  <a:outerShdw blurRad="50800" dist="38100" dir="18900000" algn="bl" rotWithShape="0">
+                    <a:prstClr val="black">
+                      <a:alpha val="40000"/>
+                    </a:prstClr>
+                  </a:outerShdw>
+                </a:effectLst>
+                <a:latin typeface="Candara" panose="020E0502030303020204" pitchFamily="34" charset="0"/>
+              </a:rPr>
               <a:t>Autor</a:t>
             </a:r>
             <a:r>
-              <a:rPr lang="en-US" dirty="0" smtClean="0"/>
+              <a:rPr lang="en-US" sz="2400" b="1" dirty="0" smtClean="0">
+                <a:effectLst>
+                  <a:outerShdw blurRad="50800" dist="38100" dir="18900000" algn="bl" rotWithShape="0">
+                    <a:prstClr val="black">
+                      <a:alpha val="40000"/>
+                    </a:prstClr>
+                  </a:outerShdw>
+                </a:effectLst>
+                <a:latin typeface="Candara" panose="020E0502030303020204" pitchFamily="34" charset="0"/>
+              </a:rPr>
               <a:t>: </a:t>
             </a:r>
             <a:r>
-              <a:rPr lang="ro-RO" dirty="0" smtClean="0"/>
-              <a:t>Alexandru Roșca</a:t>
-            </a:r>
-            <a:endParaRPr lang="en-US" dirty="0" smtClean="0"/>
-          </a:p>
-          <a:p>
-            <a:r>
-              <a:rPr lang="ro-RO" dirty="0" smtClean="0"/>
-              <a:t>Coordonator: Anca vitcu</a:t>
-            </a:r>
-            <a:endParaRPr lang="en-US" dirty="0" smtClean="0"/>
+              <a:rPr lang="ro-RO" sz="2400" b="1" dirty="0" smtClean="0">
+                <a:effectLst>
+                  <a:outerShdw blurRad="50800" dist="38100" dir="18900000" algn="bl" rotWithShape="0">
+                    <a:prstClr val="black">
+                      <a:alpha val="40000"/>
+                    </a:prstClr>
+                  </a:outerShdw>
+                </a:effectLst>
+                <a:latin typeface="Candara" panose="020E0502030303020204" pitchFamily="34" charset="0"/>
+              </a:rPr>
+              <a:t>Alexandru RoȘca</a:t>
+            </a:r>
+            <a:endParaRPr lang="en-US" sz="2400" b="1" dirty="0" smtClean="0">
+              <a:effectLst>
+                <a:outerShdw blurRad="50800" dist="38100" dir="18900000" algn="bl" rotWithShape="0">
+                  <a:prstClr val="black">
+                    <a:alpha val="40000"/>
+                  </a:prstClr>
+                </a:outerShdw>
+              </a:effectLst>
+              <a:latin typeface="Candara" panose="020E0502030303020204" pitchFamily="34" charset="0"/>
+            </a:endParaRPr>
+          </a:p>
+          <a:p>
+            <a:r>
+              <a:rPr lang="ro-RO" sz="2400" b="1" dirty="0">
+                <a:effectLst>
+                  <a:outerShdw blurRad="50800" dist="38100" dir="18900000" algn="bl" rotWithShape="0">
+                    <a:prstClr val="black">
+                      <a:alpha val="40000"/>
+                    </a:prstClr>
+                  </a:outerShdw>
+                </a:effectLst>
+                <a:latin typeface="Candara" panose="020E0502030303020204" pitchFamily="34" charset="0"/>
+              </a:rPr>
+              <a:t>Coordonator științific</a:t>
+            </a:r>
+            <a:r>
+              <a:rPr lang="en-US" sz="2400" b="1" dirty="0">
+                <a:effectLst>
+                  <a:outerShdw blurRad="50800" dist="38100" dir="18900000" algn="bl" rotWithShape="0">
+                    <a:prstClr val="black">
+                      <a:alpha val="40000"/>
+                    </a:prstClr>
+                  </a:outerShdw>
+                </a:effectLst>
+                <a:latin typeface="Candara" panose="020E0502030303020204" pitchFamily="34" charset="0"/>
+              </a:rPr>
+              <a:t>:</a:t>
+            </a:r>
+            <a:r>
+              <a:rPr lang="ro-RO" sz="2400" b="1" dirty="0">
+                <a:effectLst>
+                  <a:outerShdw blurRad="50800" dist="38100" dir="18900000" algn="bl" rotWithShape="0">
+                    <a:prstClr val="black">
+                      <a:alpha val="40000"/>
+                    </a:prstClr>
+                  </a:outerShdw>
+                </a:effectLst>
+                <a:latin typeface="Candara" panose="020E0502030303020204" pitchFamily="34" charset="0"/>
+              </a:rPr>
+              <a:t> Conf. Dr. Anca Vitcu</a:t>
+            </a:r>
           </a:p>
         </p:txBody>
       </p:sp>
@@ -6183,6 +6570,77 @@
               <a:t>1</a:t>
             </a:fld>
             <a:endParaRPr lang="en-US"/>
+          </a:p>
+        </p:txBody>
+      </p:sp>
+      <p:sp>
+        <p:nvSpPr>
+          <p:cNvPr id="5" name="TextBox 4"/>
+          <p:cNvSpPr txBox="1"/>
+          <p:nvPr/>
+        </p:nvSpPr>
+        <p:spPr>
+          <a:xfrm>
+            <a:off x="0" y="2791356"/>
+            <a:ext cx="12192000" cy="553998"/>
+          </a:xfrm>
+          <a:prstGeom prst="rect">
+            <a:avLst/>
+          </a:prstGeom>
+          <a:noFill/>
+        </p:spPr>
+        <p:txBody>
+          <a:bodyPr wrap="square" rtlCol="0">
+            <a:spAutoFit/>
+          </a:bodyPr>
+          <a:lstStyle/>
+          <a:p>
+            <a:pPr algn="ctr"/>
+            <a:r>
+              <a:rPr lang="en-US" sz="3000" i="1" dirty="0" err="1">
+                <a:latin typeface="Candara" panose="020E0502030303020204" pitchFamily="34" charset="0"/>
+              </a:rPr>
+              <a:t>Platformă</a:t>
+            </a:r>
+            <a:r>
+              <a:rPr lang="en-US" sz="3000" i="1" dirty="0">
+                <a:latin typeface="Candara" panose="020E0502030303020204" pitchFamily="34" charset="0"/>
+              </a:rPr>
+              <a:t> de </a:t>
+            </a:r>
+            <a:r>
+              <a:rPr lang="en-US" sz="3000" i="1" dirty="0" err="1">
+                <a:latin typeface="Candara" panose="020E0502030303020204" pitchFamily="34" charset="0"/>
+              </a:rPr>
+              <a:t>învățare</a:t>
+            </a:r>
+            <a:r>
+              <a:rPr lang="en-US" sz="3000" i="1" dirty="0">
+                <a:latin typeface="Candara" panose="020E0502030303020204" pitchFamily="34" charset="0"/>
+              </a:rPr>
+              <a:t> a </a:t>
+            </a:r>
+            <a:r>
+              <a:rPr lang="en-US" sz="3000" i="1" dirty="0" err="1">
+                <a:latin typeface="Candara" panose="020E0502030303020204" pitchFamily="34" charset="0"/>
+              </a:rPr>
+              <a:t>limbajului</a:t>
+            </a:r>
+            <a:r>
+              <a:rPr lang="en-US" sz="3000" i="1" dirty="0">
+                <a:latin typeface="Candara" panose="020E0502030303020204" pitchFamily="34" charset="0"/>
+              </a:rPr>
+              <a:t> </a:t>
+            </a:r>
+            <a:r>
+              <a:rPr lang="en-US" sz="3000" i="1" dirty="0" smtClean="0">
+                <a:latin typeface="Candara" panose="020E0502030303020204" pitchFamily="34" charset="0"/>
+              </a:rPr>
+              <a:t>SQL</a:t>
+            </a:r>
+            <a:endParaRPr lang="en-US" sz="3000" i="1" dirty="0">
+              <a:latin typeface="Candara" panose="020E0502030303020204" pitchFamily="34" charset="0"/>
+            </a:endParaRPr>
           </a:p>
         </p:txBody>
       </p:sp>
@@ -6196,6 +6654,274 @@
   <p:clrMapOvr>
     <a:masterClrMapping/>
   </p:clrMapOvr>
+  <p:timing>
+    <p:tnLst>
+      <p:par>
+        <p:cTn id="1" dur="indefinite" restart="never" nodeType="tmRoot"/>
+      </p:par>
+    </p:tnLst>
+  </p:timing>
+</p:sld>
+</file>
+
+<file path=ppt/slides/slide10.xml><?xml version="1.0" encoding="utf-8"?>
+<p:sld xmlns:a="http://schemas.openxmlformats.org/drawingml/2006/main" xmlns:r="http://schemas.openxmlformats.org/officeDocument/2006/relationships" xmlns:p="http://schemas.openxmlformats.org/presentationml/2006/main">
+  <p:cSld>
+    <p:spTree>
+      <p:nvGrpSpPr>
+        <p:cNvPr id="1" name=""/>
+        <p:cNvGrpSpPr/>
+        <p:nvPr/>
+      </p:nvGrpSpPr>
+      <p:grpSpPr>
+        <a:xfrm>
+          <a:off x="0" y="0"/>
+          <a:ext cx="0" cy="0"/>
+          <a:chOff x="0" y="0"/>
+          <a:chExt cx="0" cy="0"/>
+        </a:xfrm>
+      </p:grpSpPr>
+      <p:sp>
+        <p:nvSpPr>
+          <p:cNvPr id="2" name="Title 1"/>
+          <p:cNvSpPr>
+            <a:spLocks noGrp="1"/>
+          </p:cNvSpPr>
+          <p:nvPr>
+            <p:ph type="title"/>
+          </p:nvPr>
+        </p:nvSpPr>
+        <p:spPr>
+          <a:xfrm>
+            <a:off x="0" y="2603490"/>
+            <a:ext cx="12192000" cy="1400530"/>
+          </a:xfrm>
+        </p:spPr>
+        <p:txBody>
+          <a:bodyPr/>
+          <a:lstStyle/>
+          <a:p>
+            <a:pPr algn="ctr"/>
+            <a:r>
+              <a:rPr lang="ro-RO" b="1" dirty="0" smtClean="0">
+                <a:latin typeface="Candara" panose="020E0502030303020204" pitchFamily="34" charset="0"/>
+              </a:rPr>
+              <a:t>Prezentarea aplicației</a:t>
+            </a:r>
+            <a:br>
+              <a:rPr lang="ro-RO" b="1" dirty="0" smtClean="0">
+                <a:latin typeface="Candara" panose="020E0502030303020204" pitchFamily="34" charset="0"/>
+              </a:rPr>
+            </a:br>
+            <a:r>
+              <a:rPr lang="ro-RO" b="1" dirty="0" smtClean="0">
+                <a:latin typeface="Candara" panose="020E0502030303020204" pitchFamily="34" charset="0"/>
+              </a:rPr>
+              <a:t>(Demo)</a:t>
+            </a:r>
+            <a:endParaRPr lang="en-US" b="1" dirty="0">
+              <a:latin typeface="Candara" panose="020E0502030303020204" pitchFamily="34" charset="0"/>
+            </a:endParaRPr>
+          </a:p>
+        </p:txBody>
+      </p:sp>
+      <p:sp>
+        <p:nvSpPr>
+          <p:cNvPr id="4" name="Slide Number Placeholder 3"/>
+          <p:cNvSpPr>
+            <a:spLocks noGrp="1"/>
+          </p:cNvSpPr>
+          <p:nvPr>
+            <p:ph type="sldNum" sz="quarter" idx="12"/>
+          </p:nvPr>
+        </p:nvSpPr>
+        <p:spPr/>
+        <p:txBody>
+          <a:bodyPr/>
+          <a:lstStyle/>
+          <a:p>
+            <a:fld id="{A27DEAD2-BFE6-4276-A095-8818BA2F802B}" type="slidenum">
+              <a:rPr lang="en-US" smtClean="0"/>
+              <a:t>10</a:t>
+            </a:fld>
+            <a:endParaRPr lang="en-US"/>
+          </a:p>
+        </p:txBody>
+      </p:sp>
+    </p:spTree>
+    <p:extLst>
+      <p:ext uri="{BB962C8B-B14F-4D97-AF65-F5344CB8AC3E}">
+        <p14:creationId xmlns:p14="http://schemas.microsoft.com/office/powerpoint/2010/main" val="2209328582"/>
+      </p:ext>
+    </p:extLst>
+  </p:cSld>
+  <p:clrMapOvr>
+    <a:masterClrMapping/>
+  </p:clrMapOvr>
+  <p:timing>
+    <p:tnLst>
+      <p:par>
+        <p:cTn id="1" dur="indefinite" restart="never" nodeType="tmRoot"/>
+      </p:par>
+    </p:tnLst>
+  </p:timing>
+</p:sld>
+</file>
+
+<file path=ppt/slides/slide11.xml><?xml version="1.0" encoding="utf-8"?>
+<p:sld xmlns:a="http://schemas.openxmlformats.org/drawingml/2006/main" xmlns:r="http://schemas.openxmlformats.org/officeDocument/2006/relationships" xmlns:p="http://schemas.openxmlformats.org/presentationml/2006/main">
+  <p:cSld>
+    <p:spTree>
+      <p:nvGrpSpPr>
+        <p:cNvPr id="1" name=""/>
+        <p:cNvGrpSpPr/>
+        <p:nvPr/>
+      </p:nvGrpSpPr>
+      <p:grpSpPr>
+        <a:xfrm>
+          <a:off x="0" y="0"/>
+          <a:ext cx="0" cy="0"/>
+          <a:chOff x="0" y="0"/>
+          <a:chExt cx="0" cy="0"/>
+        </a:xfrm>
+      </p:grpSpPr>
+      <p:sp>
+        <p:nvSpPr>
+          <p:cNvPr id="2" name="Title 1"/>
+          <p:cNvSpPr>
+            <a:spLocks noGrp="1"/>
+          </p:cNvSpPr>
+          <p:nvPr>
+            <p:ph type="title"/>
+          </p:nvPr>
+        </p:nvSpPr>
+        <p:spPr>
+          <a:xfrm>
+            <a:off x="645130" y="679572"/>
+            <a:ext cx="9404723" cy="1400530"/>
+          </a:xfrm>
+        </p:spPr>
+        <p:txBody>
+          <a:bodyPr/>
+          <a:lstStyle/>
+          <a:p>
+            <a:r>
+              <a:rPr lang="ro-RO" b="1" dirty="0" smtClean="0">
+                <a:latin typeface="Candara" panose="020E0502030303020204" pitchFamily="34" charset="0"/>
+              </a:rPr>
+              <a:t>Concluzii</a:t>
+            </a:r>
+            <a:endParaRPr lang="en-US" b="1" dirty="0">
+              <a:latin typeface="Candara" panose="020E0502030303020204" pitchFamily="34" charset="0"/>
+            </a:endParaRPr>
+          </a:p>
+        </p:txBody>
+      </p:sp>
+      <p:sp>
+        <p:nvSpPr>
+          <p:cNvPr id="3" name="Content Placeholder 2"/>
+          <p:cNvSpPr>
+            <a:spLocks noGrp="1"/>
+          </p:cNvSpPr>
+          <p:nvPr>
+            <p:ph idx="1"/>
+          </p:nvPr>
+        </p:nvSpPr>
+        <p:spPr/>
+        <p:txBody>
+          <a:bodyPr/>
+          <a:lstStyle/>
+          <a:p>
+            <a:r>
+              <a:rPr lang="ro-RO" b="1" dirty="0" smtClean="0">
+                <a:latin typeface="Candara" panose="020E0502030303020204" pitchFamily="34" charset="0"/>
+              </a:rPr>
+              <a:t>Aplicația a fost realizată pentru a fi în sprijinul celor care sunt pasionați de domeniul bazelor de date.</a:t>
+            </a:r>
+          </a:p>
+          <a:p>
+            <a:endParaRPr lang="ro-RO" b="1" dirty="0" smtClean="0">
+              <a:latin typeface="Candara" panose="020E0502030303020204" pitchFamily="34" charset="0"/>
+            </a:endParaRPr>
+          </a:p>
+          <a:p>
+            <a:r>
+              <a:rPr lang="ro-RO" b="1" dirty="0" smtClean="0">
+                <a:latin typeface="Candara" panose="020E0502030303020204" pitchFamily="34" charset="0"/>
+              </a:rPr>
+              <a:t>De asemenea, aceasta reușește să fie de folos atât pentru studenți, cât și pentru profesori.</a:t>
+            </a:r>
+          </a:p>
+          <a:p>
+            <a:endParaRPr lang="ro-RO" b="1" dirty="0">
+              <a:latin typeface="Candara" panose="020E0502030303020204" pitchFamily="34" charset="0"/>
+            </a:endParaRPr>
+          </a:p>
+          <a:p>
+            <a:r>
+              <a:rPr lang="ro-RO" b="1" dirty="0" smtClean="0">
+                <a:latin typeface="Candara" panose="020E0502030303020204" pitchFamily="34" charset="0"/>
+              </a:rPr>
+              <a:t>Am întâmpinat multe dificultăți pe parcursul dezvoltării acestei aplicații, dar faptul ca le-am depășit m-a determinat să continui progresul meu ce ține de </a:t>
+            </a:r>
+            <a:r>
+              <a:rPr lang="ro-RO" b="1" i="1" dirty="0" smtClean="0">
+                <a:latin typeface="Candara" panose="020E0502030303020204" pitchFamily="34" charset="0"/>
+              </a:rPr>
+              <a:t>”web development”</a:t>
+            </a:r>
+            <a:r>
+              <a:rPr lang="en-US" b="1" i="1" dirty="0" smtClean="0">
+                <a:latin typeface="Candara" panose="020E0502030303020204" pitchFamily="34" charset="0"/>
+              </a:rPr>
+              <a:t>.</a:t>
+            </a:r>
+            <a:endParaRPr lang="en-US" b="1" i="1" dirty="0">
+              <a:latin typeface="Candara" panose="020E0502030303020204" pitchFamily="34" charset="0"/>
+            </a:endParaRPr>
+          </a:p>
+        </p:txBody>
+      </p:sp>
+      <p:sp>
+        <p:nvSpPr>
+          <p:cNvPr id="4" name="Slide Number Placeholder 3"/>
+          <p:cNvSpPr>
+            <a:spLocks noGrp="1"/>
+          </p:cNvSpPr>
+          <p:nvPr>
+            <p:ph type="sldNum" sz="quarter" idx="12"/>
+          </p:nvPr>
+        </p:nvSpPr>
+        <p:spPr/>
+        <p:txBody>
+          <a:bodyPr/>
+          <a:lstStyle/>
+          <a:p>
+            <a:fld id="{A27DEAD2-BFE6-4276-A095-8818BA2F802B}" type="slidenum">
+              <a:rPr lang="en-US" smtClean="0"/>
+              <a:t>11</a:t>
+            </a:fld>
+            <a:endParaRPr lang="en-US"/>
+          </a:p>
+        </p:txBody>
+      </p:sp>
+    </p:spTree>
+    <p:extLst>
+      <p:ext uri="{BB962C8B-B14F-4D97-AF65-F5344CB8AC3E}">
+        <p14:creationId xmlns:p14="http://schemas.microsoft.com/office/powerpoint/2010/main" val="1572126443"/>
+      </p:ext>
+    </p:extLst>
+  </p:cSld>
+  <p:clrMapOvr>
+    <a:masterClrMapping/>
+  </p:clrMapOvr>
+  <p:timing>
+    <p:tnLst>
+      <p:par>
+        <p:cTn id="1" dur="indefinite" restart="never" nodeType="tmRoot"/>
+      </p:par>
+    </p:tnLst>
+  </p:timing>
 </p:sld>
 </file>
 
@@ -6226,16 +6952,25 @@
             <p:ph type="title"/>
           </p:nvPr>
         </p:nvSpPr>
-        <p:spPr/>
+        <p:spPr>
+          <a:xfrm>
+            <a:off x="2493288" y="2913075"/>
+            <a:ext cx="2290747" cy="873583"/>
+          </a:xfrm>
+        </p:spPr>
         <p:txBody>
           <a:bodyPr/>
           <a:lstStyle/>
           <a:p>
             <a:r>
-              <a:rPr lang="ro-RO" dirty="0" smtClean="0"/>
-              <a:t>Cuprins:</a:t>
-            </a:r>
-            <a:endParaRPr lang="en-US" dirty="0"/>
+              <a:rPr lang="ro-RO" b="1" dirty="0" smtClean="0">
+                <a:latin typeface="Candara" panose="020E0502030303020204" pitchFamily="34" charset="0"/>
+              </a:rPr>
+              <a:t>CUPRINS</a:t>
+            </a:r>
+            <a:endParaRPr lang="en-US" b="1" dirty="0">
+              <a:latin typeface="Candara" panose="020E0502030303020204" pitchFamily="34" charset="0"/>
+            </a:endParaRPr>
           </a:p>
         </p:txBody>
       </p:sp>
@@ -6249,15 +6984,202 @@
             <p:ph idx="1"/>
           </p:nvPr>
         </p:nvSpPr>
-        <p:spPr/>
-        <p:txBody>
-          <a:bodyPr/>
-          <a:lstStyle/>
-          <a:p>
-            <a:pPr marL="0" indent="0">
-              <a:buNone/>
+        <p:spPr>
+          <a:xfrm>
+            <a:off x="6422608" y="679572"/>
+            <a:ext cx="4669462" cy="5333673"/>
+          </a:xfrm>
+        </p:spPr>
+        <p:txBody>
+          <a:bodyPr>
+            <a:noAutofit/>
+          </a:bodyPr>
+          <a:lstStyle/>
+          <a:p>
+            <a:pPr>
+              <a:lnSpc>
+                <a:spcPct val="150000"/>
+              </a:lnSpc>
+              <a:buClr>
+                <a:schemeClr val="tx1"/>
+              </a:buClr>
+              <a:buFont typeface="+mj-lt"/>
+              <a:buAutoNum type="arabicPeriod"/>
             </a:pPr>
-            <a:endParaRPr lang="en-US" dirty="0"/>
+            <a:r>
+              <a:rPr lang="ro-RO" dirty="0" smtClean="0">
+                <a:latin typeface="Candara" panose="020E0502030303020204" pitchFamily="34" charset="0"/>
+              </a:rPr>
+              <a:t>Introducere</a:t>
+            </a:r>
+            <a:endParaRPr lang="ro-RO" dirty="0">
+              <a:latin typeface="Candara" panose="020E0502030303020204" pitchFamily="34" charset="0"/>
+            </a:endParaRPr>
+          </a:p>
+          <a:p>
+            <a:pPr>
+              <a:lnSpc>
+                <a:spcPct val="150000"/>
+              </a:lnSpc>
+              <a:buClr>
+                <a:schemeClr val="tx1"/>
+              </a:buClr>
+              <a:buFont typeface="+mj-lt"/>
+              <a:buAutoNum type="arabicPeriod"/>
+            </a:pPr>
+            <a:r>
+              <a:rPr lang="ro-RO" dirty="0" smtClean="0">
+                <a:latin typeface="Candara" panose="020E0502030303020204" pitchFamily="34" charset="0"/>
+              </a:rPr>
+              <a:t>Motivație</a:t>
+            </a:r>
+            <a:endParaRPr lang="ro-RO" dirty="0">
+              <a:latin typeface="Candara" panose="020E0502030303020204" pitchFamily="34" charset="0"/>
+            </a:endParaRPr>
+          </a:p>
+          <a:p>
+            <a:pPr>
+              <a:lnSpc>
+                <a:spcPct val="150000"/>
+              </a:lnSpc>
+              <a:buClr>
+                <a:schemeClr val="tx1"/>
+              </a:buClr>
+              <a:buFont typeface="+mj-lt"/>
+              <a:buAutoNum type="arabicPeriod"/>
+            </a:pPr>
+            <a:r>
+              <a:rPr lang="ro-RO" dirty="0">
+                <a:latin typeface="Candara" panose="020E0502030303020204" pitchFamily="34" charset="0"/>
+              </a:rPr>
+              <a:t>Aplicații </a:t>
+            </a:r>
+            <a:r>
+              <a:rPr lang="ro-RO" dirty="0" smtClean="0">
+                <a:latin typeface="Candara" panose="020E0502030303020204" pitchFamily="34" charset="0"/>
+              </a:rPr>
+              <a:t>similare</a:t>
+            </a:r>
+            <a:endParaRPr lang="ro-RO" dirty="0">
+              <a:latin typeface="Candara" panose="020E0502030303020204" pitchFamily="34" charset="0"/>
+            </a:endParaRPr>
+          </a:p>
+          <a:p>
+            <a:pPr>
+              <a:lnSpc>
+                <a:spcPct val="150000"/>
+              </a:lnSpc>
+              <a:buClr>
+                <a:schemeClr val="tx1"/>
+              </a:buClr>
+              <a:buFont typeface="+mj-lt"/>
+              <a:buAutoNum type="arabicPeriod"/>
+            </a:pPr>
+            <a:r>
+              <a:rPr lang="ro-RO" dirty="0" smtClean="0">
+                <a:latin typeface="Candara" panose="020E0502030303020204" pitchFamily="34" charset="0"/>
+              </a:rPr>
+              <a:t>Contribuții</a:t>
+            </a:r>
+            <a:endParaRPr lang="ro-RO" dirty="0">
+              <a:latin typeface="Candara" panose="020E0502030303020204" pitchFamily="34" charset="0"/>
+            </a:endParaRPr>
+          </a:p>
+          <a:p>
+            <a:pPr>
+              <a:lnSpc>
+                <a:spcPct val="150000"/>
+              </a:lnSpc>
+              <a:buClr>
+                <a:schemeClr val="tx1"/>
+              </a:buClr>
+              <a:buFont typeface="+mj-lt"/>
+              <a:buAutoNum type="arabicPeriod"/>
+            </a:pPr>
+            <a:r>
+              <a:rPr lang="ro-RO" dirty="0">
+                <a:latin typeface="Candara" panose="020E0502030303020204" pitchFamily="34" charset="0"/>
+              </a:rPr>
+              <a:t>Aplicabilitate</a:t>
+            </a:r>
+          </a:p>
+          <a:p>
+            <a:pPr>
+              <a:lnSpc>
+                <a:spcPct val="150000"/>
+              </a:lnSpc>
+              <a:buClr>
+                <a:schemeClr val="tx1"/>
+              </a:buClr>
+              <a:buFont typeface="+mj-lt"/>
+              <a:buAutoNum type="arabicPeriod"/>
+            </a:pPr>
+            <a:r>
+              <a:rPr lang="ro-RO" dirty="0">
+                <a:latin typeface="Candara" panose="020E0502030303020204" pitchFamily="34" charset="0"/>
+              </a:rPr>
+              <a:t>Arhitectura aplicației</a:t>
+            </a:r>
+          </a:p>
+          <a:p>
+            <a:pPr>
+              <a:lnSpc>
+                <a:spcPct val="150000"/>
+              </a:lnSpc>
+              <a:buClr>
+                <a:schemeClr val="tx1"/>
+              </a:buClr>
+              <a:buFont typeface="+mj-lt"/>
+              <a:buAutoNum type="arabicPeriod"/>
+            </a:pPr>
+            <a:r>
+              <a:rPr lang="ro-RO" dirty="0">
+                <a:latin typeface="Candara" panose="020E0502030303020204" pitchFamily="34" charset="0"/>
+              </a:rPr>
+              <a:t>Arhitectura bazei de date</a:t>
+            </a:r>
+          </a:p>
+          <a:p>
+            <a:pPr>
+              <a:lnSpc>
+                <a:spcPct val="150000"/>
+              </a:lnSpc>
+              <a:buClr>
+                <a:schemeClr val="tx1"/>
+              </a:buClr>
+              <a:buFont typeface="+mj-lt"/>
+              <a:buAutoNum type="arabicPeriod"/>
+            </a:pPr>
+            <a:r>
+              <a:rPr lang="ro-RO" dirty="0" smtClean="0">
+                <a:latin typeface="Candara" panose="020E0502030303020204" pitchFamily="34" charset="0"/>
+              </a:rPr>
+              <a:t>Prezentarea aplicației</a:t>
+            </a:r>
+            <a:endParaRPr lang="ro-RO" dirty="0">
+              <a:latin typeface="Candara" panose="020E0502030303020204" pitchFamily="34" charset="0"/>
+            </a:endParaRPr>
+          </a:p>
+          <a:p>
+            <a:pPr>
+              <a:lnSpc>
+                <a:spcPct val="150000"/>
+              </a:lnSpc>
+              <a:buClr>
+                <a:schemeClr val="tx1"/>
+              </a:buClr>
+              <a:buFont typeface="+mj-lt"/>
+              <a:buAutoNum type="arabicPeriod"/>
+            </a:pPr>
+            <a:r>
+              <a:rPr lang="ro-RO" dirty="0">
+                <a:latin typeface="Candara" panose="020E0502030303020204" pitchFamily="34" charset="0"/>
+              </a:rPr>
+              <a:t>Concluzii</a:t>
+            </a:r>
+            <a:endParaRPr lang="en-US" dirty="0">
+              <a:latin typeface="Candara" panose="020E0502030303020204" pitchFamily="34" charset="0"/>
+            </a:endParaRPr>
           </a:p>
         </p:txBody>
       </p:sp>
@@ -6287,20 +7209,1359 @@
     </p:spTree>
     <p:extLst>
       <p:ext uri="{BB962C8B-B14F-4D97-AF65-F5344CB8AC3E}">
-        <p14:creationId xmlns:p14="http://schemas.microsoft.com/office/powerpoint/2010/main" val="3758032204"/>
+        <p14:creationId xmlns:p14="http://schemas.microsoft.com/office/powerpoint/2010/main" val="2138903857"/>
       </p:ext>
     </p:extLst>
   </p:cSld>
   <p:clrMapOvr>
     <a:masterClrMapping/>
   </p:clrMapOvr>
+  <p:timing>
+    <p:tnLst>
+      <p:par>
+        <p:cTn id="1" dur="indefinite" restart="never" nodeType="tmRoot"/>
+      </p:par>
+    </p:tnLst>
+  </p:timing>
+</p:sld>
+</file>
+
+<file path=ppt/slides/slide3.xml><?xml version="1.0" encoding="utf-8"?>
+<p:sld xmlns:a="http://schemas.openxmlformats.org/drawingml/2006/main" xmlns:r="http://schemas.openxmlformats.org/officeDocument/2006/relationships" xmlns:p="http://schemas.openxmlformats.org/presentationml/2006/main">
+  <p:cSld>
+    <p:spTree>
+      <p:nvGrpSpPr>
+        <p:cNvPr id="1" name=""/>
+        <p:cNvGrpSpPr/>
+        <p:nvPr/>
+      </p:nvGrpSpPr>
+      <p:grpSpPr>
+        <a:xfrm>
+          <a:off x="0" y="0"/>
+          <a:ext cx="0" cy="0"/>
+          <a:chOff x="0" y="0"/>
+          <a:chExt cx="0" cy="0"/>
+        </a:xfrm>
+      </p:grpSpPr>
+      <p:sp>
+        <p:nvSpPr>
+          <p:cNvPr id="2" name="Title 1"/>
+          <p:cNvSpPr>
+            <a:spLocks noGrp="1"/>
+          </p:cNvSpPr>
+          <p:nvPr>
+            <p:ph type="title"/>
+          </p:nvPr>
+        </p:nvSpPr>
+        <p:spPr>
+          <a:xfrm>
+            <a:off x="837125" y="652388"/>
+            <a:ext cx="9213708" cy="1400530"/>
+          </a:xfrm>
+        </p:spPr>
+        <p:txBody>
+          <a:bodyPr/>
+          <a:lstStyle/>
+          <a:p>
+            <a:r>
+              <a:rPr lang="ro-RO" b="1" dirty="0" smtClean="0"/>
+              <a:t>Introducere</a:t>
+            </a:r>
+            <a:endParaRPr lang="en-US" b="1" dirty="0"/>
+          </a:p>
+        </p:txBody>
+      </p:sp>
+      <p:sp>
+        <p:nvSpPr>
+          <p:cNvPr id="3" name="Content Placeholder 2"/>
+          <p:cNvSpPr>
+            <a:spLocks noGrp="1"/>
+          </p:cNvSpPr>
+          <p:nvPr>
+            <p:ph idx="1"/>
+          </p:nvPr>
+        </p:nvSpPr>
+        <p:spPr>
+          <a:xfrm>
+            <a:off x="837126" y="2052918"/>
+            <a:ext cx="9213707" cy="4195481"/>
+          </a:xfrm>
+        </p:spPr>
+        <p:txBody>
+          <a:bodyPr/>
+          <a:lstStyle/>
+          <a:p>
+            <a:pPr lvl="1"/>
+            <a:r>
+              <a:rPr lang="ro-RO" b="1" dirty="0" smtClean="0">
+                <a:latin typeface="Candara" panose="020E0502030303020204" pitchFamily="34" charset="0"/>
+              </a:rPr>
+              <a:t>Aplicația este o platformă de învățare și testare a cunoștințelor despre limbajul </a:t>
+            </a:r>
+            <a:r>
+              <a:rPr lang="ro-RO" b="1" i="1" dirty="0" smtClean="0">
+                <a:latin typeface="Candara" panose="020E0502030303020204" pitchFamily="34" charset="0"/>
+              </a:rPr>
+              <a:t>SQL într-o formă cât mai atractivă și dinamică</a:t>
+            </a:r>
+            <a:r>
+              <a:rPr lang="ro-RO" b="1" i="1" dirty="0" smtClean="0">
+                <a:latin typeface="Candara" panose="020E0502030303020204" pitchFamily="34" charset="0"/>
+              </a:rPr>
+              <a:t>.</a:t>
+            </a:r>
+            <a:endParaRPr lang="en-US" b="1" i="1" dirty="0" smtClean="0">
+              <a:latin typeface="Candara" panose="020E0502030303020204" pitchFamily="34" charset="0"/>
+            </a:endParaRPr>
+          </a:p>
+          <a:p>
+            <a:pPr marL="457200" lvl="1" indent="0">
+              <a:buNone/>
+            </a:pPr>
+            <a:endParaRPr lang="ro-RO" b="1" i="1" dirty="0" smtClean="0">
+              <a:latin typeface="Candara" panose="020E0502030303020204" pitchFamily="34" charset="0"/>
+            </a:endParaRPr>
+          </a:p>
+          <a:p>
+            <a:pPr lvl="1"/>
+            <a:r>
+              <a:rPr lang="ro-RO" b="1" dirty="0" smtClean="0">
+                <a:latin typeface="Candara" panose="020E0502030303020204" pitchFamily="34" charset="0"/>
+              </a:rPr>
+              <a:t>Alcătuită din 2 module principale</a:t>
+            </a:r>
+            <a:r>
+              <a:rPr lang="ro-RO" b="1" dirty="0" smtClean="0">
+                <a:latin typeface="Candara" panose="020E0502030303020204" pitchFamily="34" charset="0"/>
+              </a:rPr>
+              <a:t>.</a:t>
+            </a:r>
+            <a:endParaRPr lang="en-US" b="1" dirty="0" smtClean="0">
+              <a:latin typeface="Candara" panose="020E0502030303020204" pitchFamily="34" charset="0"/>
+            </a:endParaRPr>
+          </a:p>
+          <a:p>
+            <a:pPr lvl="1"/>
+            <a:endParaRPr lang="ro-RO" b="1" dirty="0" smtClean="0">
+              <a:latin typeface="Candara" panose="020E0502030303020204" pitchFamily="34" charset="0"/>
+            </a:endParaRPr>
+          </a:p>
+          <a:p>
+            <a:pPr lvl="1"/>
+            <a:r>
+              <a:rPr lang="ro-RO" b="1" dirty="0" smtClean="0">
+                <a:latin typeface="Candara" panose="020E0502030303020204" pitchFamily="34" charset="0"/>
+              </a:rPr>
+              <a:t>Scop:</a:t>
+            </a:r>
+          </a:p>
+          <a:p>
+            <a:pPr lvl="2"/>
+            <a:r>
+              <a:rPr lang="ro-RO" b="1" dirty="0" smtClean="0">
+                <a:latin typeface="Candara" panose="020E0502030303020204" pitchFamily="34" charset="0"/>
+              </a:rPr>
+              <a:t>Oferirea unui mediu de învățare plăcut</a:t>
+            </a:r>
+          </a:p>
+          <a:p>
+            <a:pPr lvl="2"/>
+            <a:r>
+              <a:rPr lang="ro-RO" b="1" dirty="0" smtClean="0">
+                <a:latin typeface="Candara" panose="020E0502030303020204" pitchFamily="34" charset="0"/>
+              </a:rPr>
+              <a:t>Consolidarea legăturii dintre profesor și student</a:t>
+            </a:r>
+          </a:p>
+          <a:p>
+            <a:pPr lvl="2"/>
+            <a:r>
+              <a:rPr lang="ro-RO" b="1" dirty="0" smtClean="0">
+                <a:latin typeface="Candara" panose="020E0502030303020204" pitchFamily="34" charset="0"/>
+              </a:rPr>
+              <a:t>Creșterea dorinței de învățare </a:t>
+            </a:r>
+          </a:p>
+        </p:txBody>
+      </p:sp>
+      <p:sp>
+        <p:nvSpPr>
+          <p:cNvPr id="4" name="Slide Number Placeholder 3"/>
+          <p:cNvSpPr>
+            <a:spLocks noGrp="1"/>
+          </p:cNvSpPr>
+          <p:nvPr>
+            <p:ph type="sldNum" sz="quarter" idx="12"/>
+          </p:nvPr>
+        </p:nvSpPr>
+        <p:spPr/>
+        <p:txBody>
+          <a:bodyPr/>
+          <a:lstStyle/>
+          <a:p>
+            <a:fld id="{A27DEAD2-BFE6-4276-A095-8818BA2F802B}" type="slidenum">
+              <a:rPr lang="en-US" smtClean="0"/>
+              <a:t>3</a:t>
+            </a:fld>
+            <a:endParaRPr lang="en-US"/>
+          </a:p>
+        </p:txBody>
+      </p:sp>
+    </p:spTree>
+    <p:extLst>
+      <p:ext uri="{BB962C8B-B14F-4D97-AF65-F5344CB8AC3E}">
+        <p14:creationId xmlns:p14="http://schemas.microsoft.com/office/powerpoint/2010/main" val="2832597094"/>
+      </p:ext>
+    </p:extLst>
+  </p:cSld>
+  <p:clrMapOvr>
+    <a:masterClrMapping/>
+  </p:clrMapOvr>
+  <p:timing>
+    <p:tnLst>
+      <p:par>
+        <p:cTn id="1" dur="indefinite" restart="never" nodeType="tmRoot"/>
+      </p:par>
+    </p:tnLst>
+  </p:timing>
+</p:sld>
+</file>
+
+<file path=ppt/slides/slide4.xml><?xml version="1.0" encoding="utf-8"?>
+<p:sld xmlns:a="http://schemas.openxmlformats.org/drawingml/2006/main" xmlns:r="http://schemas.openxmlformats.org/officeDocument/2006/relationships" xmlns:p="http://schemas.openxmlformats.org/presentationml/2006/main">
+  <p:cSld>
+    <p:spTree>
+      <p:nvGrpSpPr>
+        <p:cNvPr id="1" name=""/>
+        <p:cNvGrpSpPr/>
+        <p:nvPr/>
+      </p:nvGrpSpPr>
+      <p:grpSpPr>
+        <a:xfrm>
+          <a:off x="0" y="0"/>
+          <a:ext cx="0" cy="0"/>
+          <a:chOff x="0" y="0"/>
+          <a:chExt cx="0" cy="0"/>
+        </a:xfrm>
+      </p:grpSpPr>
+      <p:sp>
+        <p:nvSpPr>
+          <p:cNvPr id="2" name="Title 1"/>
+          <p:cNvSpPr>
+            <a:spLocks noGrp="1"/>
+          </p:cNvSpPr>
+          <p:nvPr>
+            <p:ph type="title"/>
+          </p:nvPr>
+        </p:nvSpPr>
+        <p:spPr>
+          <a:xfrm>
+            <a:off x="874220" y="652388"/>
+            <a:ext cx="9404723" cy="1400530"/>
+          </a:xfrm>
+        </p:spPr>
+        <p:txBody>
+          <a:bodyPr/>
+          <a:lstStyle/>
+          <a:p>
+            <a:r>
+              <a:rPr lang="ro-RO" b="1" dirty="0" smtClean="0">
+                <a:latin typeface="Candara" panose="020E0502030303020204" pitchFamily="34" charset="0"/>
+              </a:rPr>
+              <a:t>Motivație</a:t>
+            </a:r>
+            <a:endParaRPr lang="en-US" b="1" dirty="0">
+              <a:latin typeface="Candara" panose="020E0502030303020204" pitchFamily="34" charset="0"/>
+            </a:endParaRPr>
+          </a:p>
+        </p:txBody>
+      </p:sp>
+      <p:sp>
+        <p:nvSpPr>
+          <p:cNvPr id="3" name="Content Placeholder 2"/>
+          <p:cNvSpPr>
+            <a:spLocks noGrp="1"/>
+          </p:cNvSpPr>
+          <p:nvPr>
+            <p:ph idx="1"/>
+          </p:nvPr>
+        </p:nvSpPr>
+        <p:spPr/>
+        <p:txBody>
+          <a:bodyPr/>
+          <a:lstStyle/>
+          <a:p>
+            <a:pPr>
+              <a:lnSpc>
+                <a:spcPct val="250000"/>
+              </a:lnSpc>
+            </a:pPr>
+            <a:r>
+              <a:rPr lang="ro-RO" b="1" dirty="0" smtClean="0"/>
+              <a:t>Capacitatea scăzută de concentrare</a:t>
+            </a:r>
+          </a:p>
+          <a:p>
+            <a:pPr>
+              <a:lnSpc>
+                <a:spcPct val="250000"/>
+              </a:lnSpc>
+            </a:pPr>
+            <a:r>
+              <a:rPr lang="ro-RO" b="1" dirty="0" smtClean="0"/>
+              <a:t>Scăderea interesului de a învăța lucruri noi</a:t>
+            </a:r>
+            <a:endParaRPr lang="ro-RO" b="1" dirty="0"/>
+          </a:p>
+          <a:p>
+            <a:pPr>
+              <a:lnSpc>
+                <a:spcPct val="250000"/>
+              </a:lnSpc>
+            </a:pPr>
+            <a:r>
+              <a:rPr lang="ro-RO" b="1" dirty="0" smtClean="0"/>
+              <a:t>Dificultatea creării unei structuri optime a materialelor teoretice</a:t>
+            </a:r>
+            <a:endParaRPr lang="en-US" b="1" dirty="0"/>
+          </a:p>
+        </p:txBody>
+      </p:sp>
+      <p:sp>
+        <p:nvSpPr>
+          <p:cNvPr id="4" name="Slide Number Placeholder 3"/>
+          <p:cNvSpPr>
+            <a:spLocks noGrp="1"/>
+          </p:cNvSpPr>
+          <p:nvPr>
+            <p:ph type="sldNum" sz="quarter" idx="12"/>
+          </p:nvPr>
+        </p:nvSpPr>
+        <p:spPr/>
+        <p:txBody>
+          <a:bodyPr/>
+          <a:lstStyle/>
+          <a:p>
+            <a:fld id="{A27DEAD2-BFE6-4276-A095-8818BA2F802B}" type="slidenum">
+              <a:rPr lang="en-US" smtClean="0"/>
+              <a:t>4</a:t>
+            </a:fld>
+            <a:endParaRPr lang="en-US"/>
+          </a:p>
+        </p:txBody>
+      </p:sp>
+    </p:spTree>
+    <p:extLst>
+      <p:ext uri="{BB962C8B-B14F-4D97-AF65-F5344CB8AC3E}">
+        <p14:creationId xmlns:p14="http://schemas.microsoft.com/office/powerpoint/2010/main" val="1479317330"/>
+      </p:ext>
+    </p:extLst>
+  </p:cSld>
+  <p:clrMapOvr>
+    <a:masterClrMapping/>
+  </p:clrMapOvr>
+  <p:timing>
+    <p:tnLst>
+      <p:par>
+        <p:cTn id="1" dur="indefinite" restart="never" nodeType="tmRoot"/>
+      </p:par>
+    </p:tnLst>
+  </p:timing>
+</p:sld>
+</file>
+
+<file path=ppt/slides/slide5.xml><?xml version="1.0" encoding="utf-8"?>
+<p:sld xmlns:a="http://schemas.openxmlformats.org/drawingml/2006/main" xmlns:r="http://schemas.openxmlformats.org/officeDocument/2006/relationships" xmlns:p="http://schemas.openxmlformats.org/presentationml/2006/main">
+  <p:cSld>
+    <p:spTree>
+      <p:nvGrpSpPr>
+        <p:cNvPr id="1" name=""/>
+        <p:cNvGrpSpPr/>
+        <p:nvPr/>
+      </p:nvGrpSpPr>
+      <p:grpSpPr>
+        <a:xfrm>
+          <a:off x="0" y="0"/>
+          <a:ext cx="0" cy="0"/>
+          <a:chOff x="0" y="0"/>
+          <a:chExt cx="0" cy="0"/>
+        </a:xfrm>
+      </p:grpSpPr>
+      <p:sp>
+        <p:nvSpPr>
+          <p:cNvPr id="2" name="Title 1"/>
+          <p:cNvSpPr>
+            <a:spLocks noGrp="1"/>
+          </p:cNvSpPr>
+          <p:nvPr>
+            <p:ph type="title"/>
+          </p:nvPr>
+        </p:nvSpPr>
+        <p:spPr>
+          <a:xfrm>
+            <a:off x="658990" y="678144"/>
+            <a:ext cx="9404723" cy="1400530"/>
+          </a:xfrm>
+        </p:spPr>
+        <p:txBody>
+          <a:bodyPr/>
+          <a:lstStyle/>
+          <a:p>
+            <a:r>
+              <a:rPr lang="ro-RO" b="1" dirty="0" smtClean="0">
+                <a:latin typeface="Candara" panose="020E0502030303020204" pitchFamily="34" charset="0"/>
+              </a:rPr>
+              <a:t>Aplicații similare</a:t>
+            </a:r>
+            <a:endParaRPr lang="en-US" b="1" dirty="0">
+              <a:latin typeface="Candara" panose="020E0502030303020204" pitchFamily="34" charset="0"/>
+            </a:endParaRPr>
+          </a:p>
+        </p:txBody>
+      </p:sp>
+      <p:sp>
+        <p:nvSpPr>
+          <p:cNvPr id="4" name="Slide Number Placeholder 3"/>
+          <p:cNvSpPr>
+            <a:spLocks noGrp="1"/>
+          </p:cNvSpPr>
+          <p:nvPr>
+            <p:ph type="sldNum" sz="quarter" idx="12"/>
+          </p:nvPr>
+        </p:nvSpPr>
+        <p:spPr/>
+        <p:txBody>
+          <a:bodyPr/>
+          <a:lstStyle/>
+          <a:p>
+            <a:fld id="{A27DEAD2-BFE6-4276-A095-8818BA2F802B}" type="slidenum">
+              <a:rPr lang="en-US" smtClean="0"/>
+              <a:t>5</a:t>
+            </a:fld>
+            <a:endParaRPr lang="en-US"/>
+          </a:p>
+        </p:txBody>
+      </p:sp>
+      <p:sp>
+        <p:nvSpPr>
+          <p:cNvPr id="3" name="Content Placeholder 2"/>
+          <p:cNvSpPr>
+            <a:spLocks noGrp="1"/>
+          </p:cNvSpPr>
+          <p:nvPr>
+            <p:ph idx="1"/>
+          </p:nvPr>
+        </p:nvSpPr>
+        <p:spPr>
+          <a:xfrm>
+            <a:off x="1095334" y="2078674"/>
+            <a:ext cx="9805094" cy="3639545"/>
+          </a:xfrm>
+        </p:spPr>
+        <p:txBody>
+          <a:bodyPr>
+            <a:normAutofit/>
+          </a:bodyPr>
+          <a:lstStyle/>
+          <a:p>
+            <a:pPr>
+              <a:lnSpc>
+                <a:spcPct val="300000"/>
+              </a:lnSpc>
+            </a:pPr>
+            <a:r>
+              <a:rPr lang="ro-RO" b="1" dirty="0" smtClean="0">
+                <a:latin typeface="Candara" panose="020E0502030303020204" pitchFamily="34" charset="0"/>
+              </a:rPr>
+              <a:t>CSS Diner - </a:t>
+            </a:r>
+            <a:r>
+              <a:rPr lang="ro-RO" b="1" dirty="0">
+                <a:latin typeface="Candara" panose="020E0502030303020204" pitchFamily="34" charset="0"/>
+                <a:hlinkClick r:id="rId2"/>
+              </a:rPr>
+              <a:t>https://</a:t>
+            </a:r>
+            <a:r>
+              <a:rPr lang="ro-RO" b="1" dirty="0" smtClean="0">
+                <a:latin typeface="Candara" panose="020E0502030303020204" pitchFamily="34" charset="0"/>
+                <a:hlinkClick r:id="rId2"/>
+              </a:rPr>
+              <a:t>flukeout.github.io</a:t>
+            </a:r>
+            <a:endParaRPr lang="ro-RO" b="1" dirty="0">
+              <a:latin typeface="Candara" panose="020E0502030303020204" pitchFamily="34" charset="0"/>
+            </a:endParaRPr>
+          </a:p>
+          <a:p>
+            <a:pPr>
+              <a:lnSpc>
+                <a:spcPct val="300000"/>
+              </a:lnSpc>
+            </a:pPr>
+            <a:r>
+              <a:rPr lang="ro-RO" b="1" dirty="0" smtClean="0">
+                <a:latin typeface="Candara" panose="020E0502030303020204" pitchFamily="34" charset="0"/>
+              </a:rPr>
+              <a:t>Aplicația de la obiectul Baze de Date, anul al-II-lea, Facultatea de Informatică, Iași</a:t>
+            </a:r>
+            <a:endParaRPr lang="en-US" b="1" dirty="0">
+              <a:latin typeface="Candara" panose="020E0502030303020204" pitchFamily="34" charset="0"/>
+            </a:endParaRPr>
+          </a:p>
+        </p:txBody>
+      </p:sp>
+    </p:spTree>
+    <p:extLst>
+      <p:ext uri="{BB962C8B-B14F-4D97-AF65-F5344CB8AC3E}">
+        <p14:creationId xmlns:p14="http://schemas.microsoft.com/office/powerpoint/2010/main" val="4285680957"/>
+      </p:ext>
+    </p:extLst>
+  </p:cSld>
+  <p:clrMapOvr>
+    <a:masterClrMapping/>
+  </p:clrMapOvr>
+  <p:timing>
+    <p:tnLst>
+      <p:par>
+        <p:cTn id="1" dur="indefinite" restart="never" nodeType="tmRoot"/>
+      </p:par>
+    </p:tnLst>
+  </p:timing>
+</p:sld>
+</file>
+
+<file path=ppt/slides/slide6.xml><?xml version="1.0" encoding="utf-8"?>
+<p:sld xmlns:a="http://schemas.openxmlformats.org/drawingml/2006/main" xmlns:r="http://schemas.openxmlformats.org/officeDocument/2006/relationships" xmlns:p="http://schemas.openxmlformats.org/presentationml/2006/main">
+  <p:cSld>
+    <p:spTree>
+      <p:nvGrpSpPr>
+        <p:cNvPr id="1" name=""/>
+        <p:cNvGrpSpPr/>
+        <p:nvPr/>
+      </p:nvGrpSpPr>
+      <p:grpSpPr>
+        <a:xfrm>
+          <a:off x="0" y="0"/>
+          <a:ext cx="0" cy="0"/>
+          <a:chOff x="0" y="0"/>
+          <a:chExt cx="0" cy="0"/>
+        </a:xfrm>
+      </p:grpSpPr>
+      <p:sp>
+        <p:nvSpPr>
+          <p:cNvPr id="2" name="Title 1"/>
+          <p:cNvSpPr>
+            <a:spLocks noGrp="1"/>
+          </p:cNvSpPr>
+          <p:nvPr>
+            <p:ph type="title"/>
+          </p:nvPr>
+        </p:nvSpPr>
+        <p:spPr>
+          <a:xfrm>
+            <a:off x="645130" y="679572"/>
+            <a:ext cx="9404723" cy="1400530"/>
+          </a:xfrm>
+        </p:spPr>
+        <p:txBody>
+          <a:bodyPr/>
+          <a:lstStyle/>
+          <a:p>
+            <a:r>
+              <a:rPr lang="ro-RO" b="1" dirty="0" smtClean="0">
+                <a:latin typeface="Candara" panose="020E0502030303020204" pitchFamily="34" charset="0"/>
+              </a:rPr>
+              <a:t>Contribuții</a:t>
+            </a:r>
+            <a:endParaRPr lang="en-US" b="1" dirty="0">
+              <a:latin typeface="Candara" panose="020E0502030303020204" pitchFamily="34" charset="0"/>
+            </a:endParaRPr>
+          </a:p>
+        </p:txBody>
+      </p:sp>
+      <p:sp>
+        <p:nvSpPr>
+          <p:cNvPr id="3" name="Content Placeholder 2"/>
+          <p:cNvSpPr>
+            <a:spLocks noGrp="1"/>
+          </p:cNvSpPr>
+          <p:nvPr>
+            <p:ph idx="1"/>
+          </p:nvPr>
+        </p:nvSpPr>
+        <p:spPr/>
+        <p:txBody>
+          <a:bodyPr/>
+          <a:lstStyle/>
+          <a:p>
+            <a:pPr>
+              <a:lnSpc>
+                <a:spcPct val="200000"/>
+              </a:lnSpc>
+            </a:pPr>
+            <a:r>
+              <a:rPr lang="ro-RO" b="1" dirty="0" smtClean="0">
+                <a:latin typeface="Candara" panose="020E0502030303020204" pitchFamily="34" charset="0"/>
+              </a:rPr>
+              <a:t>Animații și tranziții atractive</a:t>
+            </a:r>
+          </a:p>
+          <a:p>
+            <a:pPr>
+              <a:lnSpc>
+                <a:spcPct val="200000"/>
+              </a:lnSpc>
+            </a:pPr>
+            <a:r>
+              <a:rPr lang="ro-RO" b="1" dirty="0" smtClean="0">
+                <a:latin typeface="Candara" panose="020E0502030303020204" pitchFamily="34" charset="0"/>
+              </a:rPr>
+              <a:t>Salvarea progresului pe cont</a:t>
+            </a:r>
+          </a:p>
+          <a:p>
+            <a:pPr>
+              <a:lnSpc>
+                <a:spcPct val="200000"/>
+              </a:lnSpc>
+            </a:pPr>
+            <a:r>
+              <a:rPr lang="ro-RO" b="1" dirty="0" smtClean="0">
+                <a:latin typeface="Candara" panose="020E0502030303020204" pitchFamily="34" charset="0"/>
+              </a:rPr>
+              <a:t>Statistici pentru profesori</a:t>
+            </a:r>
+          </a:p>
+          <a:p>
+            <a:pPr>
+              <a:lnSpc>
+                <a:spcPct val="200000"/>
+              </a:lnSpc>
+            </a:pPr>
+            <a:r>
+              <a:rPr lang="ro-RO" b="1" dirty="0" smtClean="0">
+                <a:latin typeface="Candara" panose="020E0502030303020204" pitchFamily="34" charset="0"/>
+              </a:rPr>
+              <a:t>Barem ce se poate modifica</a:t>
+            </a:r>
+          </a:p>
+        </p:txBody>
+      </p:sp>
+      <p:sp>
+        <p:nvSpPr>
+          <p:cNvPr id="4" name="Slide Number Placeholder 3"/>
+          <p:cNvSpPr>
+            <a:spLocks noGrp="1"/>
+          </p:cNvSpPr>
+          <p:nvPr>
+            <p:ph type="sldNum" sz="quarter" idx="12"/>
+          </p:nvPr>
+        </p:nvSpPr>
+        <p:spPr/>
+        <p:txBody>
+          <a:bodyPr/>
+          <a:lstStyle/>
+          <a:p>
+            <a:fld id="{A27DEAD2-BFE6-4276-A095-8818BA2F802B}" type="slidenum">
+              <a:rPr lang="en-US" smtClean="0"/>
+              <a:t>6</a:t>
+            </a:fld>
+            <a:endParaRPr lang="en-US"/>
+          </a:p>
+        </p:txBody>
+      </p:sp>
+    </p:spTree>
+    <p:extLst>
+      <p:ext uri="{BB962C8B-B14F-4D97-AF65-F5344CB8AC3E}">
+        <p14:creationId xmlns:p14="http://schemas.microsoft.com/office/powerpoint/2010/main" val="4194501880"/>
+      </p:ext>
+    </p:extLst>
+  </p:cSld>
+  <p:clrMapOvr>
+    <a:masterClrMapping/>
+  </p:clrMapOvr>
+  <p:timing>
+    <p:tnLst>
+      <p:par>
+        <p:cTn id="1" dur="indefinite" restart="never" nodeType="tmRoot"/>
+      </p:par>
+    </p:tnLst>
+  </p:timing>
+</p:sld>
+</file>
+
+<file path=ppt/slides/slide7.xml><?xml version="1.0" encoding="utf-8"?>
+<p:sld xmlns:a="http://schemas.openxmlformats.org/drawingml/2006/main" xmlns:r="http://schemas.openxmlformats.org/officeDocument/2006/relationships" xmlns:p="http://schemas.openxmlformats.org/presentationml/2006/main">
+  <p:cSld>
+    <p:spTree>
+      <p:nvGrpSpPr>
+        <p:cNvPr id="1" name=""/>
+        <p:cNvGrpSpPr/>
+        <p:nvPr/>
+      </p:nvGrpSpPr>
+      <p:grpSpPr>
+        <a:xfrm>
+          <a:off x="0" y="0"/>
+          <a:ext cx="0" cy="0"/>
+          <a:chOff x="0" y="0"/>
+          <a:chExt cx="0" cy="0"/>
+        </a:xfrm>
+      </p:grpSpPr>
+      <p:sp>
+        <p:nvSpPr>
+          <p:cNvPr id="2" name="Title 1"/>
+          <p:cNvSpPr>
+            <a:spLocks noGrp="1"/>
+          </p:cNvSpPr>
+          <p:nvPr>
+            <p:ph type="title"/>
+          </p:nvPr>
+        </p:nvSpPr>
+        <p:spPr>
+          <a:xfrm>
+            <a:off x="646111" y="679572"/>
+            <a:ext cx="9404723" cy="1400530"/>
+          </a:xfrm>
+        </p:spPr>
+        <p:txBody>
+          <a:bodyPr/>
+          <a:lstStyle/>
+          <a:p>
+            <a:r>
+              <a:rPr lang="ro-RO" b="1" dirty="0" smtClean="0">
+                <a:latin typeface="Candara" panose="020E0502030303020204" pitchFamily="34" charset="0"/>
+              </a:rPr>
+              <a:t>Aplicabilitate</a:t>
+            </a:r>
+            <a:endParaRPr lang="en-US" b="1" dirty="0">
+              <a:latin typeface="Candara" panose="020E0502030303020204" pitchFamily="34" charset="0"/>
+            </a:endParaRPr>
+          </a:p>
+        </p:txBody>
+      </p:sp>
+      <p:sp>
+        <p:nvSpPr>
+          <p:cNvPr id="3" name="Content Placeholder 2"/>
+          <p:cNvSpPr>
+            <a:spLocks noGrp="1"/>
+          </p:cNvSpPr>
+          <p:nvPr>
+            <p:ph idx="1"/>
+          </p:nvPr>
+        </p:nvSpPr>
+        <p:spPr>
+          <a:xfrm>
+            <a:off x="1104293" y="1853248"/>
+            <a:ext cx="8946541" cy="4195481"/>
+          </a:xfrm>
+        </p:spPr>
+        <p:txBody>
+          <a:bodyPr>
+            <a:normAutofit lnSpcReduction="10000"/>
+          </a:bodyPr>
+          <a:lstStyle/>
+          <a:p>
+            <a:pPr>
+              <a:lnSpc>
+                <a:spcPct val="250000"/>
+              </a:lnSpc>
+            </a:pPr>
+            <a:r>
+              <a:rPr lang="ro-RO" b="1" dirty="0" smtClean="0">
+                <a:latin typeface="Candara" panose="020E0502030303020204" pitchFamily="34" charset="0"/>
+              </a:rPr>
+              <a:t>Instituții precum:</a:t>
+            </a:r>
+          </a:p>
+          <a:p>
+            <a:pPr lvl="1">
+              <a:lnSpc>
+                <a:spcPct val="250000"/>
+              </a:lnSpc>
+            </a:pPr>
+            <a:r>
+              <a:rPr lang="ro-RO" b="1" dirty="0" smtClean="0">
+                <a:latin typeface="Candara" panose="020E0502030303020204" pitchFamily="34" charset="0"/>
+              </a:rPr>
+              <a:t>Liceu</a:t>
+            </a:r>
+          </a:p>
+          <a:p>
+            <a:pPr lvl="1">
+              <a:lnSpc>
+                <a:spcPct val="250000"/>
+              </a:lnSpc>
+            </a:pPr>
+            <a:r>
+              <a:rPr lang="ro-RO" b="1" dirty="0" smtClean="0">
+                <a:latin typeface="Candara" panose="020E0502030303020204" pitchFamily="34" charset="0"/>
+              </a:rPr>
+              <a:t>Facultate</a:t>
+            </a:r>
+          </a:p>
+          <a:p>
+            <a:pPr>
+              <a:lnSpc>
+                <a:spcPct val="250000"/>
+              </a:lnSpc>
+            </a:pPr>
+            <a:r>
+              <a:rPr lang="ro-RO" b="1" dirty="0" smtClean="0">
+                <a:latin typeface="Candara" panose="020E0502030303020204" pitchFamily="34" charset="0"/>
+              </a:rPr>
+              <a:t>Domeniul privat</a:t>
+            </a:r>
+          </a:p>
+          <a:p>
+            <a:pPr>
+              <a:lnSpc>
+                <a:spcPct val="250000"/>
+              </a:lnSpc>
+            </a:pPr>
+            <a:r>
+              <a:rPr lang="ro-RO" b="1" dirty="0" smtClean="0">
+                <a:latin typeface="Candara" panose="020E0502030303020204" pitchFamily="34" charset="0"/>
+              </a:rPr>
+              <a:t>Online</a:t>
+            </a:r>
+          </a:p>
+          <a:p>
+            <a:pPr marL="457200" lvl="1" indent="0">
+              <a:lnSpc>
+                <a:spcPct val="250000"/>
+              </a:lnSpc>
+              <a:buNone/>
+            </a:pPr>
+            <a:endParaRPr lang="ro-RO" b="1" dirty="0" smtClean="0">
+              <a:latin typeface="Candara" panose="020E0502030303020204" pitchFamily="34" charset="0"/>
+            </a:endParaRPr>
+          </a:p>
+          <a:p>
+            <a:pPr marL="457200" lvl="1" indent="0">
+              <a:lnSpc>
+                <a:spcPct val="250000"/>
+              </a:lnSpc>
+              <a:buNone/>
+            </a:pPr>
+            <a:endParaRPr lang="ro-RO" b="1" dirty="0" smtClean="0">
+              <a:latin typeface="Candara" panose="020E0502030303020204" pitchFamily="34" charset="0"/>
+            </a:endParaRPr>
+          </a:p>
+        </p:txBody>
+      </p:sp>
+      <p:sp>
+        <p:nvSpPr>
+          <p:cNvPr id="4" name="Slide Number Placeholder 3"/>
+          <p:cNvSpPr>
+            <a:spLocks noGrp="1"/>
+          </p:cNvSpPr>
+          <p:nvPr>
+            <p:ph type="sldNum" sz="quarter" idx="12"/>
+          </p:nvPr>
+        </p:nvSpPr>
+        <p:spPr/>
+        <p:txBody>
+          <a:bodyPr/>
+          <a:lstStyle/>
+          <a:p>
+            <a:fld id="{A27DEAD2-BFE6-4276-A095-8818BA2F802B}" type="slidenum">
+              <a:rPr lang="en-US" smtClean="0"/>
+              <a:t>7</a:t>
+            </a:fld>
+            <a:endParaRPr lang="en-US"/>
+          </a:p>
+        </p:txBody>
+      </p:sp>
+    </p:spTree>
+    <p:extLst>
+      <p:ext uri="{BB962C8B-B14F-4D97-AF65-F5344CB8AC3E}">
+        <p14:creationId xmlns:p14="http://schemas.microsoft.com/office/powerpoint/2010/main" val="1059745810"/>
+      </p:ext>
+    </p:extLst>
+  </p:cSld>
+  <p:clrMapOvr>
+    <a:masterClrMapping/>
+  </p:clrMapOvr>
+  <p:timing>
+    <p:tnLst>
+      <p:par>
+        <p:cTn id="1" dur="indefinite" restart="never" nodeType="tmRoot"/>
+      </p:par>
+    </p:tnLst>
+  </p:timing>
+</p:sld>
+</file>
+
+<file path=ppt/slides/slide8.xml><?xml version="1.0" encoding="utf-8"?>
+<p:sld xmlns:a="http://schemas.openxmlformats.org/drawingml/2006/main" xmlns:r="http://schemas.openxmlformats.org/officeDocument/2006/relationships" xmlns:p="http://schemas.openxmlformats.org/presentationml/2006/main">
+  <p:cSld>
+    <p:spTree>
+      <p:nvGrpSpPr>
+        <p:cNvPr id="1" name=""/>
+        <p:cNvGrpSpPr/>
+        <p:nvPr/>
+      </p:nvGrpSpPr>
+      <p:grpSpPr>
+        <a:xfrm>
+          <a:off x="0" y="0"/>
+          <a:ext cx="0" cy="0"/>
+          <a:chOff x="0" y="0"/>
+          <a:chExt cx="0" cy="0"/>
+        </a:xfrm>
+      </p:grpSpPr>
+      <p:sp>
+        <p:nvSpPr>
+          <p:cNvPr id="2" name="Title 1"/>
+          <p:cNvSpPr>
+            <a:spLocks noGrp="1"/>
+          </p:cNvSpPr>
+          <p:nvPr>
+            <p:ph type="title"/>
+          </p:nvPr>
+        </p:nvSpPr>
+        <p:spPr>
+          <a:xfrm>
+            <a:off x="620353" y="679572"/>
+            <a:ext cx="9404723" cy="1400530"/>
+          </a:xfrm>
+        </p:spPr>
+        <p:txBody>
+          <a:bodyPr/>
+          <a:lstStyle/>
+          <a:p>
+            <a:r>
+              <a:rPr lang="ro-RO" b="1" dirty="0" smtClean="0">
+                <a:latin typeface="Candara" panose="020E0502030303020204" pitchFamily="34" charset="0"/>
+              </a:rPr>
+              <a:t>Arhitectura aplicației</a:t>
+            </a:r>
+            <a:endParaRPr lang="en-US" b="1" dirty="0">
+              <a:latin typeface="Candara" panose="020E0502030303020204" pitchFamily="34" charset="0"/>
+            </a:endParaRPr>
+          </a:p>
+        </p:txBody>
+      </p:sp>
+      <p:sp>
+        <p:nvSpPr>
+          <p:cNvPr id="4" name="Slide Number Placeholder 3"/>
+          <p:cNvSpPr>
+            <a:spLocks noGrp="1"/>
+          </p:cNvSpPr>
+          <p:nvPr>
+            <p:ph type="sldNum" sz="quarter" idx="12"/>
+          </p:nvPr>
+        </p:nvSpPr>
+        <p:spPr/>
+        <p:txBody>
+          <a:bodyPr/>
+          <a:lstStyle/>
+          <a:p>
+            <a:fld id="{A27DEAD2-BFE6-4276-A095-8818BA2F802B}" type="slidenum">
+              <a:rPr lang="en-US" smtClean="0"/>
+              <a:t>8</a:t>
+            </a:fld>
+            <a:endParaRPr lang="en-US"/>
+          </a:p>
+        </p:txBody>
+      </p:sp>
+      <p:pic>
+        <p:nvPicPr>
+          <p:cNvPr id="7" name="Content Placeholder 6"/>
+          <p:cNvPicPr>
+            <a:picLocks noGrp="1" noChangeAspect="1"/>
+          </p:cNvPicPr>
+          <p:nvPr>
+            <p:ph idx="1"/>
+          </p:nvPr>
+        </p:nvPicPr>
+        <p:blipFill>
+          <a:blip r:embed="rId2">
+            <a:extLst>
+              <a:ext uri="{28A0092B-C50C-407E-A947-70E740481C1C}">
+                <a14:useLocalDpi xmlns:a14="http://schemas.microsoft.com/office/drawing/2010/main" val="0"/>
+              </a:ext>
+            </a:extLst>
+          </a:blip>
+          <a:stretch>
+            <a:fillRect/>
+          </a:stretch>
+        </p:blipFill>
+        <p:spPr>
+          <a:xfrm>
+            <a:off x="968083" y="1853248"/>
+            <a:ext cx="3855479" cy="4085455"/>
+          </a:xfrm>
+          <a:prstGeom prst="roundRect">
+            <a:avLst>
+              <a:gd name="adj" fmla="val 8594"/>
+            </a:avLst>
+          </a:prstGeom>
+          <a:solidFill>
+            <a:srgbClr val="FFFFFF">
+              <a:shade val="85000"/>
+            </a:srgbClr>
+          </a:solidFill>
+          <a:ln>
+            <a:noFill/>
+          </a:ln>
+          <a:effectLst/>
+        </p:spPr>
+      </p:pic>
+      <p:sp>
+        <p:nvSpPr>
+          <p:cNvPr id="8" name="TextBox 7"/>
+          <p:cNvSpPr txBox="1"/>
+          <p:nvPr/>
+        </p:nvSpPr>
+        <p:spPr>
+          <a:xfrm>
+            <a:off x="6316453" y="1853248"/>
+            <a:ext cx="6246608" cy="4016484"/>
+          </a:xfrm>
+          <a:prstGeom prst="rect">
+            <a:avLst/>
+          </a:prstGeom>
+          <a:noFill/>
+        </p:spPr>
+        <p:txBody>
+          <a:bodyPr wrap="square" rtlCol="0">
+            <a:spAutoFit/>
+          </a:bodyPr>
+          <a:lstStyle/>
+          <a:p>
+            <a:pPr marL="285750" indent="-285750">
+              <a:spcAft>
+                <a:spcPts val="1000"/>
+              </a:spcAft>
+              <a:buFont typeface="Wingdings" panose="05000000000000000000" pitchFamily="2" charset="2"/>
+              <a:buChar char="Ø"/>
+            </a:pPr>
+            <a:r>
+              <a:rPr lang="ro-RO" b="1" dirty="0" smtClean="0">
+                <a:latin typeface="Candara" panose="020E0502030303020204" pitchFamily="34" charset="0"/>
+              </a:rPr>
+              <a:t>Aplicația este formată din 2 module:</a:t>
+            </a:r>
+          </a:p>
+          <a:p>
+            <a:pPr marL="742950" lvl="1" indent="-285750">
+              <a:spcAft>
+                <a:spcPts val="1000"/>
+              </a:spcAft>
+              <a:buFont typeface="Arial" panose="020B0604020202020204" pitchFamily="34" charset="0"/>
+              <a:buChar char="•"/>
+            </a:pPr>
+            <a:r>
+              <a:rPr lang="ro-RO" b="1" dirty="0" smtClean="0">
+                <a:latin typeface="Candara" panose="020E0502030303020204" pitchFamily="34" charset="0"/>
+              </a:rPr>
+              <a:t>Modulul </a:t>
+            </a:r>
+            <a:r>
+              <a:rPr lang="ro-RO" b="1" i="1" dirty="0" smtClean="0">
+                <a:latin typeface="Candara" panose="020E0502030303020204" pitchFamily="34" charset="0"/>
+              </a:rPr>
+              <a:t>Accounts</a:t>
+            </a:r>
+          </a:p>
+          <a:p>
+            <a:pPr marL="742950" lvl="1" indent="-285750">
+              <a:spcAft>
+                <a:spcPts val="1000"/>
+              </a:spcAft>
+              <a:buFont typeface="Arial" panose="020B0604020202020204" pitchFamily="34" charset="0"/>
+              <a:buChar char="•"/>
+            </a:pPr>
+            <a:r>
+              <a:rPr lang="ro-RO" b="1" dirty="0" smtClean="0">
+                <a:latin typeface="Candara" panose="020E0502030303020204" pitchFamily="34" charset="0"/>
+              </a:rPr>
+              <a:t>Modulul </a:t>
+            </a:r>
+            <a:r>
+              <a:rPr lang="ro-RO" b="1" i="1" dirty="0" smtClean="0">
+                <a:latin typeface="Candara" panose="020E0502030303020204" pitchFamily="34" charset="0"/>
+              </a:rPr>
+              <a:t>Exercises</a:t>
+            </a:r>
+          </a:p>
+          <a:p>
+            <a:pPr lvl="1">
+              <a:spcAft>
+                <a:spcPts val="1000"/>
+              </a:spcAft>
+            </a:pPr>
+            <a:endParaRPr lang="ro-RO" b="1" i="1" dirty="0" smtClean="0">
+              <a:latin typeface="Candara" panose="020E0502030303020204" pitchFamily="34" charset="0"/>
+            </a:endParaRPr>
+          </a:p>
+          <a:p>
+            <a:pPr marL="285750" indent="-285750">
+              <a:spcAft>
+                <a:spcPts val="1000"/>
+              </a:spcAft>
+              <a:buFont typeface="Wingdings" panose="05000000000000000000" pitchFamily="2" charset="2"/>
+              <a:buChar char="Ø"/>
+            </a:pPr>
+            <a:r>
+              <a:rPr lang="ro-RO" b="1" dirty="0" smtClean="0">
+                <a:latin typeface="Candara" panose="020E0502030303020204" pitchFamily="34" charset="0"/>
+              </a:rPr>
+              <a:t>Include 4 nivele de acces + 1 </a:t>
+            </a:r>
+            <a:r>
+              <a:rPr lang="ro-RO" b="1" i="1" dirty="0" smtClean="0">
+                <a:latin typeface="Candara" panose="020E0502030303020204" pitchFamily="34" charset="0"/>
+              </a:rPr>
+              <a:t>default</a:t>
+            </a:r>
+            <a:r>
+              <a:rPr lang="ro-RO" b="1" dirty="0" smtClean="0">
+                <a:latin typeface="Candara" panose="020E0502030303020204" pitchFamily="34" charset="0"/>
+              </a:rPr>
+              <a:t>:</a:t>
+            </a:r>
+          </a:p>
+          <a:p>
+            <a:pPr marL="742950" lvl="1" indent="-285750">
+              <a:spcAft>
+                <a:spcPts val="1000"/>
+              </a:spcAft>
+              <a:buFont typeface="Arial" panose="020B0604020202020204" pitchFamily="34" charset="0"/>
+              <a:buChar char="•"/>
+            </a:pPr>
+            <a:r>
+              <a:rPr lang="ro-RO" b="1" dirty="0" smtClean="0">
+                <a:latin typeface="Candara" panose="020E0502030303020204" pitchFamily="34" charset="0"/>
+              </a:rPr>
+              <a:t>Utilizator neînregistrat</a:t>
+            </a:r>
+          </a:p>
+          <a:p>
+            <a:pPr marL="742950" lvl="1" indent="-285750">
+              <a:spcAft>
+                <a:spcPts val="1000"/>
+              </a:spcAft>
+              <a:buFont typeface="Arial" panose="020B0604020202020204" pitchFamily="34" charset="0"/>
+              <a:buChar char="•"/>
+            </a:pPr>
+            <a:r>
+              <a:rPr lang="ro-RO" b="1" dirty="0" smtClean="0">
+                <a:latin typeface="Candara" panose="020E0502030303020204" pitchFamily="34" charset="0"/>
+              </a:rPr>
+              <a:t>Utilizator înregistrat</a:t>
+            </a:r>
+          </a:p>
+          <a:p>
+            <a:pPr marL="742950" lvl="1" indent="-285750">
+              <a:spcAft>
+                <a:spcPts val="1000"/>
+              </a:spcAft>
+              <a:buFont typeface="Arial" panose="020B0604020202020204" pitchFamily="34" charset="0"/>
+              <a:buChar char="•"/>
+            </a:pPr>
+            <a:r>
+              <a:rPr lang="ro-RO" b="1" dirty="0" smtClean="0">
+                <a:latin typeface="Candara" panose="020E0502030303020204" pitchFamily="34" charset="0"/>
+              </a:rPr>
+              <a:t>Profesor</a:t>
+            </a:r>
+          </a:p>
+          <a:p>
+            <a:pPr marL="742950" lvl="1" indent="-285750">
+              <a:spcAft>
+                <a:spcPts val="1000"/>
+              </a:spcAft>
+              <a:buFont typeface="Arial" panose="020B0604020202020204" pitchFamily="34" charset="0"/>
+              <a:buChar char="•"/>
+            </a:pPr>
+            <a:r>
+              <a:rPr lang="ro-RO" b="1" i="1" dirty="0" smtClean="0">
+                <a:latin typeface="Candara" panose="020E0502030303020204" pitchFamily="34" charset="0"/>
+              </a:rPr>
+              <a:t>Admin</a:t>
+            </a:r>
+          </a:p>
+          <a:p>
+            <a:pPr marL="742950" lvl="1" indent="-285750">
+              <a:spcAft>
+                <a:spcPts val="1000"/>
+              </a:spcAft>
+              <a:buFont typeface="Arial" panose="020B0604020202020204" pitchFamily="34" charset="0"/>
+              <a:buChar char="•"/>
+            </a:pPr>
+            <a:r>
+              <a:rPr lang="ro-RO" b="1" i="1" dirty="0" smtClean="0">
+                <a:latin typeface="Candara" panose="020E0502030303020204" pitchFamily="34" charset="0"/>
+              </a:rPr>
+              <a:t>Administrator</a:t>
+            </a:r>
+            <a:endParaRPr lang="en-US" b="1" i="1" dirty="0">
+              <a:latin typeface="Candara" panose="020E0502030303020204" pitchFamily="34" charset="0"/>
+            </a:endParaRPr>
+          </a:p>
+        </p:txBody>
+      </p:sp>
+    </p:spTree>
+    <p:extLst>
+      <p:ext uri="{BB962C8B-B14F-4D97-AF65-F5344CB8AC3E}">
+        <p14:creationId xmlns:p14="http://schemas.microsoft.com/office/powerpoint/2010/main" val="3290954155"/>
+      </p:ext>
+    </p:extLst>
+  </p:cSld>
+  <p:clrMapOvr>
+    <a:masterClrMapping/>
+  </p:clrMapOvr>
+  <p:timing>
+    <p:tnLst>
+      <p:par>
+        <p:cTn id="1" dur="indefinite" restart="never" nodeType="tmRoot"/>
+      </p:par>
+    </p:tnLst>
+  </p:timing>
+</p:sld>
+</file>
+
+<file path=ppt/slides/slide9.xml><?xml version="1.0" encoding="utf-8"?>
+<p:sld xmlns:a="http://schemas.openxmlformats.org/drawingml/2006/main" xmlns:r="http://schemas.openxmlformats.org/officeDocument/2006/relationships" xmlns:p="http://schemas.openxmlformats.org/presentationml/2006/main">
+  <p:cSld>
+    <p:spTree>
+      <p:nvGrpSpPr>
+        <p:cNvPr id="1" name=""/>
+        <p:cNvGrpSpPr/>
+        <p:nvPr/>
+      </p:nvGrpSpPr>
+      <p:grpSpPr>
+        <a:xfrm>
+          <a:off x="0" y="0"/>
+          <a:ext cx="0" cy="0"/>
+          <a:chOff x="0" y="0"/>
+          <a:chExt cx="0" cy="0"/>
+        </a:xfrm>
+      </p:grpSpPr>
+      <p:sp>
+        <p:nvSpPr>
+          <p:cNvPr id="2" name="Title 1"/>
+          <p:cNvSpPr>
+            <a:spLocks noGrp="1"/>
+          </p:cNvSpPr>
+          <p:nvPr>
+            <p:ph type="title"/>
+          </p:nvPr>
+        </p:nvSpPr>
+        <p:spPr>
+          <a:xfrm>
+            <a:off x="646111" y="679572"/>
+            <a:ext cx="9404723" cy="1400530"/>
+          </a:xfrm>
+        </p:spPr>
+        <p:txBody>
+          <a:bodyPr/>
+          <a:lstStyle/>
+          <a:p>
+            <a:r>
+              <a:rPr lang="ro-RO" b="1" dirty="0" smtClean="0">
+                <a:latin typeface="Candara" panose="020E0502030303020204" pitchFamily="34" charset="0"/>
+              </a:rPr>
+              <a:t>Arhitectura bazei de date</a:t>
+            </a:r>
+            <a:endParaRPr lang="en-US" b="1" dirty="0">
+              <a:latin typeface="Candara" panose="020E0502030303020204" pitchFamily="34" charset="0"/>
+            </a:endParaRPr>
+          </a:p>
+        </p:txBody>
+      </p:sp>
+      <p:pic>
+        <p:nvPicPr>
+          <p:cNvPr id="5" name="Content Placeholder 4"/>
+          <p:cNvPicPr>
+            <a:picLocks noGrp="1" noChangeAspect="1"/>
+          </p:cNvPicPr>
+          <p:nvPr>
+            <p:ph idx="1"/>
+          </p:nvPr>
+        </p:nvPicPr>
+        <p:blipFill>
+          <a:blip r:embed="rId2">
+            <a:extLst>
+              <a:ext uri="{28A0092B-C50C-407E-A947-70E740481C1C}">
+                <a14:useLocalDpi xmlns:a14="http://schemas.microsoft.com/office/drawing/2010/main" val="0"/>
+              </a:ext>
+            </a:extLst>
+          </a:blip>
+          <a:stretch>
+            <a:fillRect/>
+          </a:stretch>
+        </p:blipFill>
+        <p:spPr>
+          <a:xfrm>
+            <a:off x="2396636" y="1622738"/>
+            <a:ext cx="7290222" cy="5012028"/>
+          </a:xfrm>
+          <a:prstGeom prst="roundRect">
+            <a:avLst>
+              <a:gd name="adj" fmla="val 8594"/>
+            </a:avLst>
+          </a:prstGeom>
+          <a:solidFill>
+            <a:srgbClr val="FFFFFF">
+              <a:shade val="85000"/>
+            </a:srgbClr>
+          </a:solidFill>
+          <a:ln>
+            <a:noFill/>
+          </a:ln>
+          <a:effectLst/>
+        </p:spPr>
+      </p:pic>
+      <p:sp>
+        <p:nvSpPr>
+          <p:cNvPr id="4" name="Slide Number Placeholder 3"/>
+          <p:cNvSpPr>
+            <a:spLocks noGrp="1"/>
+          </p:cNvSpPr>
+          <p:nvPr>
+            <p:ph type="sldNum" sz="quarter" idx="12"/>
+          </p:nvPr>
+        </p:nvSpPr>
+        <p:spPr/>
+        <p:txBody>
+          <a:bodyPr/>
+          <a:lstStyle/>
+          <a:p>
+            <a:fld id="{A27DEAD2-BFE6-4276-A095-8818BA2F802B}" type="slidenum">
+              <a:rPr lang="en-US" smtClean="0"/>
+              <a:t>9</a:t>
+            </a:fld>
+            <a:endParaRPr lang="en-US"/>
+          </a:p>
+        </p:txBody>
+      </p:sp>
+    </p:spTree>
+    <p:extLst>
+      <p:ext uri="{BB962C8B-B14F-4D97-AF65-F5344CB8AC3E}">
+        <p14:creationId xmlns:p14="http://schemas.microsoft.com/office/powerpoint/2010/main" val="2433708479"/>
+      </p:ext>
+    </p:extLst>
+  </p:cSld>
+  <p:clrMapOvr>
+    <a:masterClrMapping/>
+  </p:clrMapOvr>
+  <p:timing>
+    <p:tnLst>
+      <p:par>
+        <p:cTn id="1" dur="indefinite" restart="never" nodeType="tmRoot"/>
+      </p:par>
+    </p:tnLst>
+  </p:timing>
 </p:sld>
 </file>
 
 <file path=ppt/theme/theme1.xml><?xml version="1.0" encoding="utf-8"?>
-<a:theme xmlns:a="http://schemas.openxmlformats.org/drawingml/2006/main" name="Mesh">
+<a:theme xmlns:a="http://schemas.openxmlformats.org/drawingml/2006/main" name="Ion">
   <a:themeElements>
-    <a:clrScheme name="Mesh">
+    <a:clrScheme name="Custom 1">
       <a:dk1>
         <a:sysClr val="windowText" lastClr="000000"/>
       </a:dk1>
@@ -6308,48 +8569,83 @@
         <a:sysClr val="window" lastClr="FFFFFF"/>
       </a:lt1>
       <a:dk2>
-        <a:srgbClr val="363D46"/>
+        <a:srgbClr val="335B74"/>
       </a:dk2>
       <a:lt2>
-        <a:srgbClr val="EBEBEB"/>
+        <a:srgbClr val="DFE3E5"/>
       </a:lt2>
       <a:accent1>
-        <a:srgbClr val="6F6F6F"/>
+        <a:srgbClr val="1CADE4"/>
       </a:accent1>
       <a:accent2>
-        <a:srgbClr val="BFBFA5"/>
+        <a:srgbClr val="2683C6"/>
       </a:accent2>
       <a:accent3>
-        <a:srgbClr val="DCD084"/>
+        <a:srgbClr val="27CED7"/>
       </a:accent3>
       <a:accent4>
-        <a:srgbClr val="E7BF5F"/>
+        <a:srgbClr val="42BA97"/>
       </a:accent4>
       <a:accent5>
-        <a:srgbClr val="E9A039"/>
+        <a:srgbClr val="3E8853"/>
       </a:accent5>
       <a:accent6>
-        <a:srgbClr val="CF7133"/>
+        <a:srgbClr val="62A39F"/>
       </a:accent6>
       <a:hlink>
-        <a:srgbClr val="F28943"/>
+        <a:srgbClr val="FFFFFF"/>
       </a:hlink>
       <a:folHlink>
-        <a:srgbClr val="F1B76C"/>
+        <a:srgbClr val="B26B02"/>
       </a:folHlink>
     </a:clrScheme>
-    <a:fontScheme name="Mesh">
+    <a:fontScheme name="Ion">
       <a:majorFont>
         <a:latin typeface="Century Gothic" panose="020B0502020202020204"/>
         <a:ea typeface=""/>
         <a:cs typeface=""/>
-        <a:font script="Jpan" typeface="ＭＳ ゴシック"/>
+        <a:font script="Jpan" typeface="メイリオ"/>
         <a:font script="Hang" typeface="맑은 고딕"/>
         <a:font script="Hans" typeface="宋体"/>
         <a:font script="Hant" typeface="新細明體"/>
-        <a:font script="Arab" typeface="Tahoma"/>
-        <a:font script="Hebr" typeface="Gisha"/>
-        <a:font script="Thai" typeface="DilleniaUPC"/>
+        <a:font script="Arab" typeface="Times New Roman"/>
+        <a:font script="Hebr" typeface="Times New Roman"/>
+        <a:font script="Thai" typeface="Angsana New"/>
+        <a:font script="Ethi" typeface="Nyala"/>
+        <a:font script="Beng" typeface="Vrinda"/>
+        <a:font script="Gujr" typeface="Shruti"/>
+        <a:font script="Khmr" typeface="MoolBoran"/>
+        <a:font script="Knda" typeface="Tunga"/>
+        <a:font script="Guru" typeface="Raavi"/>
+        <a:font script="Cans" typeface="Euphemia"/>
+        <a:font script="Cher" typeface="Plantagenet Cherokee"/>
+        <a:font script="Yiii" typeface="Microsoft Yi Baiti"/>
+        <a:font script="Tibt" typeface="Microsoft Himalaya"/>
+        <a:font script="Thaa" typeface="MV Boli"/>
+        <a:font script="Deva" typeface="Mangal"/>
+        <a:font script="Telu" typeface="Gautami"/>
+        <a:font script="Taml" typeface="Latha"/>
+        <a:font script="Syrc" typeface="Estrangelo Edessa"/>
+        <a:font script="Orya" typeface="Kalinga"/>
+        <a:font script="Mlym" typeface="Kartika"/>
+        <a:font script="Laoo" typeface="DokChampa"/>
+        <a:font script="Sinh" typeface="Iskoola Pota"/>
+        <a:font script="Mong" typeface="Mongolian Baiti"/>
+        <a:font script="Viet" typeface="Times New Roman"/>
+        <a:font script="Uigh" typeface="Microsoft Uighur"/>
+        <a:font script="Geor" typeface="Sylfaen"/>
+      </a:majorFont>
+      <a:minorFont>
+        <a:latin typeface="Century Gothic" panose="020B0502020202020204"/>
+        <a:ea typeface=""/>
+        <a:cs typeface=""/>
+        <a:font script="Jpan" typeface="メイリオ"/>
+        <a:font script="Hang" typeface="맑은 고딕"/>
+        <a:font script="Hans" typeface="宋体"/>
+        <a:font script="Hant" typeface="新細明體"/>
+        <a:font script="Arab" typeface="Arial"/>
+        <a:font script="Hebr" typeface="Arial"/>
+        <a:font script="Thai" typeface="Cordia New"/>
         <a:font script="Ethi" typeface="Nyala"/>
         <a:font script="Beng" typeface="Vrinda"/>
         <a:font script="Gujr" typeface="Shruti"/>
@@ -6370,47 +8666,12 @@
         <a:font script="Laoo" typeface="DokChampa"/>
         <a:font script="Sinh" typeface="Iskoola Pota"/>
         <a:font script="Mong" typeface="Mongolian Baiti"/>
-        <a:font script="Viet" typeface="Tahoma"/>
-        <a:font script="Uigh" typeface="Microsoft Uighur"/>
-        <a:font script="Geor" typeface="Sylfaen"/>
-      </a:majorFont>
-      <a:minorFont>
-        <a:latin typeface="Century Gothic" panose="020B0502020202020204"/>
-        <a:ea typeface=""/>
-        <a:cs typeface=""/>
-        <a:font script="Jpan" typeface="ＭＳ ゴシック"/>
-        <a:font script="Hang" typeface="맑은 고딕"/>
-        <a:font script="Hans" typeface="宋体"/>
-        <a:font script="Hant" typeface="新細明體"/>
-        <a:font script="Arab" typeface="Tahoma"/>
-        <a:font script="Hebr" typeface="Gisha"/>
-        <a:font script="Thai" typeface="DilleniaUPC"/>
-        <a:font script="Ethi" typeface="Nyala"/>
-        <a:font script="Beng" typeface="Vrinda"/>
-        <a:font script="Gujr" typeface="Shruti"/>
-        <a:font script="Khmr" typeface="DaunPenh"/>
-        <a:font script="Knda" typeface="Tunga"/>
-        <a:font script="Guru" typeface="Raavi"/>
-        <a:font script="Cans" typeface="Euphemia"/>
-        <a:font script="Cher" typeface="Plantagenet Cherokee"/>
-        <a:font script="Yiii" typeface="Microsoft Yi Baiti"/>
-        <a:font script="Tibt" typeface="Microsoft Himalaya"/>
-        <a:font script="Thaa" typeface="MV Boli"/>
-        <a:font script="Deva" typeface="Mangal"/>
-        <a:font script="Telu" typeface="Gautami"/>
-        <a:font script="Taml" typeface="Latha"/>
-        <a:font script="Syrc" typeface="Estrangelo Edessa"/>
-        <a:font script="Orya" typeface="Kalinga"/>
-        <a:font script="Mlym" typeface="Kartika"/>
-        <a:font script="Laoo" typeface="DokChampa"/>
-        <a:font script="Sinh" typeface="Iskoola Pota"/>
-        <a:font script="Mong" typeface="Mongolian Baiti"/>
-        <a:font script="Viet" typeface="Verdana"/>
+        <a:font script="Viet" typeface="Arial"/>
         <a:font script="Uigh" typeface="Microsoft Uighur"/>
         <a:font script="Geor" typeface="Sylfaen"/>
       </a:minorFont>
     </a:fontScheme>
-    <a:fmtScheme name="Mesh">
+    <a:fmtScheme name="Ion">
       <a:fillStyleLst>
         <a:solidFill>
           <a:schemeClr val="phClr"/>
@@ -6419,13 +8680,15 @@
           <a:gsLst>
             <a:gs pos="0">
               <a:schemeClr val="phClr">
-                <a:tint val="60000"/>
-                <a:lumMod val="110000"/>
+                <a:tint val="64000"/>
+                <a:lumMod val="118000"/>
               </a:schemeClr>
             </a:gs>
             <a:gs pos="100000">
               <a:schemeClr val="phClr">
-                <a:tint val="82000"/>
+                <a:tint val="92000"/>
+                <a:alpha val="100000"/>
+                <a:lumMod val="110000"/>
               </a:schemeClr>
             </a:gs>
           </a:gsLst>
@@ -6435,13 +8698,13 @@
           <a:gsLst>
             <a:gs pos="0">
               <a:schemeClr val="phClr">
-                <a:tint val="96000"/>
-                <a:lumMod val="104000"/>
+                <a:tint val="98000"/>
+                <a:lumMod val="114000"/>
               </a:schemeClr>
             </a:gs>
             <a:gs pos="100000">
               <a:schemeClr val="phClr">
-                <a:shade val="84000"/>
+                <a:shade val="90000"/>
                 <a:lumMod val="84000"/>
               </a:schemeClr>
             </a:gs>
@@ -6462,7 +8725,7 @@
           </a:solidFill>
           <a:prstDash val="solid"/>
         </a:ln>
-        <a:ln w="25400" cap="rnd" cmpd="sng" algn="ctr">
+        <a:ln w="28575" cap="rnd" cmpd="sng" algn="ctr">
           <a:solidFill>
             <a:schemeClr val="phClr"/>
           </a:solidFill>
@@ -6475,16 +8738,16 @@
         </a:effectStyle>
         <a:effectStyle>
           <a:effectLst>
-            <a:innerShdw blurRad="50800" dist="25400" dir="13500000">
+            <a:outerShdw blurRad="38100" dist="25400" dir="5400000" rotWithShape="0">
               <a:srgbClr val="000000">
-                <a:alpha val="55000"/>
+                <a:alpha val="45000"/>
               </a:srgbClr>
-            </a:innerShdw>
+            </a:outerShdw>
           </a:effectLst>
         </a:effectStyle>
         <a:effectStyle>
           <a:effectLst>
-            <a:outerShdw blurRad="50800" dist="38100" dir="5400000" rotWithShape="0">
+            <a:outerShdw blurRad="63500" dist="38100" dir="5400000" rotWithShape="0">
               <a:srgbClr val="000000">
                 <a:alpha val="60000"/>
               </a:srgbClr>
@@ -6496,8 +8759,8 @@
             </a:camera>
             <a:lightRig rig="threePt" dir="tl"/>
           </a:scene3d>
-          <a:sp3d>
-            <a:bevelT w="25400" h="25400" prst="slope"/>
+          <a:sp3d prstMaterial="plastic">
+            <a:bevelT w="0" h="0"/>
           </a:sp3d>
         </a:effectStyle>
       </a:effectStyleLst>
@@ -6509,32 +8772,39 @@
           <a:gsLst>
             <a:gs pos="0">
               <a:schemeClr val="phClr">
-                <a:tint val="90000"/>
-                <a:lumMod val="110000"/>
+                <a:tint val="92000"/>
+                <a:hueMod val="96000"/>
+                <a:satMod val="128000"/>
+                <a:lumMod val="114000"/>
               </a:schemeClr>
             </a:gs>
             <a:gs pos="100000">
               <a:schemeClr val="phClr">
-                <a:shade val="64000"/>
-                <a:lumMod val="98000"/>
+                <a:shade val="62000"/>
+                <a:hueMod val="100000"/>
+                <a:satMod val="134000"/>
+                <a:lumMod val="56000"/>
               </a:schemeClr>
             </a:gs>
           </a:gsLst>
-          <a:lin ang="5400000" scaled="0"/>
+          <a:path path="circle">
+            <a:fillToRect l="45000" t="65000" r="125000" b="100000"/>
+          </a:path>
         </a:gradFill>
         <a:blipFill rotWithShape="1">
           <a:blip xmlns:r="http://schemas.openxmlformats.org/officeDocument/2006/relationships" r:embed="rId1">
             <a:duotone>
               <a:schemeClr val="phClr">
-                <a:shade val="28000"/>
-                <a:satMod val="94000"/>
-                <a:lumMod val="20000"/>
+                <a:shade val="62000"/>
+                <a:hueMod val="108000"/>
+                <a:satMod val="164000"/>
+                <a:lumMod val="69000"/>
               </a:schemeClr>
               <a:schemeClr val="phClr">
-                <a:tint val="94000"/>
-                <a:shade val="84000"/>
-                <a:satMod val="148000"/>
-                <a:lumMod val="114000"/>
+                <a:tint val="96000"/>
+                <a:hueMod val="90000"/>
+                <a:satMod val="130000"/>
+                <a:lumMod val="134000"/>
               </a:schemeClr>
             </a:duotone>
           </a:blip>
@@ -6547,7 +8817,7 @@
   <a:extraClrSchemeLst/>
   <a:extLst>
     <a:ext uri="{05A4C25C-085E-4340-85A3-A5531E510DB2}">
-      <thm15:themeFamily xmlns:thm15="http://schemas.microsoft.com/office/thememl/2012/main" name="Mesh" id="{789EC3FE-34FD-429C-9918-760025E6C145}" vid="{B8BE45C0-8141-4D58-8C71-A009BC26FBBB}"/>
+      <thm15:themeFamily xmlns:thm15="http://schemas.microsoft.com/office/thememl/2012/main" name="Ion" id="{B8441ADB-2E43-4AF7-B97A-BD870242C6A8}" vid="{BACC050B-8757-4460-95D8-E37B46A6B421}"/>
     </a:ext>
   </a:extLst>
 </a:theme>
